--- a/docs/defensa.pptx
+++ b/docs/defensa.pptx
@@ -4,10 +4,20 @@
   <p:sldMasterIdLst>
     <p:sldMasterId id="2147483648" r:id="rId1"/>
   </p:sldMasterIdLst>
+  <p:notesMasterIdLst>
+    <p:notesMasterId r:id="rId12"/>
+  </p:notesMasterIdLst>
   <p:sldIdLst>
     <p:sldId id="256" r:id="rId2"/>
     <p:sldId id="258" r:id="rId3"/>
     <p:sldId id="259" r:id="rId4"/>
+    <p:sldId id="261" r:id="rId5"/>
+    <p:sldId id="260" r:id="rId6"/>
+    <p:sldId id="262" r:id="rId7"/>
+    <p:sldId id="263" r:id="rId8"/>
+    <p:sldId id="264" r:id="rId9"/>
+    <p:sldId id="265" r:id="rId10"/>
+    <p:sldId id="266" r:id="rId11"/>
   </p:sldIdLst>
   <p:sldSz cx="12192000" cy="6858000"/>
   <p:notesSz cx="6858000" cy="9144000"/>
@@ -106,7 +116,448 @@
       </a:defRPr>
     </a:lvl9pPr>
   </p:defaultTextStyle>
+  <p:extLst>
+    <p:ext uri="{EFAFB233-063F-42B5-8137-9DF3F51BA10A}">
+      <p15:sldGuideLst xmlns:p15="http://schemas.microsoft.com/office/powerpoint/2012/main"/>
+    </p:ext>
+  </p:extLst>
 </p:presentation>
+</file>
+
+<file path=ppt/notesMasters/notesMaster1.xml><?xml version="1.0" encoding="utf-8"?>
+<p:notesMaster xmlns:a="http://schemas.openxmlformats.org/drawingml/2006/main" xmlns:r="http://schemas.openxmlformats.org/officeDocument/2006/relationships" xmlns:p="http://schemas.openxmlformats.org/presentationml/2006/main">
+  <p:cSld>
+    <p:bg>
+      <p:bgRef idx="1001">
+        <a:schemeClr val="bg1"/>
+      </p:bgRef>
+    </p:bg>
+    <p:spTree>
+      <p:nvGrpSpPr>
+        <p:cNvPr id="1" name=""/>
+        <p:cNvGrpSpPr/>
+        <p:nvPr/>
+      </p:nvGrpSpPr>
+      <p:grpSpPr>
+        <a:xfrm>
+          <a:off x="0" y="0"/>
+          <a:ext cx="0" cy="0"/>
+          <a:chOff x="0" y="0"/>
+          <a:chExt cx="0" cy="0"/>
+        </a:xfrm>
+      </p:grpSpPr>
+      <p:sp>
+        <p:nvSpPr>
+          <p:cNvPr id="2" name="Marcador de encabezado 1"/>
+          <p:cNvSpPr>
+            <a:spLocks noGrp="1"/>
+          </p:cNvSpPr>
+          <p:nvPr>
+            <p:ph type="hdr" sz="quarter"/>
+          </p:nvPr>
+        </p:nvSpPr>
+        <p:spPr>
+          <a:xfrm>
+            <a:off x="0" y="0"/>
+            <a:ext cx="2971800" cy="458788"/>
+          </a:xfrm>
+          <a:prstGeom prst="rect">
+            <a:avLst/>
+          </a:prstGeom>
+        </p:spPr>
+        <p:txBody>
+          <a:bodyPr vert="horz" lIns="91440" tIns="45720" rIns="91440" bIns="45720" rtlCol="0"/>
+          <a:lstStyle>
+            <a:lvl1pPr algn="l">
+              <a:defRPr sz="1200"/>
+            </a:lvl1pPr>
+          </a:lstStyle>
+          <a:p>
+            <a:endParaRPr lang="es-ES"/>
+          </a:p>
+        </p:txBody>
+      </p:sp>
+      <p:sp>
+        <p:nvSpPr>
+          <p:cNvPr id="3" name="Marcador de fecha 2"/>
+          <p:cNvSpPr>
+            <a:spLocks noGrp="1"/>
+          </p:cNvSpPr>
+          <p:nvPr>
+            <p:ph type="dt" idx="1"/>
+          </p:nvPr>
+        </p:nvSpPr>
+        <p:spPr>
+          <a:xfrm>
+            <a:off x="3884613" y="0"/>
+            <a:ext cx="2971800" cy="458788"/>
+          </a:xfrm>
+          <a:prstGeom prst="rect">
+            <a:avLst/>
+          </a:prstGeom>
+        </p:spPr>
+        <p:txBody>
+          <a:bodyPr vert="horz" lIns="91440" tIns="45720" rIns="91440" bIns="45720" rtlCol="0"/>
+          <a:lstStyle>
+            <a:lvl1pPr algn="r">
+              <a:defRPr sz="1200"/>
+            </a:lvl1pPr>
+          </a:lstStyle>
+          <a:p>
+            <a:fld id="{FA96180D-9BB2-4CE8-A504-EC7BD5B7DBCF}" type="datetimeFigureOut">
+              <a:rPr lang="es-ES" smtClean="0"/>
+              <a:t>12/01/2026</a:t>
+            </a:fld>
+            <a:endParaRPr lang="es-ES"/>
+          </a:p>
+        </p:txBody>
+      </p:sp>
+      <p:sp>
+        <p:nvSpPr>
+          <p:cNvPr id="4" name="Marcador de imagen de diapositiva 3"/>
+          <p:cNvSpPr>
+            <a:spLocks noGrp="1" noRot="1" noChangeAspect="1"/>
+          </p:cNvSpPr>
+          <p:nvPr>
+            <p:ph type="sldImg" idx="2"/>
+          </p:nvPr>
+        </p:nvSpPr>
+        <p:spPr>
+          <a:xfrm>
+            <a:off x="685800" y="1143000"/>
+            <a:ext cx="5486400" cy="3086100"/>
+          </a:xfrm>
+          <a:prstGeom prst="rect">
+            <a:avLst/>
+          </a:prstGeom>
+          <a:noFill/>
+          <a:ln w="12700">
+            <a:solidFill>
+              <a:prstClr val="black"/>
+            </a:solidFill>
+          </a:ln>
+        </p:spPr>
+        <p:txBody>
+          <a:bodyPr vert="horz" lIns="91440" tIns="45720" rIns="91440" bIns="45720" rtlCol="0" anchor="ctr"/>
+          <a:lstStyle/>
+          <a:p>
+            <a:endParaRPr lang="es-ES"/>
+          </a:p>
+        </p:txBody>
+      </p:sp>
+      <p:sp>
+        <p:nvSpPr>
+          <p:cNvPr id="5" name="Marcador de notas 4"/>
+          <p:cNvSpPr>
+            <a:spLocks noGrp="1"/>
+          </p:cNvSpPr>
+          <p:nvPr>
+            <p:ph type="body" sz="quarter" idx="3"/>
+          </p:nvPr>
+        </p:nvSpPr>
+        <p:spPr>
+          <a:xfrm>
+            <a:off x="685800" y="4400550"/>
+            <a:ext cx="5486400" cy="3600450"/>
+          </a:xfrm>
+          <a:prstGeom prst="rect">
+            <a:avLst/>
+          </a:prstGeom>
+        </p:spPr>
+        <p:txBody>
+          <a:bodyPr vert="horz" lIns="91440" tIns="45720" rIns="91440" bIns="45720" rtlCol="0"/>
+          <a:lstStyle/>
+          <a:p>
+            <a:pPr lvl="0"/>
+            <a:r>
+              <a:rPr lang="es-ES"/>
+              <a:t>Haga clic para modificar los estilos de texto del patrón</a:t>
+            </a:r>
+          </a:p>
+          <a:p>
+            <a:pPr lvl="1"/>
+            <a:r>
+              <a:rPr lang="es-ES"/>
+              <a:t>Segundo nivel</a:t>
+            </a:r>
+          </a:p>
+          <a:p>
+            <a:pPr lvl="2"/>
+            <a:r>
+              <a:rPr lang="es-ES"/>
+              <a:t>Tercer nivel</a:t>
+            </a:r>
+          </a:p>
+          <a:p>
+            <a:pPr lvl="3"/>
+            <a:r>
+              <a:rPr lang="es-ES"/>
+              <a:t>Cuarto nivel</a:t>
+            </a:r>
+          </a:p>
+          <a:p>
+            <a:pPr lvl="4"/>
+            <a:r>
+              <a:rPr lang="es-ES"/>
+              <a:t>Quinto nivel</a:t>
+            </a:r>
+          </a:p>
+        </p:txBody>
+      </p:sp>
+      <p:sp>
+        <p:nvSpPr>
+          <p:cNvPr id="6" name="Marcador de pie de página 5"/>
+          <p:cNvSpPr>
+            <a:spLocks noGrp="1"/>
+          </p:cNvSpPr>
+          <p:nvPr>
+            <p:ph type="ftr" sz="quarter" idx="4"/>
+          </p:nvPr>
+        </p:nvSpPr>
+        <p:spPr>
+          <a:xfrm>
+            <a:off x="0" y="8685213"/>
+            <a:ext cx="2971800" cy="458787"/>
+          </a:xfrm>
+          <a:prstGeom prst="rect">
+            <a:avLst/>
+          </a:prstGeom>
+        </p:spPr>
+        <p:txBody>
+          <a:bodyPr vert="horz" lIns="91440" tIns="45720" rIns="91440" bIns="45720" rtlCol="0" anchor="b"/>
+          <a:lstStyle>
+            <a:lvl1pPr algn="l">
+              <a:defRPr sz="1200"/>
+            </a:lvl1pPr>
+          </a:lstStyle>
+          <a:p>
+            <a:endParaRPr lang="es-ES"/>
+          </a:p>
+        </p:txBody>
+      </p:sp>
+      <p:sp>
+        <p:nvSpPr>
+          <p:cNvPr id="7" name="Marcador de número de diapositiva 6"/>
+          <p:cNvSpPr>
+            <a:spLocks noGrp="1"/>
+          </p:cNvSpPr>
+          <p:nvPr>
+            <p:ph type="sldNum" sz="quarter" idx="5"/>
+          </p:nvPr>
+        </p:nvSpPr>
+        <p:spPr>
+          <a:xfrm>
+            <a:off x="3884613" y="8685213"/>
+            <a:ext cx="2971800" cy="458787"/>
+          </a:xfrm>
+          <a:prstGeom prst="rect">
+            <a:avLst/>
+          </a:prstGeom>
+        </p:spPr>
+        <p:txBody>
+          <a:bodyPr vert="horz" lIns="91440" tIns="45720" rIns="91440" bIns="45720" rtlCol="0" anchor="b"/>
+          <a:lstStyle>
+            <a:lvl1pPr algn="r">
+              <a:defRPr sz="1200"/>
+            </a:lvl1pPr>
+          </a:lstStyle>
+          <a:p>
+            <a:fld id="{F1DE5E7B-59CA-4FE1-8683-B164204D062B}" type="slidenum">
+              <a:rPr lang="es-ES" smtClean="0"/>
+              <a:t>‹Nº›</a:t>
+            </a:fld>
+            <a:endParaRPr lang="es-ES"/>
+          </a:p>
+        </p:txBody>
+      </p:sp>
+    </p:spTree>
+    <p:extLst>
+      <p:ext uri="{BB962C8B-B14F-4D97-AF65-F5344CB8AC3E}">
+        <p14:creationId xmlns:p14="http://schemas.microsoft.com/office/powerpoint/2010/main" val="638290257"/>
+      </p:ext>
+    </p:extLst>
+  </p:cSld>
+  <p:clrMap bg1="lt1" tx1="dk1" bg2="lt2" tx2="dk2" accent1="accent1" accent2="accent2" accent3="accent3" accent4="accent4" accent5="accent5" accent6="accent6" hlink="hlink" folHlink="folHlink"/>
+  <p:notesStyle>
+    <a:lvl1pPr marL="0" algn="l" defTabSz="914400" rtl="0" eaLnBrk="1" latinLnBrk="0" hangingPunct="1">
+      <a:defRPr sz="1200" kern="1200">
+        <a:solidFill>
+          <a:schemeClr val="tx1"/>
+        </a:solidFill>
+        <a:latin typeface="+mn-lt"/>
+        <a:ea typeface="+mn-ea"/>
+        <a:cs typeface="+mn-cs"/>
+      </a:defRPr>
+    </a:lvl1pPr>
+    <a:lvl2pPr marL="457200" algn="l" defTabSz="914400" rtl="0" eaLnBrk="1" latinLnBrk="0" hangingPunct="1">
+      <a:defRPr sz="1200" kern="1200">
+        <a:solidFill>
+          <a:schemeClr val="tx1"/>
+        </a:solidFill>
+        <a:latin typeface="+mn-lt"/>
+        <a:ea typeface="+mn-ea"/>
+        <a:cs typeface="+mn-cs"/>
+      </a:defRPr>
+    </a:lvl2pPr>
+    <a:lvl3pPr marL="914400" algn="l" defTabSz="914400" rtl="0" eaLnBrk="1" latinLnBrk="0" hangingPunct="1">
+      <a:defRPr sz="1200" kern="1200">
+        <a:solidFill>
+          <a:schemeClr val="tx1"/>
+        </a:solidFill>
+        <a:latin typeface="+mn-lt"/>
+        <a:ea typeface="+mn-ea"/>
+        <a:cs typeface="+mn-cs"/>
+      </a:defRPr>
+    </a:lvl3pPr>
+    <a:lvl4pPr marL="1371600" algn="l" defTabSz="914400" rtl="0" eaLnBrk="1" latinLnBrk="0" hangingPunct="1">
+      <a:defRPr sz="1200" kern="1200">
+        <a:solidFill>
+          <a:schemeClr val="tx1"/>
+        </a:solidFill>
+        <a:latin typeface="+mn-lt"/>
+        <a:ea typeface="+mn-ea"/>
+        <a:cs typeface="+mn-cs"/>
+      </a:defRPr>
+    </a:lvl4pPr>
+    <a:lvl5pPr marL="1828800" algn="l" defTabSz="914400" rtl="0" eaLnBrk="1" latinLnBrk="0" hangingPunct="1">
+      <a:defRPr sz="1200" kern="1200">
+        <a:solidFill>
+          <a:schemeClr val="tx1"/>
+        </a:solidFill>
+        <a:latin typeface="+mn-lt"/>
+        <a:ea typeface="+mn-ea"/>
+        <a:cs typeface="+mn-cs"/>
+      </a:defRPr>
+    </a:lvl5pPr>
+    <a:lvl6pPr marL="2286000" algn="l" defTabSz="914400" rtl="0" eaLnBrk="1" latinLnBrk="0" hangingPunct="1">
+      <a:defRPr sz="1200" kern="1200">
+        <a:solidFill>
+          <a:schemeClr val="tx1"/>
+        </a:solidFill>
+        <a:latin typeface="+mn-lt"/>
+        <a:ea typeface="+mn-ea"/>
+        <a:cs typeface="+mn-cs"/>
+      </a:defRPr>
+    </a:lvl6pPr>
+    <a:lvl7pPr marL="2743200" algn="l" defTabSz="914400" rtl="0" eaLnBrk="1" latinLnBrk="0" hangingPunct="1">
+      <a:defRPr sz="1200" kern="1200">
+        <a:solidFill>
+          <a:schemeClr val="tx1"/>
+        </a:solidFill>
+        <a:latin typeface="+mn-lt"/>
+        <a:ea typeface="+mn-ea"/>
+        <a:cs typeface="+mn-cs"/>
+      </a:defRPr>
+    </a:lvl7pPr>
+    <a:lvl8pPr marL="3200400" algn="l" defTabSz="914400" rtl="0" eaLnBrk="1" latinLnBrk="0" hangingPunct="1">
+      <a:defRPr sz="1200" kern="1200">
+        <a:solidFill>
+          <a:schemeClr val="tx1"/>
+        </a:solidFill>
+        <a:latin typeface="+mn-lt"/>
+        <a:ea typeface="+mn-ea"/>
+        <a:cs typeface="+mn-cs"/>
+      </a:defRPr>
+    </a:lvl8pPr>
+    <a:lvl9pPr marL="3657600" algn="l" defTabSz="914400" rtl="0" eaLnBrk="1" latinLnBrk="0" hangingPunct="1">
+      <a:defRPr sz="1200" kern="1200">
+        <a:solidFill>
+          <a:schemeClr val="tx1"/>
+        </a:solidFill>
+        <a:latin typeface="+mn-lt"/>
+        <a:ea typeface="+mn-ea"/>
+        <a:cs typeface="+mn-cs"/>
+      </a:defRPr>
+    </a:lvl9pPr>
+  </p:notesStyle>
+</p:notesMaster>
+</file>
+
+<file path=ppt/notesSlides/notesSlide1.xml><?xml version="1.0" encoding="utf-8"?>
+<p:notes xmlns:a="http://schemas.openxmlformats.org/drawingml/2006/main" xmlns:r="http://schemas.openxmlformats.org/officeDocument/2006/relationships" xmlns:p="http://schemas.openxmlformats.org/presentationml/2006/main">
+  <p:cSld>
+    <p:spTree>
+      <p:nvGrpSpPr>
+        <p:cNvPr id="1" name=""/>
+        <p:cNvGrpSpPr/>
+        <p:nvPr/>
+      </p:nvGrpSpPr>
+      <p:grpSpPr>
+        <a:xfrm>
+          <a:off x="0" y="0"/>
+          <a:ext cx="0" cy="0"/>
+          <a:chOff x="0" y="0"/>
+          <a:chExt cx="0" cy="0"/>
+        </a:xfrm>
+      </p:grpSpPr>
+      <p:sp>
+        <p:nvSpPr>
+          <p:cNvPr id="2" name="Marcador de imagen de diapositiva 1"/>
+          <p:cNvSpPr>
+            <a:spLocks noGrp="1" noRot="1" noChangeAspect="1"/>
+          </p:cNvSpPr>
+          <p:nvPr>
+            <p:ph type="sldImg"/>
+          </p:nvPr>
+        </p:nvSpPr>
+        <p:spPr/>
+      </p:sp>
+      <p:sp>
+        <p:nvSpPr>
+          <p:cNvPr id="3" name="Marcador de notas 2"/>
+          <p:cNvSpPr>
+            <a:spLocks noGrp="1"/>
+          </p:cNvSpPr>
+          <p:nvPr>
+            <p:ph type="body" idx="1"/>
+          </p:nvPr>
+        </p:nvSpPr>
+        <p:spPr/>
+        <p:txBody>
+          <a:bodyPr/>
+          <a:lstStyle/>
+          <a:p>
+            <a:r>
+              <a:rPr lang="es-ES" dirty="0"/>
+              <a:t>Modelos de disposición de fármacos mediada por diana</a:t>
+            </a:r>
+          </a:p>
+        </p:txBody>
+      </p:sp>
+      <p:sp>
+        <p:nvSpPr>
+          <p:cNvPr id="4" name="Marcador de número de diapositiva 3"/>
+          <p:cNvSpPr>
+            <a:spLocks noGrp="1"/>
+          </p:cNvSpPr>
+          <p:nvPr>
+            <p:ph type="sldNum" sz="quarter" idx="5"/>
+          </p:nvPr>
+        </p:nvSpPr>
+        <p:spPr/>
+        <p:txBody>
+          <a:bodyPr/>
+          <a:lstStyle/>
+          <a:p>
+            <a:fld id="{F1DE5E7B-59CA-4FE1-8683-B164204D062B}" type="slidenum">
+              <a:rPr lang="es-ES" smtClean="0"/>
+              <a:t>1</a:t>
+            </a:fld>
+            <a:endParaRPr lang="es-ES"/>
+          </a:p>
+        </p:txBody>
+      </p:sp>
+    </p:spTree>
+    <p:extLst>
+      <p:ext uri="{BB962C8B-B14F-4D97-AF65-F5344CB8AC3E}">
+        <p14:creationId xmlns:p14="http://schemas.microsoft.com/office/powerpoint/2010/main" val="3352660959"/>
+      </p:ext>
+    </p:extLst>
+  </p:cSld>
+  <p:clrMapOvr>
+    <a:masterClrMapping/>
+  </p:clrMapOvr>
+</p:notes>
 </file>
 
 <file path=ppt/slideLayouts/slideLayout1.xml><?xml version="1.0" encoding="utf-8"?>
@@ -5618,6 +6069,208 @@
 </p:sld>
 </file>
 
+<file path=ppt/slides/slide10.xml><?xml version="1.0" encoding="utf-8"?>
+<p:sld xmlns:a="http://schemas.openxmlformats.org/drawingml/2006/main" xmlns:r="http://schemas.openxmlformats.org/officeDocument/2006/relationships" xmlns:p="http://schemas.openxmlformats.org/presentationml/2006/main">
+  <p:cSld>
+    <p:spTree>
+      <p:nvGrpSpPr>
+        <p:cNvPr id="1" name="">
+          <a:extLst>
+            <a:ext uri="{FF2B5EF4-FFF2-40B4-BE49-F238E27FC236}">
+              <a16:creationId xmlns:a16="http://schemas.microsoft.com/office/drawing/2014/main" id="{30AEE332-B0E9-1AE4-EC3A-CF0E32653017}"/>
+            </a:ext>
+          </a:extLst>
+        </p:cNvPr>
+        <p:cNvGrpSpPr/>
+        <p:nvPr/>
+      </p:nvGrpSpPr>
+      <p:grpSpPr>
+        <a:xfrm>
+          <a:off x="0" y="0"/>
+          <a:ext cx="0" cy="0"/>
+          <a:chOff x="0" y="0"/>
+          <a:chExt cx="0" cy="0"/>
+        </a:xfrm>
+      </p:grpSpPr>
+      <p:sp>
+        <p:nvSpPr>
+          <p:cNvPr id="2" name="Título 1">
+            <a:extLst>
+              <a:ext uri="{FF2B5EF4-FFF2-40B4-BE49-F238E27FC236}">
+                <a16:creationId xmlns:a16="http://schemas.microsoft.com/office/drawing/2014/main" id="{4907E2E2-912D-B34B-71E3-3CB29D2F419C}"/>
+              </a:ext>
+            </a:extLst>
+          </p:cNvPr>
+          <p:cNvSpPr>
+            <a:spLocks noGrp="1"/>
+          </p:cNvSpPr>
+          <p:nvPr>
+            <p:ph type="title"/>
+          </p:nvPr>
+        </p:nvSpPr>
+        <p:spPr/>
+        <p:txBody>
+          <a:bodyPr anchor="ctr"/>
+          <a:lstStyle/>
+          <a:p>
+            <a:r>
+              <a:rPr lang="es-ES" dirty="0" err="1"/>
+              <a:t>Extensions</a:t>
+            </a:r>
+            <a:r>
+              <a:rPr lang="es-ES" dirty="0"/>
+              <a:t> </a:t>
+            </a:r>
+            <a:r>
+              <a:rPr lang="es-ES" dirty="0" err="1"/>
+              <a:t>to</a:t>
+            </a:r>
+            <a:r>
+              <a:rPr lang="es-ES" dirty="0"/>
+              <a:t> </a:t>
+            </a:r>
+            <a:r>
+              <a:rPr lang="es-ES" dirty="0" err="1"/>
+              <a:t>two-compartment</a:t>
+            </a:r>
+            <a:r>
+              <a:rPr lang="es-ES" dirty="0"/>
+              <a:t> </a:t>
+            </a:r>
+            <a:r>
+              <a:rPr lang="es-ES" dirty="0" err="1"/>
+              <a:t>models</a:t>
+            </a:r>
+            <a:endParaRPr lang="es-ES" dirty="0"/>
+          </a:p>
+        </p:txBody>
+      </p:sp>
+      <p:sp>
+        <p:nvSpPr>
+          <p:cNvPr id="7" name="Marcador de texto 6">
+            <a:extLst>
+              <a:ext uri="{FF2B5EF4-FFF2-40B4-BE49-F238E27FC236}">
+                <a16:creationId xmlns:a16="http://schemas.microsoft.com/office/drawing/2014/main" id="{107068A9-44B8-C4DA-1204-0DEAA4F3BECF}"/>
+              </a:ext>
+            </a:extLst>
+          </p:cNvPr>
+          <p:cNvSpPr>
+            <a:spLocks noGrp="1"/>
+          </p:cNvSpPr>
+          <p:nvPr>
+            <p:ph type="body" sz="half" idx="2"/>
+          </p:nvPr>
+        </p:nvSpPr>
+        <p:spPr>
+          <a:xfrm>
+            <a:off x="7802062" y="2314073"/>
+            <a:ext cx="3932237" cy="3811588"/>
+          </a:xfrm>
+        </p:spPr>
+        <p:txBody>
+          <a:bodyPr/>
+          <a:lstStyle/>
+          <a:p>
+            <a:r>
+              <a:rPr lang="es-ES" dirty="0" err="1"/>
+              <a:t>Drug</a:t>
+            </a:r>
+            <a:r>
+              <a:rPr lang="es-ES" dirty="0"/>
+              <a:t>-receptor </a:t>
+            </a:r>
+            <a:r>
+              <a:rPr lang="es-ES" dirty="0" err="1"/>
+              <a:t>binding</a:t>
+            </a:r>
+            <a:r>
+              <a:rPr lang="es-ES" dirty="0"/>
+              <a:t> </a:t>
+            </a:r>
+            <a:r>
+              <a:rPr lang="es-ES" dirty="0" err="1"/>
+              <a:t>occurs</a:t>
+            </a:r>
+            <a:r>
+              <a:rPr lang="es-ES" dirty="0"/>
+              <a:t> in </a:t>
+            </a:r>
+            <a:r>
+              <a:rPr lang="es-ES" dirty="0" err="1"/>
+              <a:t>both</a:t>
+            </a:r>
+            <a:r>
+              <a:rPr lang="es-ES" dirty="0"/>
+              <a:t> </a:t>
+            </a:r>
+            <a:r>
+              <a:rPr lang="es-ES" dirty="0" err="1"/>
+              <a:t>compartments</a:t>
+            </a:r>
+            <a:r>
+              <a:rPr lang="es-ES" dirty="0"/>
+              <a:t>.</a:t>
+            </a:r>
+          </a:p>
+          <a:p>
+            <a:endParaRPr lang="es-ES" dirty="0"/>
+          </a:p>
+          <a:p>
+            <a:r>
+              <a:rPr lang="es-ES" b="1" dirty="0" err="1"/>
+              <a:t>Canakinumab</a:t>
+            </a:r>
+            <a:r>
+              <a:rPr lang="es-ES" dirty="0"/>
+              <a:t> (AUTOINFLAMATORY CONDITIONS)</a:t>
+            </a:r>
+            <a:endParaRPr lang="es-ES" b="1" dirty="0"/>
+          </a:p>
+        </p:txBody>
+      </p:sp>
+      <p:pic>
+        <p:nvPicPr>
+          <p:cNvPr id="4" name="Imagen 3">
+            <a:extLst>
+              <a:ext uri="{FF2B5EF4-FFF2-40B4-BE49-F238E27FC236}">
+                <a16:creationId xmlns:a16="http://schemas.microsoft.com/office/drawing/2014/main" id="{7A84EB8F-EB29-ADFD-5A09-41C87283A6D4}"/>
+              </a:ext>
+            </a:extLst>
+          </p:cNvPr>
+          <p:cNvPicPr>
+            <a:picLocks noChangeAspect="1"/>
+          </p:cNvPicPr>
+          <p:nvPr/>
+        </p:nvPicPr>
+        <p:blipFill>
+          <a:blip r:embed="rId2"/>
+          <a:stretch>
+            <a:fillRect/>
+          </a:stretch>
+        </p:blipFill>
+        <p:spPr>
+          <a:xfrm>
+            <a:off x="565533" y="1938389"/>
+            <a:ext cx="6854444" cy="4649279"/>
+          </a:xfrm>
+          <a:prstGeom prst="rect">
+            <a:avLst/>
+          </a:prstGeom>
+        </p:spPr>
+      </p:pic>
+    </p:spTree>
+    <p:extLst>
+      <p:ext uri="{BB962C8B-B14F-4D97-AF65-F5344CB8AC3E}">
+        <p14:creationId xmlns:p14="http://schemas.microsoft.com/office/powerpoint/2010/main" val="4087448908"/>
+      </p:ext>
+    </p:extLst>
+  </p:cSld>
+  <p:clrMapOvr>
+    <a:masterClrMapping/>
+  </p:clrMapOvr>
+</p:sld>
+</file>
+
 <file path=ppt/slides/slide2.xml><?xml version="1.0" encoding="utf-8"?>
 <p:sld xmlns:a="http://schemas.openxmlformats.org/drawingml/2006/main" xmlns:r="http://schemas.openxmlformats.org/officeDocument/2006/relationships" xmlns:p="http://schemas.openxmlformats.org/presentationml/2006/main">
   <p:cSld>
@@ -5665,7 +6318,15 @@
           <a:p>
             <a:r>
               <a:rPr lang="es-ES" dirty="0" err="1"/>
-              <a:t>Introduction</a:t>
+              <a:t>Sationary</a:t>
+            </a:r>
+            <a:r>
+              <a:rPr lang="es-ES" dirty="0"/>
+              <a:t> </a:t>
+            </a:r>
+            <a:r>
+              <a:rPr lang="es-ES" dirty="0" err="1"/>
+              <a:t>state</a:t>
             </a:r>
             <a:endParaRPr lang="es-ES" dirty="0"/>
           </a:p>
@@ -5713,10 +6374,7 @@
                   <a:rPr lang="es-ES" dirty="0" err="1"/>
                   <a:t>complex</a:t>
                 </a:r>
-                <a:r>
-                  <a:rPr lang="es-ES" dirty="0"/>
-                  <a:t>.</a:t>
-                </a:r>
+                <a:endParaRPr lang="es-ES" dirty="0"/>
               </a:p>
               <a:p>
                 <a:pPr marL="285750" indent="-285750">
@@ -5759,7 +6417,7 @@
                 </a:r>
                 <a:r>
                   <a:rPr lang="es-ES" dirty="0"/>
-                  <a:t> (receptor)</a:t>
+                  <a:t> (receptor/target)</a:t>
                 </a:r>
               </a:p>
               <a:p>
@@ -5770,6 +6428,7 @@
                 <a:endParaRPr lang="es-ES" dirty="0"/>
               </a:p>
               <a:p>
+                <a:pPr/>
                 <a14:m>
                   <m:oMathPara xmlns:m="http://schemas.openxmlformats.org/officeDocument/2006/math">
                     <m:oMathParaPr>
@@ -5795,10 +6454,11 @@
                         <m:t>𝑅</m:t>
                       </m:r>
                       <m:r>
-                        <a:rPr lang="es-ES" b="0" i="1" smtClean="0">
+                        <a:rPr lang="es-ES" i="1">
                           <a:latin typeface="Cambria Math" panose="02040503050406030204" pitchFamily="18" charset="0"/>
+                          <a:ea typeface="Cambria Math" panose="02040503050406030204" pitchFamily="18" charset="0"/>
                         </a:rPr>
-                        <m:t> →</m:t>
+                        <m:t>⇄</m:t>
                       </m:r>
                       <m:r>
                         <a:rPr lang="es-ES" b="0" i="1" smtClean="0">
@@ -5813,6 +6473,7 @@
                 <a:endParaRPr lang="es-ES" dirty="0"/>
               </a:p>
               <a:p>
+                <a:pPr/>
                 <a:endParaRPr lang="es-ES" dirty="0"/>
               </a:p>
               <a:p>
@@ -5855,6 +6516,7 @@
                 <a:endParaRPr lang="es-ES" dirty="0"/>
               </a:p>
               <a:p>
+                <a:pPr/>
                 <a14:m>
                   <m:oMathPara xmlns:m="http://schemas.openxmlformats.org/officeDocument/2006/math">
                     <m:oMathParaPr>
@@ -5957,6 +6619,10 @@
                     </m:oMath>
                   </m:oMathPara>
                 </a14:m>
+                <a:endParaRPr lang="es-ES" dirty="0"/>
+              </a:p>
+              <a:p>
+                <a:pPr/>
                 <a:endParaRPr lang="es-ES" dirty="0"/>
               </a:p>
               <a:p>
@@ -6030,6 +6696,7 @@
                 <a:endParaRPr lang="es-ES" dirty="0"/>
               </a:p>
               <a:p>
+                <a:pPr/>
                 <a14:m>
                   <m:oMathPara xmlns:m="http://schemas.openxmlformats.org/officeDocument/2006/math">
                     <m:oMathParaPr>
@@ -6536,8 +7203,8 @@
         </p:blipFill>
         <p:spPr>
           <a:xfrm>
-            <a:off x="839788" y="2339248"/>
-            <a:ext cx="4439783" cy="1265338"/>
+            <a:off x="90894" y="2339247"/>
+            <a:ext cx="5188678" cy="1478773"/>
           </a:xfrm>
           <a:prstGeom prst="rect">
             <a:avLst/>
@@ -6561,7 +7228,7 @@
             <p:spPr>
               <a:xfrm>
                 <a:off x="762000" y="4245429"/>
-                <a:ext cx="5508434" cy="1698157"/>
+                <a:ext cx="5508434" cy="2224070"/>
               </a:xfrm>
               <a:prstGeom prst="rect">
                 <a:avLst/>
@@ -6752,6 +7419,219 @@
                 <a:endParaRPr lang="es-ES" b="0" dirty="0"/>
               </a:p>
               <a:p>
+                <a:endParaRPr lang="es-ES" b="0" dirty="0"/>
+              </a:p>
+              <a:p>
+                <a:pPr/>
+                <a14:m>
+                  <m:oMathPara xmlns:m="http://schemas.openxmlformats.org/officeDocument/2006/math">
+                    <m:oMathParaPr>
+                      <m:jc m:val="left"/>
+                    </m:oMathParaPr>
+                    <m:oMath xmlns:m="http://schemas.openxmlformats.org/officeDocument/2006/math">
+                      <m:f>
+                        <m:fPr>
+                          <m:ctrlPr>
+                            <a:rPr lang="es-ES" i="1" smtClean="0">
+                              <a:latin typeface="Cambria Math" panose="02040503050406030204" pitchFamily="18" charset="0"/>
+                            </a:rPr>
+                          </m:ctrlPr>
+                        </m:fPr>
+                        <m:num>
+                          <m:r>
+                            <a:rPr lang="es-ES" i="1" smtClean="0">
+                              <a:latin typeface="Cambria Math" panose="02040503050406030204" pitchFamily="18" charset="0"/>
+                            </a:rPr>
+                            <m:t>𝑑</m:t>
+                          </m:r>
+                          <m:r>
+                            <a:rPr lang="es-ES" b="0" i="1" smtClean="0">
+                              <a:latin typeface="Cambria Math" panose="02040503050406030204" pitchFamily="18" charset="0"/>
+                            </a:rPr>
+                            <m:t>𝑅</m:t>
+                          </m:r>
+                        </m:num>
+                        <m:den>
+                          <m:r>
+                            <a:rPr lang="es-ES" i="1" smtClean="0">
+                              <a:latin typeface="Cambria Math" panose="02040503050406030204" pitchFamily="18" charset="0"/>
+                            </a:rPr>
+                            <m:t>𝑑</m:t>
+                          </m:r>
+                          <m:r>
+                            <a:rPr lang="es-ES" b="0" i="1" smtClean="0">
+                              <a:latin typeface="Cambria Math" panose="02040503050406030204" pitchFamily="18" charset="0"/>
+                            </a:rPr>
+                            <m:t>𝑡</m:t>
+                          </m:r>
+                        </m:den>
+                      </m:f>
+                      <m:r>
+                        <a:rPr lang="es-ES" b="0" i="1" smtClean="0">
+                          <a:latin typeface="Cambria Math" panose="02040503050406030204" pitchFamily="18" charset="0"/>
+                        </a:rPr>
+                        <m:t>=</m:t>
+                      </m:r>
+                      <m:sSub>
+                        <m:sSubPr>
+                          <m:ctrlPr>
+                            <a:rPr lang="es-ES" b="0" i="1" smtClean="0">
+                              <a:latin typeface="Cambria Math" panose="02040503050406030204" pitchFamily="18" charset="0"/>
+                            </a:rPr>
+                          </m:ctrlPr>
+                        </m:sSubPr>
+                        <m:e>
+                          <m:r>
+                            <a:rPr lang="es-ES" b="0" i="1" smtClean="0">
+                              <a:latin typeface="Cambria Math" panose="02040503050406030204" pitchFamily="18" charset="0"/>
+                            </a:rPr>
+                            <m:t>𝑘</m:t>
+                          </m:r>
+                        </m:e>
+                        <m:sub>
+                          <m:r>
+                            <a:rPr lang="es-ES" b="0" i="1" smtClean="0">
+                              <a:latin typeface="Cambria Math" panose="02040503050406030204" pitchFamily="18" charset="0"/>
+                            </a:rPr>
+                            <m:t>𝑖𝑛</m:t>
+                          </m:r>
+                        </m:sub>
+                      </m:sSub>
+                      <m:r>
+                        <a:rPr lang="es-ES" b="0" i="1" smtClean="0">
+                          <a:latin typeface="Cambria Math" panose="02040503050406030204" pitchFamily="18" charset="0"/>
+                        </a:rPr>
+                        <m:t>−</m:t>
+                      </m:r>
+                      <m:sSub>
+                        <m:sSubPr>
+                          <m:ctrlPr>
+                            <a:rPr lang="es-ES" i="1">
+                              <a:latin typeface="Cambria Math" panose="02040503050406030204" pitchFamily="18" charset="0"/>
+                            </a:rPr>
+                          </m:ctrlPr>
+                        </m:sSubPr>
+                        <m:e>
+                          <m:r>
+                            <a:rPr lang="es-ES" i="1">
+                              <a:latin typeface="Cambria Math" panose="02040503050406030204" pitchFamily="18" charset="0"/>
+                            </a:rPr>
+                            <m:t>𝑘</m:t>
+                          </m:r>
+                        </m:e>
+                        <m:sub>
+                          <m:r>
+                            <a:rPr lang="es-ES" b="0" i="1" smtClean="0">
+                              <a:latin typeface="Cambria Math" panose="02040503050406030204" pitchFamily="18" charset="0"/>
+                            </a:rPr>
+                            <m:t>𝑜𝑢𝑡</m:t>
+                          </m:r>
+                        </m:sub>
+                      </m:sSub>
+                      <m:r>
+                        <a:rPr lang="es-ES" b="0" i="1" smtClean="0">
+                          <a:latin typeface="Cambria Math" panose="02040503050406030204" pitchFamily="18" charset="0"/>
+                        </a:rPr>
+                        <m:t>𝑅</m:t>
+                      </m:r>
+                      <m:r>
+                        <a:rPr lang="es-ES" b="0" i="1" smtClean="0">
+                          <a:latin typeface="Cambria Math" panose="02040503050406030204" pitchFamily="18" charset="0"/>
+                        </a:rPr>
+                        <m:t>+</m:t>
+                      </m:r>
+                      <m:sSub>
+                        <m:sSubPr>
+                          <m:ctrlPr>
+                            <a:rPr lang="es-ES" i="1">
+                              <a:latin typeface="Cambria Math" panose="02040503050406030204" pitchFamily="18" charset="0"/>
+                            </a:rPr>
+                          </m:ctrlPr>
+                        </m:sSubPr>
+                        <m:e>
+                          <m:r>
+                            <a:rPr lang="es-ES" i="1">
+                              <a:latin typeface="Cambria Math" panose="02040503050406030204" pitchFamily="18" charset="0"/>
+                            </a:rPr>
+                            <m:t>𝑘</m:t>
+                          </m:r>
+                        </m:e>
+                        <m:sub>
+                          <m:r>
+                            <a:rPr lang="es-ES" i="1">
+                              <a:latin typeface="Cambria Math" panose="02040503050406030204" pitchFamily="18" charset="0"/>
+                            </a:rPr>
+                            <m:t>𝑜</m:t>
+                          </m:r>
+                          <m:r>
+                            <a:rPr lang="es-ES" b="0" i="1" smtClean="0">
+                              <a:latin typeface="Cambria Math" panose="02040503050406030204" pitchFamily="18" charset="0"/>
+                            </a:rPr>
+                            <m:t>𝑛</m:t>
+                          </m:r>
+                        </m:sub>
+                      </m:sSub>
+                      <m:r>
+                        <a:rPr lang="es-ES" b="0" i="1" smtClean="0">
+                          <a:latin typeface="Cambria Math" panose="02040503050406030204" pitchFamily="18" charset="0"/>
+                        </a:rPr>
+                        <m:t>𝐿</m:t>
+                      </m:r>
+                      <m:r>
+                        <a:rPr lang="es-ES" i="1">
+                          <a:latin typeface="Cambria Math" panose="02040503050406030204" pitchFamily="18" charset="0"/>
+                        </a:rPr>
+                        <m:t>𝑅</m:t>
+                      </m:r>
+                      <m:r>
+                        <a:rPr lang="es-ES" b="0" i="1" smtClean="0">
+                          <a:latin typeface="Cambria Math" panose="02040503050406030204" pitchFamily="18" charset="0"/>
+                        </a:rPr>
+                        <m:t>+</m:t>
+                      </m:r>
+                      <m:sSub>
+                        <m:sSubPr>
+                          <m:ctrlPr>
+                            <a:rPr lang="es-ES" i="1">
+                              <a:latin typeface="Cambria Math" panose="02040503050406030204" pitchFamily="18" charset="0"/>
+                            </a:rPr>
+                          </m:ctrlPr>
+                        </m:sSubPr>
+                        <m:e>
+                          <m:r>
+                            <a:rPr lang="es-ES" i="1">
+                              <a:latin typeface="Cambria Math" panose="02040503050406030204" pitchFamily="18" charset="0"/>
+                            </a:rPr>
+                            <m:t>𝑘</m:t>
+                          </m:r>
+                        </m:e>
+                        <m:sub>
+                          <m:r>
+                            <a:rPr lang="es-ES" i="1">
+                              <a:latin typeface="Cambria Math" panose="02040503050406030204" pitchFamily="18" charset="0"/>
+                            </a:rPr>
+                            <m:t>𝑜</m:t>
+                          </m:r>
+                          <m:r>
+                            <a:rPr lang="es-ES" b="0" i="1" smtClean="0">
+                              <a:latin typeface="Cambria Math" panose="02040503050406030204" pitchFamily="18" charset="0"/>
+                            </a:rPr>
+                            <m:t>𝑓𝑓</m:t>
+                          </m:r>
+                        </m:sub>
+                      </m:sSub>
+                      <m:r>
+                        <a:rPr lang="es-ES" b="0" i="1" smtClean="0">
+                          <a:latin typeface="Cambria Math" panose="02040503050406030204" pitchFamily="18" charset="0"/>
+                        </a:rPr>
+                        <m:t>𝑃</m:t>
+                      </m:r>
+                    </m:oMath>
+                  </m:oMathPara>
+                </a14:m>
+                <a:endParaRPr lang="es-ES" b="0" dirty="0"/>
+              </a:p>
+              <a:p>
                 <a:pPr/>
                 <a:endParaRPr lang="es-ES" b="0" dirty="0"/>
               </a:p>
@@ -6782,7 +7662,7 @@
                             <a:rPr lang="es-ES" b="0" i="1" smtClean="0">
                               <a:latin typeface="Cambria Math" panose="02040503050406030204" pitchFamily="18" charset="0"/>
                             </a:rPr>
-                            <m:t>𝑅</m:t>
+                            <m:t>𝑃</m:t>
                           </m:r>
                         </m:num>
                         <m:den>
@@ -6827,7 +7707,7 @@
                             <a:rPr lang="es-ES" b="0" i="1" smtClean="0">
                               <a:latin typeface="Cambria Math" panose="02040503050406030204" pitchFamily="18" charset="0"/>
                             </a:rPr>
-                            <m:t>𝑖𝑛</m:t>
+                            <m:t>𝑜𝑛</m:t>
                           </m:r>
                         </m:sub>
                       </m:sSub>
@@ -6835,15 +7715,102 @@
                         <a:rPr lang="es-ES" b="0" i="1" smtClean="0">
                           <a:latin typeface="Cambria Math" panose="02040503050406030204" pitchFamily="18" charset="0"/>
                         </a:rPr>
+                        <m:t>𝐿𝑅</m:t>
+                      </m:r>
+                      <m:r>
+                        <a:rPr lang="es-ES" b="0" i="1" smtClean="0">
+                          <a:latin typeface="Cambria Math" panose="02040503050406030204" pitchFamily="18" charset="0"/>
+                        </a:rPr>
                         <m:t>−</m:t>
+                      </m:r>
+                      <m:sSub>
+                        <m:sSubPr>
+                          <m:ctrlPr>
+                            <a:rPr lang="es-ES" i="1">
+                              <a:latin typeface="Cambria Math" panose="02040503050406030204" pitchFamily="18" charset="0"/>
+                            </a:rPr>
+                          </m:ctrlPr>
+                        </m:sSubPr>
+                        <m:e>
+                          <m:r>
+                            <a:rPr lang="es-ES" i="1">
+                              <a:latin typeface="Cambria Math" panose="02040503050406030204" pitchFamily="18" charset="0"/>
+                            </a:rPr>
+                            <m:t>𝑘</m:t>
+                          </m:r>
+                        </m:e>
+                        <m:sub>
+                          <m:r>
+                            <a:rPr lang="es-ES" b="0" i="1" smtClean="0">
+                              <a:latin typeface="Cambria Math" panose="02040503050406030204" pitchFamily="18" charset="0"/>
+                            </a:rPr>
+                            <m:t>𝑜𝑓𝑓</m:t>
+                          </m:r>
+                        </m:sub>
+                      </m:sSub>
+                      <m:r>
+                        <a:rPr lang="es-ES" b="0" i="1" smtClean="0">
+                          <a:latin typeface="Cambria Math" panose="02040503050406030204" pitchFamily="18" charset="0"/>
+                        </a:rPr>
+                        <m:t>𝑃</m:t>
+                      </m:r>
+                      <m:r>
+                        <a:rPr lang="es-ES" b="0" i="1" smtClean="0">
+                          <a:latin typeface="Cambria Math" panose="02040503050406030204" pitchFamily="18" charset="0"/>
+                        </a:rPr>
+                        <m:t>−</m:t>
+                      </m:r>
+                      <m:sSub>
+                        <m:sSubPr>
+                          <m:ctrlPr>
+                            <a:rPr lang="es-ES" i="1">
+                              <a:latin typeface="Cambria Math" panose="02040503050406030204" pitchFamily="18" charset="0"/>
+                            </a:rPr>
+                          </m:ctrlPr>
+                        </m:sSubPr>
+                        <m:e>
+                          <m:r>
+                            <a:rPr lang="es-ES" i="1">
+                              <a:latin typeface="Cambria Math" panose="02040503050406030204" pitchFamily="18" charset="0"/>
+                            </a:rPr>
+                            <m:t>𝑘</m:t>
+                          </m:r>
+                        </m:e>
+                        <m:sub>
+                          <m:r>
+                            <a:rPr lang="es-ES" b="0" i="1" smtClean="0">
+                              <a:latin typeface="Cambria Math" panose="02040503050406030204" pitchFamily="18" charset="0"/>
+                            </a:rPr>
+                            <m:t>𝑒</m:t>
+                          </m:r>
+                          <m:d>
+                            <m:dPr>
+                              <m:ctrlPr>
+                                <a:rPr lang="es-ES" b="0" i="1" smtClean="0">
+                                  <a:latin typeface="Cambria Math" panose="02040503050406030204" pitchFamily="18" charset="0"/>
+                                </a:rPr>
+                              </m:ctrlPr>
+                            </m:dPr>
+                            <m:e>
+                              <m:r>
+                                <a:rPr lang="es-ES" b="0" i="1" smtClean="0">
+                                  <a:latin typeface="Cambria Math" panose="02040503050406030204" pitchFamily="18" charset="0"/>
+                                </a:rPr>
+                                <m:t>𝑃</m:t>
+                              </m:r>
+                            </m:e>
+                          </m:d>
+                        </m:sub>
+                      </m:sSub>
+                      <m:r>
+                        <a:rPr lang="es-ES" b="0" i="1" smtClean="0">
+                          <a:latin typeface="Cambria Math" panose="02040503050406030204" pitchFamily="18" charset="0"/>
+                        </a:rPr>
+                        <m:t>𝑃</m:t>
                       </m:r>
                     </m:oMath>
                   </m:oMathPara>
                 </a14:m>
-                <a:endParaRPr lang="es-ES" b="0" dirty="0"/>
-              </a:p>
-              <a:p>
-                <a:pPr/>
                 <a:endParaRPr lang="es-ES" dirty="0"/>
               </a:p>
             </p:txBody>
@@ -6867,7 +7834,7 @@
             <p:spPr>
               <a:xfrm>
                 <a:off x="762000" y="4245429"/>
-                <a:ext cx="5508434" cy="1698157"/>
+                <a:ext cx="5508434" cy="2224070"/>
               </a:xfrm>
               <a:prstGeom prst="rect">
                 <a:avLst/>
@@ -6922,8 +7889,918 @@
         </p:blipFill>
         <p:spPr>
           <a:xfrm>
-            <a:off x="5800901" y="914414"/>
-            <a:ext cx="6084568" cy="4833243"/>
+            <a:off x="5800900" y="914414"/>
+            <a:ext cx="6300205" cy="5004533"/>
+          </a:xfrm>
+          <a:prstGeom prst="rect">
+            <a:avLst/>
+          </a:prstGeom>
+        </p:spPr>
+      </p:pic>
+      <mc:AlternateContent xmlns:mc="http://schemas.openxmlformats.org/markup-compatibility/2006">
+        <mc:Choice xmlns:a14="http://schemas.microsoft.com/office/drawing/2010/main" Requires="a14">
+          <p:sp>
+            <p:nvSpPr>
+              <p:cNvPr id="3" name="CuadroTexto 2">
+                <a:extLst>
+                  <a:ext uri="{FF2B5EF4-FFF2-40B4-BE49-F238E27FC236}">
+                    <a16:creationId xmlns:a16="http://schemas.microsoft.com/office/drawing/2014/main" id="{B14D868B-A684-763A-D02A-4289354F439D}"/>
+                  </a:ext>
+                </a:extLst>
+              </p:cNvPr>
+              <p:cNvSpPr txBox="1"/>
+              <p:nvPr/>
+            </p:nvSpPr>
+            <p:spPr>
+              <a:xfrm>
+                <a:off x="5800901" y="6027249"/>
+                <a:ext cx="5629099" cy="388889"/>
+              </a:xfrm>
+              <a:prstGeom prst="rect">
+                <a:avLst/>
+              </a:prstGeom>
+              <a:noFill/>
+            </p:spPr>
+            <p:txBody>
+              <a:bodyPr wrap="square" rtlCol="0">
+                <a:spAutoFit/>
+              </a:bodyPr>
+              <a:lstStyle/>
+              <a:p>
+                <a14:m>
+                  <m:oMath xmlns:m="http://schemas.openxmlformats.org/officeDocument/2006/math">
+                    <m:sSub>
+                      <m:sSubPr>
+                        <m:ctrlPr>
+                          <a:rPr lang="es-ES" i="1" smtClean="0">
+                            <a:latin typeface="Cambria Math" panose="02040503050406030204" pitchFamily="18" charset="0"/>
+                          </a:rPr>
+                        </m:ctrlPr>
+                      </m:sSubPr>
+                      <m:e>
+                        <m:r>
+                          <a:rPr lang="es-ES" i="1">
+                            <a:latin typeface="Cambria Math" panose="02040503050406030204" pitchFamily="18" charset="0"/>
+                          </a:rPr>
+                          <m:t>𝑘</m:t>
+                        </m:r>
+                      </m:e>
+                      <m:sub>
+                        <m:r>
+                          <a:rPr lang="es-ES" i="1">
+                            <a:latin typeface="Cambria Math" panose="02040503050406030204" pitchFamily="18" charset="0"/>
+                          </a:rPr>
+                          <m:t>𝑒</m:t>
+                        </m:r>
+                        <m:d>
+                          <m:dPr>
+                            <m:ctrlPr>
+                              <a:rPr lang="es-ES" i="1">
+                                <a:latin typeface="Cambria Math" panose="02040503050406030204" pitchFamily="18" charset="0"/>
+                              </a:rPr>
+                            </m:ctrlPr>
+                          </m:dPr>
+                          <m:e>
+                            <m:r>
+                              <a:rPr lang="es-ES" i="1">
+                                <a:latin typeface="Cambria Math" panose="02040503050406030204" pitchFamily="18" charset="0"/>
+                              </a:rPr>
+                              <m:t>𝐿</m:t>
+                            </m:r>
+                          </m:e>
+                        </m:d>
+                      </m:sub>
+                    </m:sSub>
+                    <m:r>
+                      <a:rPr lang="es-ES" i="1">
+                        <a:latin typeface="Cambria Math" panose="02040503050406030204" pitchFamily="18" charset="0"/>
+                      </a:rPr>
+                      <m:t> </m:t>
+                    </m:r>
+                    <m:r>
+                      <a:rPr lang="es-ES" b="0" i="1" smtClean="0">
+                        <a:latin typeface="Cambria Math" panose="02040503050406030204" pitchFamily="18" charset="0"/>
+                      </a:rPr>
+                      <m:t>=0.15</m:t>
+                    </m:r>
+                  </m:oMath>
+                </a14:m>
+                <a:r>
+                  <a:rPr lang="es-ES" dirty="0"/>
+                  <a:t>      </a:t>
+                </a:r>
+                <a14:m>
+                  <m:oMath xmlns:m="http://schemas.openxmlformats.org/officeDocument/2006/math">
+                    <m:sSub>
+                      <m:sSubPr>
+                        <m:ctrlPr>
+                          <a:rPr lang="es-ES" i="1">
+                            <a:latin typeface="Cambria Math" panose="02040503050406030204" pitchFamily="18" charset="0"/>
+                          </a:rPr>
+                        </m:ctrlPr>
+                      </m:sSubPr>
+                      <m:e>
+                        <m:r>
+                          <a:rPr lang="es-ES" i="1">
+                            <a:latin typeface="Cambria Math" panose="02040503050406030204" pitchFamily="18" charset="0"/>
+                          </a:rPr>
+                          <m:t>𝑘</m:t>
+                        </m:r>
+                      </m:e>
+                      <m:sub>
+                        <m:r>
+                          <a:rPr lang="es-ES" b="0" i="1" smtClean="0">
+                            <a:latin typeface="Cambria Math" panose="02040503050406030204" pitchFamily="18" charset="0"/>
+                          </a:rPr>
+                          <m:t>𝑜𝑢𝑡</m:t>
+                        </m:r>
+                      </m:sub>
+                    </m:sSub>
+                    <m:r>
+                      <a:rPr lang="es-ES" b="0" i="1" smtClean="0">
+                        <a:latin typeface="Cambria Math" panose="02040503050406030204" pitchFamily="18" charset="0"/>
+                      </a:rPr>
+                      <m:t>=0.30</m:t>
+                    </m:r>
+                  </m:oMath>
+                </a14:m>
+                <a:r>
+                  <a:rPr lang="es-ES" dirty="0"/>
+                  <a:t>      </a:t>
+                </a:r>
+                <a14:m>
+                  <m:oMath xmlns:m="http://schemas.openxmlformats.org/officeDocument/2006/math">
+                    <m:sSub>
+                      <m:sSubPr>
+                        <m:ctrlPr>
+                          <a:rPr lang="es-ES" i="1">
+                            <a:latin typeface="Cambria Math" panose="02040503050406030204" pitchFamily="18" charset="0"/>
+                          </a:rPr>
+                        </m:ctrlPr>
+                      </m:sSubPr>
+                      <m:e>
+                        <m:r>
+                          <a:rPr lang="es-ES" i="1">
+                            <a:latin typeface="Cambria Math" panose="02040503050406030204" pitchFamily="18" charset="0"/>
+                          </a:rPr>
+                          <m:t>𝑘</m:t>
+                        </m:r>
+                      </m:e>
+                      <m:sub>
+                        <m:r>
+                          <a:rPr lang="es-ES" i="1">
+                            <a:latin typeface="Cambria Math" panose="02040503050406030204" pitchFamily="18" charset="0"/>
+                          </a:rPr>
+                          <m:t>𝑒</m:t>
+                        </m:r>
+                        <m:d>
+                          <m:dPr>
+                            <m:ctrlPr>
+                              <a:rPr lang="es-ES" i="1">
+                                <a:latin typeface="Cambria Math" panose="02040503050406030204" pitchFamily="18" charset="0"/>
+                              </a:rPr>
+                            </m:ctrlPr>
+                          </m:dPr>
+                          <m:e>
+                            <m:r>
+                              <a:rPr lang="es-ES" b="0" i="1" smtClean="0">
+                                <a:latin typeface="Cambria Math" panose="02040503050406030204" pitchFamily="18" charset="0"/>
+                              </a:rPr>
+                              <m:t>𝑃</m:t>
+                            </m:r>
+                          </m:e>
+                        </m:d>
+                      </m:sub>
+                    </m:sSub>
+                    <m:r>
+                      <a:rPr lang="es-ES" b="0" i="1" smtClean="0">
+                        <a:latin typeface="Cambria Math" panose="02040503050406030204" pitchFamily="18" charset="0"/>
+                      </a:rPr>
+                      <m:t>=0.05</m:t>
+                    </m:r>
+                  </m:oMath>
+                </a14:m>
+                <a:endParaRPr lang="es-ES" dirty="0"/>
+              </a:p>
+            </p:txBody>
+          </p:sp>
+        </mc:Choice>
+        <mc:Fallback>
+          <p:sp>
+            <p:nvSpPr>
+              <p:cNvPr id="3" name="CuadroTexto 2">
+                <a:extLst>
+                  <a:ext uri="{FF2B5EF4-FFF2-40B4-BE49-F238E27FC236}">
+                    <a16:creationId xmlns:a16="http://schemas.microsoft.com/office/drawing/2014/main" id="{B14D868B-A684-763A-D02A-4289354F439D}"/>
+                  </a:ext>
+                </a:extLst>
+              </p:cNvPr>
+              <p:cNvSpPr txBox="1">
+                <a:spLocks noRot="1" noChangeAspect="1" noMove="1" noResize="1" noEditPoints="1" noAdjustHandles="1" noChangeArrowheads="1" noChangeShapeType="1" noTextEdit="1"/>
+              </p:cNvSpPr>
+              <p:nvPr/>
+            </p:nvSpPr>
+            <p:spPr>
+              <a:xfrm>
+                <a:off x="5800901" y="6027249"/>
+                <a:ext cx="5629099" cy="388889"/>
+              </a:xfrm>
+              <a:prstGeom prst="rect">
+                <a:avLst/>
+              </a:prstGeom>
+              <a:blipFill>
+                <a:blip r:embed="rId5"/>
+                <a:stretch>
+                  <a:fillRect/>
+                </a:stretch>
+              </a:blipFill>
+            </p:spPr>
+            <p:txBody>
+              <a:bodyPr/>
+              <a:lstStyle/>
+              <a:p>
+                <a:r>
+                  <a:rPr lang="es-ES">
+                    <a:noFill/>
+                  </a:rPr>
+                  <a:t> </a:t>
+                </a:r>
+              </a:p>
+            </p:txBody>
+          </p:sp>
+        </mc:Fallback>
+      </mc:AlternateContent>
+    </p:spTree>
+    <p:extLst>
+      <p:ext uri="{BB962C8B-B14F-4D97-AF65-F5344CB8AC3E}">
+        <p14:creationId xmlns:p14="http://schemas.microsoft.com/office/powerpoint/2010/main" val="2096689764"/>
+      </p:ext>
+    </p:extLst>
+  </p:cSld>
+  <p:clrMapOvr>
+    <a:masterClrMapping/>
+  </p:clrMapOvr>
+</p:sld>
+</file>
+
+<file path=ppt/slides/slide4.xml><?xml version="1.0" encoding="utf-8"?>
+<p:sld xmlns:a="http://schemas.openxmlformats.org/drawingml/2006/main" xmlns:r="http://schemas.openxmlformats.org/officeDocument/2006/relationships" xmlns:p="http://schemas.openxmlformats.org/presentationml/2006/main">
+  <p:cSld>
+    <p:spTree>
+      <p:nvGrpSpPr>
+        <p:cNvPr id="1" name="">
+          <a:extLst>
+            <a:ext uri="{FF2B5EF4-FFF2-40B4-BE49-F238E27FC236}">
+              <a16:creationId xmlns:a16="http://schemas.microsoft.com/office/drawing/2014/main" id="{E535A2B8-CDAB-5F8F-4CC7-5D28AB3A78D1}"/>
+            </a:ext>
+          </a:extLst>
+        </p:cNvPr>
+        <p:cNvGrpSpPr/>
+        <p:nvPr/>
+      </p:nvGrpSpPr>
+      <p:grpSpPr>
+        <a:xfrm>
+          <a:off x="0" y="0"/>
+          <a:ext cx="0" cy="0"/>
+          <a:chOff x="0" y="0"/>
+          <a:chExt cx="0" cy="0"/>
+        </a:xfrm>
+      </p:grpSpPr>
+      <p:pic>
+        <p:nvPicPr>
+          <p:cNvPr id="16" name="Imagen 15" descr="Gráfico de líneas&#10;&#10;El contenido generado por IA puede ser incorrecto.">
+            <a:extLst>
+              <a:ext uri="{FF2B5EF4-FFF2-40B4-BE49-F238E27FC236}">
+                <a16:creationId xmlns:a16="http://schemas.microsoft.com/office/drawing/2014/main" id="{684DEB32-A42D-7576-109A-B2A3D730628F}"/>
+              </a:ext>
+            </a:extLst>
+          </p:cNvPr>
+          <p:cNvPicPr>
+            <a:picLocks noChangeAspect="1"/>
+          </p:cNvPicPr>
+          <p:nvPr/>
+        </p:nvPicPr>
+        <p:blipFill>
+          <a:blip r:embed="rId2">
+            <a:extLst>
+              <a:ext uri="{28A0092B-C50C-407E-A947-70E740481C1C}">
+                <a14:useLocalDpi xmlns:a14="http://schemas.microsoft.com/office/drawing/2010/main" val="0"/>
+              </a:ext>
+            </a:extLst>
+          </a:blip>
+          <a:stretch>
+            <a:fillRect/>
+          </a:stretch>
+        </p:blipFill>
+        <p:spPr>
+          <a:xfrm>
+            <a:off x="5566611" y="845006"/>
+            <a:ext cx="6534495" cy="5167987"/>
+          </a:xfrm>
+          <a:prstGeom prst="rect">
+            <a:avLst/>
+          </a:prstGeom>
+        </p:spPr>
+      </p:pic>
+      <p:sp>
+        <p:nvSpPr>
+          <p:cNvPr id="2" name="Título 1">
+            <a:extLst>
+              <a:ext uri="{FF2B5EF4-FFF2-40B4-BE49-F238E27FC236}">
+                <a16:creationId xmlns:a16="http://schemas.microsoft.com/office/drawing/2014/main" id="{C5E92132-9F58-2ADD-CA46-2B20DC64F650}"/>
+              </a:ext>
+            </a:extLst>
+          </p:cNvPr>
+          <p:cNvSpPr>
+            <a:spLocks noGrp="1"/>
+          </p:cNvSpPr>
+          <p:nvPr>
+            <p:ph type="title"/>
+          </p:nvPr>
+        </p:nvSpPr>
+        <p:spPr/>
+        <p:txBody>
+          <a:bodyPr anchor="ctr"/>
+          <a:lstStyle/>
+          <a:p>
+            <a:r>
+              <a:rPr lang="es-ES" dirty="0" err="1"/>
+              <a:t>One-compartment</a:t>
+            </a:r>
+            <a:r>
+              <a:rPr lang="es-ES" dirty="0"/>
+              <a:t> </a:t>
+            </a:r>
+            <a:r>
+              <a:rPr lang="es-ES" dirty="0" err="1"/>
+              <a:t>model</a:t>
+            </a:r>
+            <a:endParaRPr lang="es-ES" dirty="0"/>
+          </a:p>
+        </p:txBody>
+      </p:sp>
+      <p:pic>
+        <p:nvPicPr>
+          <p:cNvPr id="6" name="Imagen 5">
+            <a:extLst>
+              <a:ext uri="{FF2B5EF4-FFF2-40B4-BE49-F238E27FC236}">
+                <a16:creationId xmlns:a16="http://schemas.microsoft.com/office/drawing/2014/main" id="{03A6608A-BC0D-70F4-5E45-74208D4CF551}"/>
+              </a:ext>
+            </a:extLst>
+          </p:cNvPr>
+          <p:cNvPicPr>
+            <a:picLocks noChangeAspect="1"/>
+          </p:cNvPicPr>
+          <p:nvPr/>
+        </p:nvPicPr>
+        <p:blipFill>
+          <a:blip r:embed="rId3"/>
+          <a:stretch>
+            <a:fillRect/>
+          </a:stretch>
+        </p:blipFill>
+        <p:spPr>
+          <a:xfrm>
+            <a:off x="90894" y="2339247"/>
+            <a:ext cx="5188678" cy="1478773"/>
+          </a:xfrm>
+          <a:prstGeom prst="rect">
+            <a:avLst/>
+          </a:prstGeom>
+        </p:spPr>
+      </p:pic>
+      <mc:AlternateContent xmlns:mc="http://schemas.openxmlformats.org/markup-compatibility/2006">
+        <mc:Choice xmlns:a14="http://schemas.microsoft.com/office/drawing/2010/main" Requires="a14">
+          <p:sp>
+            <p:nvSpPr>
+              <p:cNvPr id="8" name="CuadroTexto 7">
+                <a:extLst>
+                  <a:ext uri="{FF2B5EF4-FFF2-40B4-BE49-F238E27FC236}">
+                    <a16:creationId xmlns:a16="http://schemas.microsoft.com/office/drawing/2014/main" id="{A8C8A533-A6DC-F2E0-0AFF-41C37BA57DF1}"/>
+                  </a:ext>
+                </a:extLst>
+              </p:cNvPr>
+              <p:cNvSpPr txBox="1"/>
+              <p:nvPr/>
+            </p:nvSpPr>
+            <p:spPr>
+              <a:xfrm>
+                <a:off x="587566" y="4192068"/>
+                <a:ext cx="4465697" cy="1496885"/>
+              </a:xfrm>
+              <a:prstGeom prst="rect">
+                <a:avLst/>
+              </a:prstGeom>
+              <a:noFill/>
+            </p:spPr>
+            <p:txBody>
+              <a:bodyPr wrap="square" rtlCol="0">
+                <a:spAutoFit/>
+              </a:bodyPr>
+              <a:lstStyle/>
+              <a:p>
+                <a:pPr/>
+                <a:r>
+                  <a:rPr lang="es-ES" dirty="0"/>
+                  <a:t>Rebound </a:t>
+                </a:r>
+                <a:r>
+                  <a:rPr lang="es-ES" dirty="0" err="1"/>
+                  <a:t>effect</a:t>
+                </a:r>
+                <a:r>
+                  <a:rPr lang="es-ES" dirty="0"/>
+                  <a:t>:</a:t>
+                </a:r>
+              </a:p>
+              <a:p>
+                <a:pPr/>
+                <a:endParaRPr lang="es-ES" dirty="0"/>
+              </a:p>
+              <a:p>
+                <a:pPr/>
+                <a14:m>
+                  <m:oMathPara xmlns:m="http://schemas.openxmlformats.org/officeDocument/2006/math">
+                    <m:oMathParaPr>
+                      <m:jc m:val="left"/>
+                    </m:oMathParaPr>
+                    <m:oMath xmlns:m="http://schemas.openxmlformats.org/officeDocument/2006/math">
+                      <m:sSub>
+                        <m:sSubPr>
+                          <m:ctrlPr>
+                            <a:rPr lang="es-ES" i="1">
+                              <a:latin typeface="Cambria Math" panose="02040503050406030204" pitchFamily="18" charset="0"/>
+                            </a:rPr>
+                          </m:ctrlPr>
+                        </m:sSubPr>
+                        <m:e>
+                          <m:r>
+                            <a:rPr lang="es-ES" i="1">
+                              <a:latin typeface="Cambria Math" panose="02040503050406030204" pitchFamily="18" charset="0"/>
+                            </a:rPr>
+                            <m:t>𝑘</m:t>
+                          </m:r>
+                        </m:e>
+                        <m:sub>
+                          <m:r>
+                            <a:rPr lang="es-ES" i="1">
+                              <a:latin typeface="Cambria Math" panose="02040503050406030204" pitchFamily="18" charset="0"/>
+                            </a:rPr>
+                            <m:t>𝑒</m:t>
+                          </m:r>
+                          <m:d>
+                            <m:dPr>
+                              <m:ctrlPr>
+                                <a:rPr lang="es-ES" i="1">
+                                  <a:latin typeface="Cambria Math" panose="02040503050406030204" pitchFamily="18" charset="0"/>
+                                </a:rPr>
+                              </m:ctrlPr>
+                            </m:dPr>
+                            <m:e>
+                              <m:r>
+                                <a:rPr lang="es-ES" i="1">
+                                  <a:latin typeface="Cambria Math" panose="02040503050406030204" pitchFamily="18" charset="0"/>
+                                </a:rPr>
+                                <m:t>𝑃</m:t>
+                              </m:r>
+                            </m:e>
+                          </m:d>
+                        </m:sub>
+                      </m:sSub>
+                      <m:r>
+                        <a:rPr lang="es-ES" b="0" i="1" smtClean="0">
+                          <a:latin typeface="Cambria Math" panose="02040503050406030204" pitchFamily="18" charset="0"/>
+                        </a:rPr>
+                        <m:t>&lt;</m:t>
+                      </m:r>
+                      <m:sSub>
+                        <m:sSubPr>
+                          <m:ctrlPr>
+                            <a:rPr lang="es-ES" i="1">
+                              <a:latin typeface="Cambria Math" panose="02040503050406030204" pitchFamily="18" charset="0"/>
+                            </a:rPr>
+                          </m:ctrlPr>
+                        </m:sSubPr>
+                        <m:e>
+                          <m:r>
+                            <a:rPr lang="es-ES" i="1">
+                              <a:latin typeface="Cambria Math" panose="02040503050406030204" pitchFamily="18" charset="0"/>
+                            </a:rPr>
+                            <m:t>𝑘</m:t>
+                          </m:r>
+                        </m:e>
+                        <m:sub>
+                          <m:r>
+                            <a:rPr lang="es-ES" i="1">
+                              <a:latin typeface="Cambria Math" panose="02040503050406030204" pitchFamily="18" charset="0"/>
+                            </a:rPr>
+                            <m:t>𝑒</m:t>
+                          </m:r>
+                          <m:d>
+                            <m:dPr>
+                              <m:ctrlPr>
+                                <a:rPr lang="es-ES" i="1">
+                                  <a:latin typeface="Cambria Math" panose="02040503050406030204" pitchFamily="18" charset="0"/>
+                                </a:rPr>
+                              </m:ctrlPr>
+                            </m:dPr>
+                            <m:e>
+                              <m:r>
+                                <a:rPr lang="es-ES" i="1">
+                                  <a:latin typeface="Cambria Math" panose="02040503050406030204" pitchFamily="18" charset="0"/>
+                                </a:rPr>
+                                <m:t>𝐿</m:t>
+                              </m:r>
+                            </m:e>
+                          </m:d>
+                        </m:sub>
+                      </m:sSub>
+                      <m:r>
+                        <a:rPr lang="es-ES" b="0" i="1" smtClean="0">
+                          <a:latin typeface="Cambria Math" panose="02040503050406030204" pitchFamily="18" charset="0"/>
+                        </a:rPr>
+                        <m:t>+</m:t>
+                      </m:r>
+                      <m:sSub>
+                        <m:sSubPr>
+                          <m:ctrlPr>
+                            <a:rPr lang="es-ES" i="1">
+                              <a:latin typeface="Cambria Math" panose="02040503050406030204" pitchFamily="18" charset="0"/>
+                            </a:rPr>
+                          </m:ctrlPr>
+                        </m:sSubPr>
+                        <m:e>
+                          <m:r>
+                            <a:rPr lang="es-ES" i="1">
+                              <a:latin typeface="Cambria Math" panose="02040503050406030204" pitchFamily="18" charset="0"/>
+                            </a:rPr>
+                            <m:t>𝑘</m:t>
+                          </m:r>
+                        </m:e>
+                        <m:sub>
+                          <m:r>
+                            <a:rPr lang="es-ES" i="1">
+                              <a:latin typeface="Cambria Math" panose="02040503050406030204" pitchFamily="18" charset="0"/>
+                            </a:rPr>
+                            <m:t>𝑜𝑢𝑡</m:t>
+                          </m:r>
+                        </m:sub>
+                      </m:sSub>
+                    </m:oMath>
+                  </m:oMathPara>
+                </a14:m>
+                <a:endParaRPr lang="es-ES" dirty="0"/>
+              </a:p>
+              <a:p>
+                <a:pPr/>
+                <a:endParaRPr lang="es-ES" dirty="0"/>
+              </a:p>
+              <a:p>
+                <a:pPr/>
+                <a:r>
+                  <a:rPr lang="es-ES" b="1" dirty="0" err="1"/>
+                  <a:t>Gemtuzumab</a:t>
+                </a:r>
+                <a:r>
+                  <a:rPr lang="es-ES" b="1" dirty="0"/>
+                  <a:t> </a:t>
+                </a:r>
+                <a:r>
+                  <a:rPr lang="es-ES" b="1" dirty="0" err="1"/>
+                  <a:t>ozogamicin</a:t>
+                </a:r>
+                <a:r>
+                  <a:rPr lang="es-ES" b="1" dirty="0"/>
+                  <a:t> </a:t>
+                </a:r>
+                <a:r>
+                  <a:rPr lang="es-ES" dirty="0"/>
+                  <a:t>(LEUKEMIA)</a:t>
+                </a:r>
+              </a:p>
+            </p:txBody>
+          </p:sp>
+        </mc:Choice>
+        <mc:Fallback>
+          <p:sp>
+            <p:nvSpPr>
+              <p:cNvPr id="8" name="CuadroTexto 7">
+                <a:extLst>
+                  <a:ext uri="{FF2B5EF4-FFF2-40B4-BE49-F238E27FC236}">
+                    <a16:creationId xmlns:a16="http://schemas.microsoft.com/office/drawing/2014/main" id="{A8C8A533-A6DC-F2E0-0AFF-41C37BA57DF1}"/>
+                  </a:ext>
+                </a:extLst>
+              </p:cNvPr>
+              <p:cNvSpPr txBox="1">
+                <a:spLocks noRot="1" noChangeAspect="1" noMove="1" noResize="1" noEditPoints="1" noAdjustHandles="1" noChangeArrowheads="1" noChangeShapeType="1" noTextEdit="1"/>
+              </p:cNvSpPr>
+              <p:nvPr/>
+            </p:nvSpPr>
+            <p:spPr>
+              <a:xfrm>
+                <a:off x="587566" y="4192068"/>
+                <a:ext cx="4465697" cy="1496885"/>
+              </a:xfrm>
+              <a:prstGeom prst="rect">
+                <a:avLst/>
+              </a:prstGeom>
+              <a:blipFill>
+                <a:blip r:embed="rId4"/>
+                <a:stretch>
+                  <a:fillRect l="-1091" t="-2041" b="-6122"/>
+                </a:stretch>
+              </a:blipFill>
+            </p:spPr>
+            <p:txBody>
+              <a:bodyPr/>
+              <a:lstStyle/>
+              <a:p>
+                <a:r>
+                  <a:rPr lang="es-ES">
+                    <a:noFill/>
+                  </a:rPr>
+                  <a:t> </a:t>
+                </a:r>
+              </a:p>
+            </p:txBody>
+          </p:sp>
+        </mc:Fallback>
+      </mc:AlternateContent>
+      <mc:AlternateContent xmlns:mc="http://schemas.openxmlformats.org/markup-compatibility/2006">
+        <mc:Choice xmlns:a14="http://schemas.microsoft.com/office/drawing/2010/main" Requires="a14">
+          <p:sp>
+            <p:nvSpPr>
+              <p:cNvPr id="3" name="CuadroTexto 2">
+                <a:extLst>
+                  <a:ext uri="{FF2B5EF4-FFF2-40B4-BE49-F238E27FC236}">
+                    <a16:creationId xmlns:a16="http://schemas.microsoft.com/office/drawing/2014/main" id="{D417FAC7-C947-0D72-4C74-10FA6D3CF617}"/>
+                  </a:ext>
+                </a:extLst>
+              </p:cNvPr>
+              <p:cNvSpPr txBox="1"/>
+              <p:nvPr/>
+            </p:nvSpPr>
+            <p:spPr>
+              <a:xfrm>
+                <a:off x="5800901" y="6027249"/>
+                <a:ext cx="5629099" cy="388889"/>
+              </a:xfrm>
+              <a:prstGeom prst="rect">
+                <a:avLst/>
+              </a:prstGeom>
+              <a:noFill/>
+            </p:spPr>
+            <p:txBody>
+              <a:bodyPr wrap="square" rtlCol="0">
+                <a:spAutoFit/>
+              </a:bodyPr>
+              <a:lstStyle/>
+              <a:p>
+                <a14:m>
+                  <m:oMath xmlns:m="http://schemas.openxmlformats.org/officeDocument/2006/math">
+                    <m:sSub>
+                      <m:sSubPr>
+                        <m:ctrlPr>
+                          <a:rPr lang="es-ES" i="1" smtClean="0">
+                            <a:latin typeface="Cambria Math" panose="02040503050406030204" pitchFamily="18" charset="0"/>
+                          </a:rPr>
+                        </m:ctrlPr>
+                      </m:sSubPr>
+                      <m:e>
+                        <m:r>
+                          <a:rPr lang="es-ES" i="1">
+                            <a:latin typeface="Cambria Math" panose="02040503050406030204" pitchFamily="18" charset="0"/>
+                          </a:rPr>
+                          <m:t>𝑘</m:t>
+                        </m:r>
+                      </m:e>
+                      <m:sub>
+                        <m:r>
+                          <a:rPr lang="es-ES" i="1">
+                            <a:latin typeface="Cambria Math" panose="02040503050406030204" pitchFamily="18" charset="0"/>
+                          </a:rPr>
+                          <m:t>𝑒</m:t>
+                        </m:r>
+                        <m:d>
+                          <m:dPr>
+                            <m:ctrlPr>
+                              <a:rPr lang="es-ES" i="1">
+                                <a:latin typeface="Cambria Math" panose="02040503050406030204" pitchFamily="18" charset="0"/>
+                              </a:rPr>
+                            </m:ctrlPr>
+                          </m:dPr>
+                          <m:e>
+                            <m:r>
+                              <a:rPr lang="es-ES" i="1">
+                                <a:latin typeface="Cambria Math" panose="02040503050406030204" pitchFamily="18" charset="0"/>
+                              </a:rPr>
+                              <m:t>𝐿</m:t>
+                            </m:r>
+                          </m:e>
+                        </m:d>
+                      </m:sub>
+                    </m:sSub>
+                    <m:r>
+                      <a:rPr lang="es-ES" i="1">
+                        <a:latin typeface="Cambria Math" panose="02040503050406030204" pitchFamily="18" charset="0"/>
+                      </a:rPr>
+                      <m:t> </m:t>
+                    </m:r>
+                    <m:r>
+                      <a:rPr lang="es-ES" b="0" i="1" smtClean="0">
+                        <a:latin typeface="Cambria Math" panose="02040503050406030204" pitchFamily="18" charset="0"/>
+                      </a:rPr>
+                      <m:t>=0.15</m:t>
+                    </m:r>
+                  </m:oMath>
+                </a14:m>
+                <a:r>
+                  <a:rPr lang="es-ES" dirty="0"/>
+                  <a:t>      </a:t>
+                </a:r>
+                <a14:m>
+                  <m:oMath xmlns:m="http://schemas.openxmlformats.org/officeDocument/2006/math">
+                    <m:sSub>
+                      <m:sSubPr>
+                        <m:ctrlPr>
+                          <a:rPr lang="es-ES" i="1">
+                            <a:latin typeface="Cambria Math" panose="02040503050406030204" pitchFamily="18" charset="0"/>
+                          </a:rPr>
+                        </m:ctrlPr>
+                      </m:sSubPr>
+                      <m:e>
+                        <m:r>
+                          <a:rPr lang="es-ES" i="1">
+                            <a:latin typeface="Cambria Math" panose="02040503050406030204" pitchFamily="18" charset="0"/>
+                          </a:rPr>
+                          <m:t>𝑘</m:t>
+                        </m:r>
+                      </m:e>
+                      <m:sub>
+                        <m:r>
+                          <a:rPr lang="es-ES" b="0" i="1" smtClean="0">
+                            <a:latin typeface="Cambria Math" panose="02040503050406030204" pitchFamily="18" charset="0"/>
+                          </a:rPr>
+                          <m:t>𝑜𝑢𝑡</m:t>
+                        </m:r>
+                      </m:sub>
+                    </m:sSub>
+                    <m:r>
+                      <a:rPr lang="es-ES" b="0" i="1" smtClean="0">
+                        <a:latin typeface="Cambria Math" panose="02040503050406030204" pitchFamily="18" charset="0"/>
+                      </a:rPr>
+                      <m:t>=0.</m:t>
+                    </m:r>
+                    <m:r>
+                      <a:rPr lang="es-ES" b="0" i="1" smtClean="0">
+                        <a:latin typeface="Cambria Math" panose="02040503050406030204" pitchFamily="18" charset="0"/>
+                      </a:rPr>
+                      <m:t>30</m:t>
+                    </m:r>
+                  </m:oMath>
+                </a14:m>
+                <a:r>
+                  <a:rPr lang="es-ES" dirty="0"/>
+                  <a:t>      </a:t>
+                </a:r>
+                <a14:m>
+                  <m:oMath xmlns:m="http://schemas.openxmlformats.org/officeDocument/2006/math">
+                    <m:sSub>
+                      <m:sSubPr>
+                        <m:ctrlPr>
+                          <a:rPr lang="es-ES" i="1">
+                            <a:latin typeface="Cambria Math" panose="02040503050406030204" pitchFamily="18" charset="0"/>
+                          </a:rPr>
+                        </m:ctrlPr>
+                      </m:sSubPr>
+                      <m:e>
+                        <m:r>
+                          <a:rPr lang="es-ES" i="1">
+                            <a:latin typeface="Cambria Math" panose="02040503050406030204" pitchFamily="18" charset="0"/>
+                          </a:rPr>
+                          <m:t>𝑘</m:t>
+                        </m:r>
+                      </m:e>
+                      <m:sub>
+                        <m:r>
+                          <a:rPr lang="es-ES" i="1">
+                            <a:latin typeface="Cambria Math" panose="02040503050406030204" pitchFamily="18" charset="0"/>
+                          </a:rPr>
+                          <m:t>𝑒</m:t>
+                        </m:r>
+                        <m:d>
+                          <m:dPr>
+                            <m:ctrlPr>
+                              <a:rPr lang="es-ES" i="1">
+                                <a:latin typeface="Cambria Math" panose="02040503050406030204" pitchFamily="18" charset="0"/>
+                              </a:rPr>
+                            </m:ctrlPr>
+                          </m:dPr>
+                          <m:e>
+                            <m:r>
+                              <a:rPr lang="es-ES" b="0" i="1" smtClean="0">
+                                <a:latin typeface="Cambria Math" panose="02040503050406030204" pitchFamily="18" charset="0"/>
+                              </a:rPr>
+                              <m:t>𝑃</m:t>
+                            </m:r>
+                          </m:e>
+                        </m:d>
+                      </m:sub>
+                    </m:sSub>
+                    <m:r>
+                      <a:rPr lang="es-ES" b="0" i="1" smtClean="0">
+                        <a:latin typeface="Cambria Math" panose="02040503050406030204" pitchFamily="18" charset="0"/>
+                      </a:rPr>
+                      <m:t>=0.</m:t>
+                    </m:r>
+                    <m:r>
+                      <a:rPr lang="es-ES" b="0" i="1" smtClean="0">
+                        <a:latin typeface="Cambria Math" panose="02040503050406030204" pitchFamily="18" charset="0"/>
+                      </a:rPr>
+                      <m:t>001</m:t>
+                    </m:r>
+                  </m:oMath>
+                </a14:m>
+                <a:endParaRPr lang="es-ES" b="0" dirty="0"/>
+              </a:p>
+            </p:txBody>
+          </p:sp>
+        </mc:Choice>
+        <mc:Fallback>
+          <p:sp>
+            <p:nvSpPr>
+              <p:cNvPr id="3" name="CuadroTexto 2">
+                <a:extLst>
+                  <a:ext uri="{FF2B5EF4-FFF2-40B4-BE49-F238E27FC236}">
+                    <a16:creationId xmlns:a16="http://schemas.microsoft.com/office/drawing/2014/main" id="{D417FAC7-C947-0D72-4C74-10FA6D3CF617}"/>
+                  </a:ext>
+                </a:extLst>
+              </p:cNvPr>
+              <p:cNvSpPr txBox="1">
+                <a:spLocks noRot="1" noChangeAspect="1" noMove="1" noResize="1" noEditPoints="1" noAdjustHandles="1" noChangeArrowheads="1" noChangeShapeType="1" noTextEdit="1"/>
+              </p:cNvSpPr>
+              <p:nvPr/>
+            </p:nvSpPr>
+            <p:spPr>
+              <a:xfrm>
+                <a:off x="5800901" y="6027249"/>
+                <a:ext cx="5629099" cy="388889"/>
+              </a:xfrm>
+              <a:prstGeom prst="rect">
+                <a:avLst/>
+              </a:prstGeom>
+              <a:blipFill>
+                <a:blip r:embed="rId5"/>
+                <a:stretch>
+                  <a:fillRect/>
+                </a:stretch>
+              </a:blipFill>
+            </p:spPr>
+            <p:txBody>
+              <a:bodyPr/>
+              <a:lstStyle/>
+              <a:p>
+                <a:r>
+                  <a:rPr lang="es-ES">
+                    <a:noFill/>
+                  </a:rPr>
+                  <a:t> </a:t>
+                </a:r>
+              </a:p>
+            </p:txBody>
+          </p:sp>
+        </mc:Fallback>
+      </mc:AlternateContent>
+      <p:pic>
+        <p:nvPicPr>
+          <p:cNvPr id="9" name="Gráfico 8" descr="Temperatura alta con relleno sólido">
+            <a:extLst>
+              <a:ext uri="{FF2B5EF4-FFF2-40B4-BE49-F238E27FC236}">
+                <a16:creationId xmlns:a16="http://schemas.microsoft.com/office/drawing/2014/main" id="{B0825237-0856-9393-0629-9A5CE6E2464E}"/>
+              </a:ext>
+            </a:extLst>
+          </p:cNvPr>
+          <p:cNvPicPr>
+            <a:picLocks noChangeAspect="1"/>
+          </p:cNvPicPr>
+          <p:nvPr/>
+        </p:nvPicPr>
+        <p:blipFill>
+          <a:blip r:embed="rId6">
+            <a:extLst>
+              <a:ext uri="{96DAC541-7B7A-43D3-8B79-37D633B846F1}">
+                <asvg:svgBlip xmlns:asvg="http://schemas.microsoft.com/office/drawing/2016/SVG/main" r:embed="rId7"/>
+              </a:ext>
+            </a:extLst>
+          </a:blip>
+          <a:stretch>
+            <a:fillRect/>
+          </a:stretch>
+        </p:blipFill>
+        <p:spPr>
+          <a:xfrm>
+            <a:off x="9371755" y="3298366"/>
+            <a:ext cx="582371" cy="582371"/>
           </a:xfrm>
           <a:prstGeom prst="rect">
             <a:avLst/>
@@ -6933,7 +8810,3716 @@
     </p:spTree>
     <p:extLst>
       <p:ext uri="{BB962C8B-B14F-4D97-AF65-F5344CB8AC3E}">
-        <p14:creationId xmlns:p14="http://schemas.microsoft.com/office/powerpoint/2010/main" val="2096689764"/>
+        <p14:creationId xmlns:p14="http://schemas.microsoft.com/office/powerpoint/2010/main" val="4051738724"/>
+      </p:ext>
+    </p:extLst>
+  </p:cSld>
+  <p:clrMapOvr>
+    <a:masterClrMapping/>
+  </p:clrMapOvr>
+</p:sld>
+</file>
+
+<file path=ppt/slides/slide5.xml><?xml version="1.0" encoding="utf-8"?>
+<p:sld xmlns:a="http://schemas.openxmlformats.org/drawingml/2006/main" xmlns:r="http://schemas.openxmlformats.org/officeDocument/2006/relationships" xmlns:p="http://schemas.openxmlformats.org/presentationml/2006/main">
+  <p:cSld>
+    <p:spTree>
+      <p:nvGrpSpPr>
+        <p:cNvPr id="1" name=""/>
+        <p:cNvGrpSpPr/>
+        <p:nvPr/>
+      </p:nvGrpSpPr>
+      <p:grpSpPr>
+        <a:xfrm>
+          <a:off x="0" y="0"/>
+          <a:ext cx="0" cy="0"/>
+          <a:chOff x="0" y="0"/>
+          <a:chExt cx="0" cy="0"/>
+        </a:xfrm>
+      </p:grpSpPr>
+      <p:sp>
+        <p:nvSpPr>
+          <p:cNvPr id="2" name="Título 1">
+            <a:extLst>
+              <a:ext uri="{FF2B5EF4-FFF2-40B4-BE49-F238E27FC236}">
+                <a16:creationId xmlns:a16="http://schemas.microsoft.com/office/drawing/2014/main" id="{DA88A35D-F3B8-BDCA-1E89-E9F8EBFFC7E0}"/>
+              </a:ext>
+            </a:extLst>
+          </p:cNvPr>
+          <p:cNvSpPr>
+            <a:spLocks noGrp="1"/>
+          </p:cNvSpPr>
+          <p:nvPr>
+            <p:ph type="title"/>
+          </p:nvPr>
+        </p:nvSpPr>
+        <p:spPr/>
+        <p:txBody>
+          <a:bodyPr anchor="ctr"/>
+          <a:lstStyle/>
+          <a:p>
+            <a:r>
+              <a:rPr lang="es-ES" dirty="0" err="1"/>
+              <a:t>Two-compartment</a:t>
+            </a:r>
+            <a:r>
+              <a:rPr lang="es-ES" dirty="0"/>
+              <a:t> </a:t>
+            </a:r>
+            <a:r>
+              <a:rPr lang="es-ES" dirty="0" err="1"/>
+              <a:t>model</a:t>
+            </a:r>
+            <a:endParaRPr lang="es-ES" dirty="0"/>
+          </a:p>
+        </p:txBody>
+      </p:sp>
+      <p:pic>
+        <p:nvPicPr>
+          <p:cNvPr id="12" name="Marcador de posición de imagen 11" descr="Gráfico&#10;&#10;El contenido generado por IA puede ser incorrecto.">
+            <a:extLst>
+              <a:ext uri="{FF2B5EF4-FFF2-40B4-BE49-F238E27FC236}">
+                <a16:creationId xmlns:a16="http://schemas.microsoft.com/office/drawing/2014/main" id="{E7854F28-3594-60A5-530C-C9728F9C5AE0}"/>
+              </a:ext>
+            </a:extLst>
+          </p:cNvPr>
+          <p:cNvPicPr>
+            <a:picLocks noGrp="1" noChangeAspect="1"/>
+          </p:cNvPicPr>
+          <p:nvPr>
+            <p:ph type="pic" idx="1"/>
+          </p:nvPr>
+        </p:nvPicPr>
+        <p:blipFill>
+          <a:blip r:embed="rId2">
+            <a:extLst>
+              <a:ext uri="{28A0092B-C50C-407E-A947-70E740481C1C}">
+                <a14:useLocalDpi xmlns:a14="http://schemas.microsoft.com/office/drawing/2010/main" val="0"/>
+              </a:ext>
+            </a:extLst>
+          </a:blip>
+          <a:srcRect t="-859" b="-566"/>
+          <a:stretch>
+            <a:fillRect/>
+          </a:stretch>
+        </p:blipFill>
+        <p:spPr>
+          <a:xfrm>
+            <a:off x="5080397" y="1057486"/>
+            <a:ext cx="6740212" cy="5535820"/>
+          </a:xfrm>
+        </p:spPr>
+      </p:pic>
+      <p:pic>
+        <p:nvPicPr>
+          <p:cNvPr id="6" name="Imagen 5">
+            <a:extLst>
+              <a:ext uri="{FF2B5EF4-FFF2-40B4-BE49-F238E27FC236}">
+                <a16:creationId xmlns:a16="http://schemas.microsoft.com/office/drawing/2014/main" id="{CC81AC10-DE5C-D3FE-2A95-F3C1CCF1376A}"/>
+              </a:ext>
+            </a:extLst>
+          </p:cNvPr>
+          <p:cNvPicPr>
+            <a:picLocks noChangeAspect="1"/>
+          </p:cNvPicPr>
+          <p:nvPr/>
+        </p:nvPicPr>
+        <p:blipFill>
+          <a:blip r:embed="rId3"/>
+          <a:stretch>
+            <a:fillRect/>
+          </a:stretch>
+        </p:blipFill>
+        <p:spPr>
+          <a:xfrm>
+            <a:off x="139344" y="1644317"/>
+            <a:ext cx="4529889" cy="2129589"/>
+          </a:xfrm>
+          <a:prstGeom prst="rect">
+            <a:avLst/>
+          </a:prstGeom>
+        </p:spPr>
+      </p:pic>
+      <mc:AlternateContent xmlns:mc="http://schemas.openxmlformats.org/markup-compatibility/2006">
+        <mc:Choice xmlns:a14="http://schemas.microsoft.com/office/drawing/2010/main" Requires="a14">
+          <p:sp>
+            <p:nvSpPr>
+              <p:cNvPr id="8" name="Marcador de texto 7">
+                <a:extLst>
+                  <a:ext uri="{FF2B5EF4-FFF2-40B4-BE49-F238E27FC236}">
+                    <a16:creationId xmlns:a16="http://schemas.microsoft.com/office/drawing/2014/main" id="{B3C8DD9A-5E57-B141-DC7A-FB3FFEE8615B}"/>
+                  </a:ext>
+                </a:extLst>
+              </p:cNvPr>
+              <p:cNvSpPr>
+                <a:spLocks noGrp="1"/>
+              </p:cNvSpPr>
+              <p:nvPr>
+                <p:ph type="body" sz="half" idx="2"/>
+              </p:nvPr>
+            </p:nvSpPr>
+            <p:spPr>
+              <a:xfrm>
+                <a:off x="139344" y="3773906"/>
+                <a:ext cx="4941053" cy="2931694"/>
+              </a:xfrm>
+            </p:spPr>
+            <p:txBody>
+              <a:bodyPr>
+                <a:normAutofit/>
+              </a:bodyPr>
+              <a:lstStyle/>
+              <a:p>
+                <a:pPr/>
+                <a14:m>
+                  <m:oMathPara xmlns:m="http://schemas.openxmlformats.org/officeDocument/2006/math">
+                    <m:oMathParaPr>
+                      <m:jc m:val="left"/>
+                    </m:oMathParaPr>
+                    <m:oMath xmlns:m="http://schemas.openxmlformats.org/officeDocument/2006/math">
+                      <m:f>
+                        <m:fPr>
+                          <m:ctrlPr>
+                            <a:rPr lang="es-ES" i="1" smtClean="0">
+                              <a:solidFill>
+                                <a:srgbClr val="FF0000"/>
+                              </a:solidFill>
+                              <a:latin typeface="Cambria Math" panose="02040503050406030204" pitchFamily="18" charset="0"/>
+                            </a:rPr>
+                          </m:ctrlPr>
+                        </m:fPr>
+                        <m:num>
+                          <m:r>
+                            <a:rPr lang="es-ES" i="1" smtClean="0">
+                              <a:solidFill>
+                                <a:srgbClr val="FF0000"/>
+                              </a:solidFill>
+                              <a:latin typeface="Cambria Math" panose="02040503050406030204" pitchFamily="18" charset="0"/>
+                            </a:rPr>
+                            <m:t>𝑑</m:t>
+                          </m:r>
+                          <m:sSub>
+                            <m:sSubPr>
+                              <m:ctrlPr>
+                                <a:rPr lang="es-ES" i="1" smtClean="0">
+                                  <a:solidFill>
+                                    <a:srgbClr val="FF0000"/>
+                                  </a:solidFill>
+                                  <a:latin typeface="Cambria Math" panose="02040503050406030204" pitchFamily="18" charset="0"/>
+                                </a:rPr>
+                              </m:ctrlPr>
+                            </m:sSubPr>
+                            <m:e>
+                              <m:r>
+                                <a:rPr lang="es-ES" b="0" i="1" smtClean="0">
+                                  <a:solidFill>
+                                    <a:srgbClr val="FF0000"/>
+                                  </a:solidFill>
+                                  <a:latin typeface="Cambria Math" panose="02040503050406030204" pitchFamily="18" charset="0"/>
+                                </a:rPr>
+                                <m:t>𝐿</m:t>
+                              </m:r>
+                            </m:e>
+                            <m:sub>
+                              <m:r>
+                                <a:rPr lang="es-ES" b="0" i="1" smtClean="0">
+                                  <a:solidFill>
+                                    <a:srgbClr val="FF0000"/>
+                                  </a:solidFill>
+                                  <a:latin typeface="Cambria Math" panose="02040503050406030204" pitchFamily="18" charset="0"/>
+                                </a:rPr>
+                                <m:t>𝑇</m:t>
+                              </m:r>
+                            </m:sub>
+                          </m:sSub>
+                        </m:num>
+                        <m:den>
+                          <m:r>
+                            <a:rPr lang="es-ES" i="1" smtClean="0">
+                              <a:solidFill>
+                                <a:srgbClr val="FF0000"/>
+                              </a:solidFill>
+                              <a:latin typeface="Cambria Math" panose="02040503050406030204" pitchFamily="18" charset="0"/>
+                            </a:rPr>
+                            <m:t>𝑑</m:t>
+                          </m:r>
+                          <m:r>
+                            <a:rPr lang="es-ES" b="0" i="1" smtClean="0">
+                              <a:solidFill>
+                                <a:srgbClr val="FF0000"/>
+                              </a:solidFill>
+                              <a:latin typeface="Cambria Math" panose="02040503050406030204" pitchFamily="18" charset="0"/>
+                            </a:rPr>
+                            <m:t>𝑡</m:t>
+                          </m:r>
+                        </m:den>
+                      </m:f>
+                      <m:r>
+                        <a:rPr lang="es-ES" b="0" i="1" smtClean="0">
+                          <a:solidFill>
+                            <a:srgbClr val="FF0000"/>
+                          </a:solidFill>
+                          <a:latin typeface="Cambria Math" panose="02040503050406030204" pitchFamily="18" charset="0"/>
+                        </a:rPr>
+                        <m:t>=</m:t>
+                      </m:r>
+                      <m:sSub>
+                        <m:sSubPr>
+                          <m:ctrlPr>
+                            <a:rPr lang="es-ES" b="0" i="1" smtClean="0">
+                              <a:solidFill>
+                                <a:srgbClr val="FF0000"/>
+                              </a:solidFill>
+                              <a:latin typeface="Cambria Math" panose="02040503050406030204" pitchFamily="18" charset="0"/>
+                            </a:rPr>
+                          </m:ctrlPr>
+                        </m:sSubPr>
+                        <m:e>
+                          <m:r>
+                            <a:rPr lang="es-ES" b="0" i="1" smtClean="0">
+                              <a:solidFill>
+                                <a:srgbClr val="FF0000"/>
+                              </a:solidFill>
+                              <a:latin typeface="Cambria Math" panose="02040503050406030204" pitchFamily="18" charset="0"/>
+                            </a:rPr>
+                            <m:t>𝑘</m:t>
+                          </m:r>
+                        </m:e>
+                        <m:sub>
+                          <m:r>
+                            <a:rPr lang="es-ES" b="0" i="1" smtClean="0">
+                              <a:solidFill>
+                                <a:srgbClr val="FF0000"/>
+                              </a:solidFill>
+                              <a:latin typeface="Cambria Math" panose="02040503050406030204" pitchFamily="18" charset="0"/>
+                            </a:rPr>
+                            <m:t>𝑝𝑡</m:t>
+                          </m:r>
+                        </m:sub>
+                      </m:sSub>
+                      <m:sSub>
+                        <m:sSubPr>
+                          <m:ctrlPr>
+                            <a:rPr lang="es-ES" b="0" i="1" smtClean="0">
+                              <a:solidFill>
+                                <a:srgbClr val="FF0000"/>
+                              </a:solidFill>
+                              <a:latin typeface="Cambria Math" panose="02040503050406030204" pitchFamily="18" charset="0"/>
+                            </a:rPr>
+                          </m:ctrlPr>
+                        </m:sSubPr>
+                        <m:e>
+                          <m:r>
+                            <a:rPr lang="es-ES" b="0" i="1" smtClean="0">
+                              <a:solidFill>
+                                <a:srgbClr val="FF0000"/>
+                              </a:solidFill>
+                              <a:latin typeface="Cambria Math" panose="02040503050406030204" pitchFamily="18" charset="0"/>
+                            </a:rPr>
+                            <m:t>𝐿</m:t>
+                          </m:r>
+                        </m:e>
+                        <m:sub>
+                          <m:r>
+                            <a:rPr lang="es-ES" b="0" i="1" smtClean="0">
+                              <a:solidFill>
+                                <a:srgbClr val="FF0000"/>
+                              </a:solidFill>
+                              <a:latin typeface="Cambria Math" panose="02040503050406030204" pitchFamily="18" charset="0"/>
+                            </a:rPr>
+                            <m:t>𝐶</m:t>
+                          </m:r>
+                        </m:sub>
+                      </m:sSub>
+                      <m:r>
+                        <a:rPr lang="es-ES" b="0" i="1" smtClean="0">
+                          <a:solidFill>
+                            <a:srgbClr val="FF0000"/>
+                          </a:solidFill>
+                          <a:latin typeface="Cambria Math" panose="02040503050406030204" pitchFamily="18" charset="0"/>
+                        </a:rPr>
+                        <m:t>−</m:t>
+                      </m:r>
+                      <m:sSub>
+                        <m:sSubPr>
+                          <m:ctrlPr>
+                            <a:rPr lang="es-ES" b="0" i="1" smtClean="0">
+                              <a:solidFill>
+                                <a:srgbClr val="FF0000"/>
+                              </a:solidFill>
+                              <a:latin typeface="Cambria Math" panose="02040503050406030204" pitchFamily="18" charset="0"/>
+                            </a:rPr>
+                          </m:ctrlPr>
+                        </m:sSubPr>
+                        <m:e>
+                          <m:r>
+                            <a:rPr lang="es-ES" b="0" i="1" smtClean="0">
+                              <a:solidFill>
+                                <a:srgbClr val="FF0000"/>
+                              </a:solidFill>
+                              <a:latin typeface="Cambria Math" panose="02040503050406030204" pitchFamily="18" charset="0"/>
+                            </a:rPr>
+                            <m:t>𝑘</m:t>
+                          </m:r>
+                        </m:e>
+                        <m:sub>
+                          <m:r>
+                            <a:rPr lang="es-ES" b="0" i="1" smtClean="0">
+                              <a:solidFill>
+                                <a:srgbClr val="FF0000"/>
+                              </a:solidFill>
+                              <a:latin typeface="Cambria Math" panose="02040503050406030204" pitchFamily="18" charset="0"/>
+                            </a:rPr>
+                            <m:t>𝑡𝑝</m:t>
+                          </m:r>
+                        </m:sub>
+                      </m:sSub>
+                      <m:sSub>
+                        <m:sSubPr>
+                          <m:ctrlPr>
+                            <a:rPr lang="es-ES" b="0" i="1" smtClean="0">
+                              <a:solidFill>
+                                <a:srgbClr val="FF0000"/>
+                              </a:solidFill>
+                              <a:latin typeface="Cambria Math" panose="02040503050406030204" pitchFamily="18" charset="0"/>
+                            </a:rPr>
+                          </m:ctrlPr>
+                        </m:sSubPr>
+                        <m:e>
+                          <m:r>
+                            <a:rPr lang="es-ES" b="0" i="1" smtClean="0">
+                              <a:solidFill>
+                                <a:srgbClr val="FF0000"/>
+                              </a:solidFill>
+                              <a:latin typeface="Cambria Math" panose="02040503050406030204" pitchFamily="18" charset="0"/>
+                            </a:rPr>
+                            <m:t>𝐿</m:t>
+                          </m:r>
+                        </m:e>
+                        <m:sub>
+                          <m:r>
+                            <a:rPr lang="es-ES" b="0" i="1" smtClean="0">
+                              <a:solidFill>
+                                <a:srgbClr val="FF0000"/>
+                              </a:solidFill>
+                              <a:latin typeface="Cambria Math" panose="02040503050406030204" pitchFamily="18" charset="0"/>
+                            </a:rPr>
+                            <m:t>𝑇</m:t>
+                          </m:r>
+                        </m:sub>
+                      </m:sSub>
+                    </m:oMath>
+                  </m:oMathPara>
+                </a14:m>
+                <a:endParaRPr lang="es-ES" b="0" dirty="0"/>
+              </a:p>
+              <a:p>
+                <a:endParaRPr lang="es-ES" dirty="0"/>
+              </a:p>
+              <a:p>
+                <a:pPr/>
+                <a14:m>
+                  <m:oMathPara xmlns:m="http://schemas.openxmlformats.org/officeDocument/2006/math">
+                    <m:oMathParaPr>
+                      <m:jc m:val="left"/>
+                    </m:oMathParaPr>
+                    <m:oMath xmlns:m="http://schemas.openxmlformats.org/officeDocument/2006/math">
+                      <m:f>
+                        <m:fPr>
+                          <m:ctrlPr>
+                            <a:rPr lang="es-ES" i="1" smtClean="0">
+                              <a:latin typeface="Cambria Math" panose="02040503050406030204" pitchFamily="18" charset="0"/>
+                            </a:rPr>
+                          </m:ctrlPr>
+                        </m:fPr>
+                        <m:num>
+                          <m:r>
+                            <a:rPr lang="es-ES" i="1">
+                              <a:latin typeface="Cambria Math" panose="02040503050406030204" pitchFamily="18" charset="0"/>
+                            </a:rPr>
+                            <m:t>𝑑</m:t>
+                          </m:r>
+                          <m:sSub>
+                            <m:sSubPr>
+                              <m:ctrlPr>
+                                <a:rPr lang="es-ES" i="1" smtClean="0">
+                                  <a:latin typeface="Cambria Math" panose="02040503050406030204" pitchFamily="18" charset="0"/>
+                                </a:rPr>
+                              </m:ctrlPr>
+                            </m:sSubPr>
+                            <m:e>
+                              <m:r>
+                                <a:rPr lang="es-ES" b="0" i="1" smtClean="0">
+                                  <a:latin typeface="Cambria Math" panose="02040503050406030204" pitchFamily="18" charset="0"/>
+                                </a:rPr>
+                                <m:t>𝐿</m:t>
+                              </m:r>
+                            </m:e>
+                            <m:sub>
+                              <m:r>
+                                <a:rPr lang="es-ES" b="0" i="1" smtClean="0">
+                                  <a:latin typeface="Cambria Math" panose="02040503050406030204" pitchFamily="18" charset="0"/>
+                                </a:rPr>
+                                <m:t>𝐶</m:t>
+                              </m:r>
+                            </m:sub>
+                          </m:sSub>
+                        </m:num>
+                        <m:den>
+                          <m:r>
+                            <a:rPr lang="es-ES" i="1">
+                              <a:latin typeface="Cambria Math" panose="02040503050406030204" pitchFamily="18" charset="0"/>
+                            </a:rPr>
+                            <m:t>𝑑𝑡</m:t>
+                          </m:r>
+                        </m:den>
+                      </m:f>
+                      <m:r>
+                        <a:rPr lang="es-ES" i="1">
+                          <a:latin typeface="Cambria Math" panose="02040503050406030204" pitchFamily="18" charset="0"/>
+                        </a:rPr>
+                        <m:t>=−</m:t>
+                      </m:r>
+                      <m:sSub>
+                        <m:sSubPr>
+                          <m:ctrlPr>
+                            <a:rPr lang="es-ES" i="1">
+                              <a:latin typeface="Cambria Math" panose="02040503050406030204" pitchFamily="18" charset="0"/>
+                            </a:rPr>
+                          </m:ctrlPr>
+                        </m:sSubPr>
+                        <m:e>
+                          <m:r>
+                            <a:rPr lang="es-ES" i="1">
+                              <a:latin typeface="Cambria Math" panose="02040503050406030204" pitchFamily="18" charset="0"/>
+                            </a:rPr>
+                            <m:t>𝑘</m:t>
+                          </m:r>
+                        </m:e>
+                        <m:sub>
+                          <m:r>
+                            <a:rPr lang="es-ES" i="1">
+                              <a:latin typeface="Cambria Math" panose="02040503050406030204" pitchFamily="18" charset="0"/>
+                            </a:rPr>
+                            <m:t>𝑒</m:t>
+                          </m:r>
+                          <m:d>
+                            <m:dPr>
+                              <m:ctrlPr>
+                                <a:rPr lang="es-ES" i="1">
+                                  <a:latin typeface="Cambria Math" panose="02040503050406030204" pitchFamily="18" charset="0"/>
+                                </a:rPr>
+                              </m:ctrlPr>
+                            </m:dPr>
+                            <m:e>
+                              <m:r>
+                                <a:rPr lang="es-ES" i="1">
+                                  <a:latin typeface="Cambria Math" panose="02040503050406030204" pitchFamily="18" charset="0"/>
+                                </a:rPr>
+                                <m:t>𝐿</m:t>
+                              </m:r>
+                            </m:e>
+                          </m:d>
+                        </m:sub>
+                      </m:sSub>
+                      <m:sSub>
+                        <m:sSubPr>
+                          <m:ctrlPr>
+                            <a:rPr lang="es-ES" i="1">
+                              <a:latin typeface="Cambria Math" panose="02040503050406030204" pitchFamily="18" charset="0"/>
+                            </a:rPr>
+                          </m:ctrlPr>
+                        </m:sSubPr>
+                        <m:e>
+                          <m:r>
+                            <a:rPr lang="es-ES" i="1">
+                              <a:latin typeface="Cambria Math" panose="02040503050406030204" pitchFamily="18" charset="0"/>
+                            </a:rPr>
+                            <m:t>𝐿</m:t>
+                          </m:r>
+                        </m:e>
+                        <m:sub>
+                          <m:r>
+                            <a:rPr lang="es-ES" i="1">
+                              <a:latin typeface="Cambria Math" panose="02040503050406030204" pitchFamily="18" charset="0"/>
+                            </a:rPr>
+                            <m:t>𝐶</m:t>
+                          </m:r>
+                        </m:sub>
+                      </m:sSub>
+                      <m:r>
+                        <a:rPr lang="es-ES" i="1">
+                          <a:latin typeface="Cambria Math" panose="02040503050406030204" pitchFamily="18" charset="0"/>
+                        </a:rPr>
+                        <m:t>−</m:t>
+                      </m:r>
+                      <m:sSub>
+                        <m:sSubPr>
+                          <m:ctrlPr>
+                            <a:rPr lang="es-ES" i="1">
+                              <a:latin typeface="Cambria Math" panose="02040503050406030204" pitchFamily="18" charset="0"/>
+                            </a:rPr>
+                          </m:ctrlPr>
+                        </m:sSubPr>
+                        <m:e>
+                          <m:r>
+                            <a:rPr lang="es-ES" i="1">
+                              <a:latin typeface="Cambria Math" panose="02040503050406030204" pitchFamily="18" charset="0"/>
+                            </a:rPr>
+                            <m:t>𝑘</m:t>
+                          </m:r>
+                        </m:e>
+                        <m:sub>
+                          <m:r>
+                            <a:rPr lang="es-ES" i="1">
+                              <a:latin typeface="Cambria Math" panose="02040503050406030204" pitchFamily="18" charset="0"/>
+                            </a:rPr>
+                            <m:t>𝑜𝑛</m:t>
+                          </m:r>
+                        </m:sub>
+                      </m:sSub>
+                      <m:sSub>
+                        <m:sSubPr>
+                          <m:ctrlPr>
+                            <a:rPr lang="es-ES" i="1">
+                              <a:latin typeface="Cambria Math" panose="02040503050406030204" pitchFamily="18" charset="0"/>
+                            </a:rPr>
+                          </m:ctrlPr>
+                        </m:sSubPr>
+                        <m:e>
+                          <m:r>
+                            <a:rPr lang="es-ES" i="1">
+                              <a:latin typeface="Cambria Math" panose="02040503050406030204" pitchFamily="18" charset="0"/>
+                            </a:rPr>
+                            <m:t>𝐿</m:t>
+                          </m:r>
+                        </m:e>
+                        <m:sub>
+                          <m:r>
+                            <a:rPr lang="es-ES" i="1">
+                              <a:latin typeface="Cambria Math" panose="02040503050406030204" pitchFamily="18" charset="0"/>
+                            </a:rPr>
+                            <m:t>𝐶</m:t>
+                          </m:r>
+                        </m:sub>
+                      </m:sSub>
+                      <m:r>
+                        <a:rPr lang="es-ES" i="1">
+                          <a:latin typeface="Cambria Math" panose="02040503050406030204" pitchFamily="18" charset="0"/>
+                        </a:rPr>
+                        <m:t>𝑅</m:t>
+                      </m:r>
+                      <m:r>
+                        <a:rPr lang="es-ES" i="1">
+                          <a:latin typeface="Cambria Math" panose="02040503050406030204" pitchFamily="18" charset="0"/>
+                        </a:rPr>
+                        <m:t>+</m:t>
+                      </m:r>
+                      <m:sSub>
+                        <m:sSubPr>
+                          <m:ctrlPr>
+                            <a:rPr lang="es-ES" i="1">
+                              <a:latin typeface="Cambria Math" panose="02040503050406030204" pitchFamily="18" charset="0"/>
+                            </a:rPr>
+                          </m:ctrlPr>
+                        </m:sSubPr>
+                        <m:e>
+                          <m:r>
+                            <a:rPr lang="es-ES" i="1">
+                              <a:latin typeface="Cambria Math" panose="02040503050406030204" pitchFamily="18" charset="0"/>
+                            </a:rPr>
+                            <m:t>𝑘</m:t>
+                          </m:r>
+                        </m:e>
+                        <m:sub>
+                          <m:r>
+                            <a:rPr lang="es-ES" i="1">
+                              <a:latin typeface="Cambria Math" panose="02040503050406030204" pitchFamily="18" charset="0"/>
+                            </a:rPr>
+                            <m:t>𝑜𝑓𝑓</m:t>
+                          </m:r>
+                        </m:sub>
+                      </m:sSub>
+                      <m:r>
+                        <a:rPr lang="es-ES" i="1">
+                          <a:latin typeface="Cambria Math" panose="02040503050406030204" pitchFamily="18" charset="0"/>
+                        </a:rPr>
+                        <m:t>𝑃</m:t>
+                      </m:r>
+                      <m:r>
+                        <a:rPr lang="es-ES" b="0" i="1" smtClean="0">
+                          <a:latin typeface="Cambria Math" panose="02040503050406030204" pitchFamily="18" charset="0"/>
+                        </a:rPr>
+                        <m:t>−</m:t>
+                      </m:r>
+                      <m:sSub>
+                        <m:sSubPr>
+                          <m:ctrlPr>
+                            <a:rPr lang="es-ES" b="0" i="1" smtClean="0">
+                              <a:latin typeface="Cambria Math" panose="02040503050406030204" pitchFamily="18" charset="0"/>
+                            </a:rPr>
+                          </m:ctrlPr>
+                        </m:sSubPr>
+                        <m:e>
+                          <m:r>
+                            <a:rPr lang="es-ES" b="0" i="1" smtClean="0">
+                              <a:latin typeface="Cambria Math" panose="02040503050406030204" pitchFamily="18" charset="0"/>
+                            </a:rPr>
+                            <m:t>𝑘</m:t>
+                          </m:r>
+                        </m:e>
+                        <m:sub>
+                          <m:r>
+                            <a:rPr lang="es-ES" b="0" i="1" smtClean="0">
+                              <a:latin typeface="Cambria Math" panose="02040503050406030204" pitchFamily="18" charset="0"/>
+                            </a:rPr>
+                            <m:t>𝑝𝑡</m:t>
+                          </m:r>
+                        </m:sub>
+                      </m:sSub>
+                      <m:sSub>
+                        <m:sSubPr>
+                          <m:ctrlPr>
+                            <a:rPr lang="es-ES" i="1">
+                              <a:latin typeface="Cambria Math" panose="02040503050406030204" pitchFamily="18" charset="0"/>
+                            </a:rPr>
+                          </m:ctrlPr>
+                        </m:sSubPr>
+                        <m:e>
+                          <m:r>
+                            <a:rPr lang="es-ES" i="1">
+                              <a:latin typeface="Cambria Math" panose="02040503050406030204" pitchFamily="18" charset="0"/>
+                            </a:rPr>
+                            <m:t>𝐿</m:t>
+                          </m:r>
+                        </m:e>
+                        <m:sub>
+                          <m:r>
+                            <a:rPr lang="es-ES" i="1">
+                              <a:latin typeface="Cambria Math" panose="02040503050406030204" pitchFamily="18" charset="0"/>
+                            </a:rPr>
+                            <m:t>𝐶</m:t>
+                          </m:r>
+                        </m:sub>
+                      </m:sSub>
+                      <m:r>
+                        <a:rPr lang="es-ES" b="0" i="1" smtClean="0">
+                          <a:latin typeface="Cambria Math" panose="02040503050406030204" pitchFamily="18" charset="0"/>
+                        </a:rPr>
+                        <m:t>+</m:t>
+                      </m:r>
+                      <m:sSub>
+                        <m:sSubPr>
+                          <m:ctrlPr>
+                            <a:rPr lang="es-ES" i="1">
+                              <a:latin typeface="Cambria Math" panose="02040503050406030204" pitchFamily="18" charset="0"/>
+                            </a:rPr>
+                          </m:ctrlPr>
+                        </m:sSubPr>
+                        <m:e>
+                          <m:r>
+                            <a:rPr lang="es-ES" i="1">
+                              <a:latin typeface="Cambria Math" panose="02040503050406030204" pitchFamily="18" charset="0"/>
+                            </a:rPr>
+                            <m:t>𝑘</m:t>
+                          </m:r>
+                        </m:e>
+                        <m:sub>
+                          <m:r>
+                            <a:rPr lang="es-ES" i="1">
+                              <a:latin typeface="Cambria Math" panose="02040503050406030204" pitchFamily="18" charset="0"/>
+                            </a:rPr>
+                            <m:t>𝑡</m:t>
+                          </m:r>
+                          <m:r>
+                            <a:rPr lang="es-ES" b="0" i="1" smtClean="0">
+                              <a:latin typeface="Cambria Math" panose="02040503050406030204" pitchFamily="18" charset="0"/>
+                            </a:rPr>
+                            <m:t>𝑝</m:t>
+                          </m:r>
+                        </m:sub>
+                      </m:sSub>
+                      <m:sSub>
+                        <m:sSubPr>
+                          <m:ctrlPr>
+                            <a:rPr lang="es-ES" i="1">
+                              <a:latin typeface="Cambria Math" panose="02040503050406030204" pitchFamily="18" charset="0"/>
+                            </a:rPr>
+                          </m:ctrlPr>
+                        </m:sSubPr>
+                        <m:e>
+                          <m:r>
+                            <a:rPr lang="es-ES" i="1">
+                              <a:latin typeface="Cambria Math" panose="02040503050406030204" pitchFamily="18" charset="0"/>
+                            </a:rPr>
+                            <m:t>𝐿</m:t>
+                          </m:r>
+                        </m:e>
+                        <m:sub>
+                          <m:r>
+                            <a:rPr lang="es-ES" b="0" i="1" smtClean="0">
+                              <a:latin typeface="Cambria Math" panose="02040503050406030204" pitchFamily="18" charset="0"/>
+                            </a:rPr>
+                            <m:t>𝑇</m:t>
+                          </m:r>
+                        </m:sub>
+                      </m:sSub>
+                    </m:oMath>
+                  </m:oMathPara>
+                </a14:m>
+                <a:endParaRPr lang="es-ES" dirty="0"/>
+              </a:p>
+              <a:p>
+                <a:endParaRPr lang="es-ES" b="0" dirty="0"/>
+              </a:p>
+              <a:p>
+                <a:pPr/>
+                <a14:m>
+                  <m:oMathPara xmlns:m="http://schemas.openxmlformats.org/officeDocument/2006/math">
+                    <m:oMathParaPr>
+                      <m:jc m:val="left"/>
+                    </m:oMathParaPr>
+                    <m:oMath xmlns:m="http://schemas.openxmlformats.org/officeDocument/2006/math">
+                      <m:f>
+                        <m:fPr>
+                          <m:ctrlPr>
+                            <a:rPr lang="es-ES" i="1">
+                              <a:latin typeface="Cambria Math" panose="02040503050406030204" pitchFamily="18" charset="0"/>
+                            </a:rPr>
+                          </m:ctrlPr>
+                        </m:fPr>
+                        <m:num>
+                          <m:r>
+                            <a:rPr lang="es-ES" i="1">
+                              <a:latin typeface="Cambria Math" panose="02040503050406030204" pitchFamily="18" charset="0"/>
+                            </a:rPr>
+                            <m:t>𝑑𝑅</m:t>
+                          </m:r>
+                        </m:num>
+                        <m:den>
+                          <m:r>
+                            <a:rPr lang="es-ES" i="1">
+                              <a:latin typeface="Cambria Math" panose="02040503050406030204" pitchFamily="18" charset="0"/>
+                            </a:rPr>
+                            <m:t>𝑑𝑡</m:t>
+                          </m:r>
+                        </m:den>
+                      </m:f>
+                      <m:r>
+                        <a:rPr lang="es-ES" i="1">
+                          <a:latin typeface="Cambria Math" panose="02040503050406030204" pitchFamily="18" charset="0"/>
+                        </a:rPr>
+                        <m:t>=</m:t>
+                      </m:r>
+                      <m:sSub>
+                        <m:sSubPr>
+                          <m:ctrlPr>
+                            <a:rPr lang="es-ES" i="1">
+                              <a:latin typeface="Cambria Math" panose="02040503050406030204" pitchFamily="18" charset="0"/>
+                            </a:rPr>
+                          </m:ctrlPr>
+                        </m:sSubPr>
+                        <m:e>
+                          <m:r>
+                            <a:rPr lang="es-ES" i="1">
+                              <a:latin typeface="Cambria Math" panose="02040503050406030204" pitchFamily="18" charset="0"/>
+                            </a:rPr>
+                            <m:t>𝑘</m:t>
+                          </m:r>
+                        </m:e>
+                        <m:sub>
+                          <m:r>
+                            <a:rPr lang="es-ES" i="1">
+                              <a:latin typeface="Cambria Math" panose="02040503050406030204" pitchFamily="18" charset="0"/>
+                            </a:rPr>
+                            <m:t>𝑖𝑛</m:t>
+                          </m:r>
+                        </m:sub>
+                      </m:sSub>
+                      <m:r>
+                        <a:rPr lang="es-ES" i="1">
+                          <a:latin typeface="Cambria Math" panose="02040503050406030204" pitchFamily="18" charset="0"/>
+                        </a:rPr>
+                        <m:t>−</m:t>
+                      </m:r>
+                      <m:sSub>
+                        <m:sSubPr>
+                          <m:ctrlPr>
+                            <a:rPr lang="es-ES" i="1">
+                              <a:latin typeface="Cambria Math" panose="02040503050406030204" pitchFamily="18" charset="0"/>
+                            </a:rPr>
+                          </m:ctrlPr>
+                        </m:sSubPr>
+                        <m:e>
+                          <m:r>
+                            <a:rPr lang="es-ES" i="1">
+                              <a:latin typeface="Cambria Math" panose="02040503050406030204" pitchFamily="18" charset="0"/>
+                            </a:rPr>
+                            <m:t>𝑘</m:t>
+                          </m:r>
+                        </m:e>
+                        <m:sub>
+                          <m:r>
+                            <a:rPr lang="es-ES" i="1">
+                              <a:latin typeface="Cambria Math" panose="02040503050406030204" pitchFamily="18" charset="0"/>
+                            </a:rPr>
+                            <m:t>𝑜𝑢𝑡</m:t>
+                          </m:r>
+                        </m:sub>
+                      </m:sSub>
+                      <m:r>
+                        <a:rPr lang="es-ES" i="1">
+                          <a:latin typeface="Cambria Math" panose="02040503050406030204" pitchFamily="18" charset="0"/>
+                        </a:rPr>
+                        <m:t>𝑅</m:t>
+                      </m:r>
+                      <m:r>
+                        <a:rPr lang="es-ES" i="1">
+                          <a:latin typeface="Cambria Math" panose="02040503050406030204" pitchFamily="18" charset="0"/>
+                        </a:rPr>
+                        <m:t>+</m:t>
+                      </m:r>
+                      <m:sSub>
+                        <m:sSubPr>
+                          <m:ctrlPr>
+                            <a:rPr lang="es-ES" i="1">
+                              <a:latin typeface="Cambria Math" panose="02040503050406030204" pitchFamily="18" charset="0"/>
+                            </a:rPr>
+                          </m:ctrlPr>
+                        </m:sSubPr>
+                        <m:e>
+                          <m:r>
+                            <a:rPr lang="es-ES" i="1">
+                              <a:latin typeface="Cambria Math" panose="02040503050406030204" pitchFamily="18" charset="0"/>
+                            </a:rPr>
+                            <m:t>𝑘</m:t>
+                          </m:r>
+                        </m:e>
+                        <m:sub>
+                          <m:r>
+                            <a:rPr lang="es-ES" i="1">
+                              <a:latin typeface="Cambria Math" panose="02040503050406030204" pitchFamily="18" charset="0"/>
+                            </a:rPr>
+                            <m:t>𝑜</m:t>
+                          </m:r>
+                          <m:r>
+                            <a:rPr lang="es-ES" i="1">
+                              <a:latin typeface="Cambria Math" panose="02040503050406030204" pitchFamily="18" charset="0"/>
+                            </a:rPr>
+                            <m:t>𝑛</m:t>
+                          </m:r>
+                        </m:sub>
+                      </m:sSub>
+                      <m:sSub>
+                        <m:sSubPr>
+                          <m:ctrlPr>
+                            <a:rPr lang="es-ES" i="1">
+                              <a:latin typeface="Cambria Math" panose="02040503050406030204" pitchFamily="18" charset="0"/>
+                            </a:rPr>
+                          </m:ctrlPr>
+                        </m:sSubPr>
+                        <m:e>
+                          <m:r>
+                            <a:rPr lang="es-ES" i="1">
+                              <a:latin typeface="Cambria Math" panose="02040503050406030204" pitchFamily="18" charset="0"/>
+                            </a:rPr>
+                            <m:t>𝐿</m:t>
+                          </m:r>
+                        </m:e>
+                        <m:sub>
+                          <m:r>
+                            <a:rPr lang="es-ES" i="1">
+                              <a:latin typeface="Cambria Math" panose="02040503050406030204" pitchFamily="18" charset="0"/>
+                            </a:rPr>
+                            <m:t>𝐶</m:t>
+                          </m:r>
+                        </m:sub>
+                      </m:sSub>
+                      <m:r>
+                        <a:rPr lang="es-ES" i="1">
+                          <a:latin typeface="Cambria Math" panose="02040503050406030204" pitchFamily="18" charset="0"/>
+                        </a:rPr>
+                        <m:t>𝑅</m:t>
+                      </m:r>
+                      <m:r>
+                        <a:rPr lang="es-ES" i="1">
+                          <a:latin typeface="Cambria Math" panose="02040503050406030204" pitchFamily="18" charset="0"/>
+                        </a:rPr>
+                        <m:t>+</m:t>
+                      </m:r>
+                      <m:sSub>
+                        <m:sSubPr>
+                          <m:ctrlPr>
+                            <a:rPr lang="es-ES" i="1">
+                              <a:latin typeface="Cambria Math" panose="02040503050406030204" pitchFamily="18" charset="0"/>
+                            </a:rPr>
+                          </m:ctrlPr>
+                        </m:sSubPr>
+                        <m:e>
+                          <m:r>
+                            <a:rPr lang="es-ES" i="1">
+                              <a:latin typeface="Cambria Math" panose="02040503050406030204" pitchFamily="18" charset="0"/>
+                            </a:rPr>
+                            <m:t>𝑘</m:t>
+                          </m:r>
+                        </m:e>
+                        <m:sub>
+                          <m:r>
+                            <a:rPr lang="es-ES" i="1">
+                              <a:latin typeface="Cambria Math" panose="02040503050406030204" pitchFamily="18" charset="0"/>
+                            </a:rPr>
+                            <m:t>𝑜</m:t>
+                          </m:r>
+                          <m:r>
+                            <a:rPr lang="es-ES" i="1">
+                              <a:latin typeface="Cambria Math" panose="02040503050406030204" pitchFamily="18" charset="0"/>
+                            </a:rPr>
+                            <m:t>𝑓𝑓</m:t>
+                          </m:r>
+                        </m:sub>
+                      </m:sSub>
+                      <m:r>
+                        <a:rPr lang="es-ES" i="1">
+                          <a:latin typeface="Cambria Math" panose="02040503050406030204" pitchFamily="18" charset="0"/>
+                        </a:rPr>
+                        <m:t>𝑃</m:t>
+                      </m:r>
+                    </m:oMath>
+                  </m:oMathPara>
+                </a14:m>
+                <a:endParaRPr lang="es-ES" dirty="0"/>
+              </a:p>
+              <a:p>
+                <a:endParaRPr lang="es-ES" dirty="0"/>
+              </a:p>
+              <a:p>
+                <a:pPr/>
+                <a14:m>
+                  <m:oMathPara xmlns:m="http://schemas.openxmlformats.org/officeDocument/2006/math">
+                    <m:oMathParaPr>
+                      <m:jc m:val="left"/>
+                    </m:oMathParaPr>
+                    <m:oMath xmlns:m="http://schemas.openxmlformats.org/officeDocument/2006/math">
+                      <m:f>
+                        <m:fPr>
+                          <m:ctrlPr>
+                            <a:rPr lang="es-ES" i="1">
+                              <a:latin typeface="Cambria Math" panose="02040503050406030204" pitchFamily="18" charset="0"/>
+                            </a:rPr>
+                          </m:ctrlPr>
+                        </m:fPr>
+                        <m:num>
+                          <m:r>
+                            <a:rPr lang="es-ES" i="1">
+                              <a:latin typeface="Cambria Math" panose="02040503050406030204" pitchFamily="18" charset="0"/>
+                            </a:rPr>
+                            <m:t>𝑑𝑃</m:t>
+                          </m:r>
+                        </m:num>
+                        <m:den>
+                          <m:r>
+                            <a:rPr lang="es-ES" i="1">
+                              <a:latin typeface="Cambria Math" panose="02040503050406030204" pitchFamily="18" charset="0"/>
+                            </a:rPr>
+                            <m:t>𝑑𝑡</m:t>
+                          </m:r>
+                        </m:den>
+                      </m:f>
+                      <m:r>
+                        <a:rPr lang="es-ES" i="1">
+                          <a:latin typeface="Cambria Math" panose="02040503050406030204" pitchFamily="18" charset="0"/>
+                        </a:rPr>
+                        <m:t>=</m:t>
+                      </m:r>
+                      <m:sSub>
+                        <m:sSubPr>
+                          <m:ctrlPr>
+                            <a:rPr lang="es-ES" i="1">
+                              <a:latin typeface="Cambria Math" panose="02040503050406030204" pitchFamily="18" charset="0"/>
+                            </a:rPr>
+                          </m:ctrlPr>
+                        </m:sSubPr>
+                        <m:e>
+                          <m:r>
+                            <a:rPr lang="es-ES" i="1">
+                              <a:latin typeface="Cambria Math" panose="02040503050406030204" pitchFamily="18" charset="0"/>
+                            </a:rPr>
+                            <m:t>𝑘</m:t>
+                          </m:r>
+                        </m:e>
+                        <m:sub>
+                          <m:r>
+                            <a:rPr lang="es-ES" i="1">
+                              <a:latin typeface="Cambria Math" panose="02040503050406030204" pitchFamily="18" charset="0"/>
+                            </a:rPr>
+                            <m:t>𝑜𝑛</m:t>
+                          </m:r>
+                        </m:sub>
+                      </m:sSub>
+                      <m:sSub>
+                        <m:sSubPr>
+                          <m:ctrlPr>
+                            <a:rPr lang="es-ES" i="1">
+                              <a:latin typeface="Cambria Math" panose="02040503050406030204" pitchFamily="18" charset="0"/>
+                            </a:rPr>
+                          </m:ctrlPr>
+                        </m:sSubPr>
+                        <m:e>
+                          <m:r>
+                            <a:rPr lang="es-ES" i="1">
+                              <a:latin typeface="Cambria Math" panose="02040503050406030204" pitchFamily="18" charset="0"/>
+                            </a:rPr>
+                            <m:t>𝐿</m:t>
+                          </m:r>
+                        </m:e>
+                        <m:sub>
+                          <m:r>
+                            <a:rPr lang="es-ES" i="1">
+                              <a:latin typeface="Cambria Math" panose="02040503050406030204" pitchFamily="18" charset="0"/>
+                            </a:rPr>
+                            <m:t>𝐶</m:t>
+                          </m:r>
+                        </m:sub>
+                      </m:sSub>
+                      <m:r>
+                        <a:rPr lang="es-ES" i="1">
+                          <a:latin typeface="Cambria Math" panose="02040503050406030204" pitchFamily="18" charset="0"/>
+                        </a:rPr>
+                        <m:t>𝑅</m:t>
+                      </m:r>
+                      <m:r>
+                        <a:rPr lang="es-ES" i="1">
+                          <a:latin typeface="Cambria Math" panose="02040503050406030204" pitchFamily="18" charset="0"/>
+                        </a:rPr>
+                        <m:t>−</m:t>
+                      </m:r>
+                      <m:sSub>
+                        <m:sSubPr>
+                          <m:ctrlPr>
+                            <a:rPr lang="es-ES" i="1">
+                              <a:latin typeface="Cambria Math" panose="02040503050406030204" pitchFamily="18" charset="0"/>
+                            </a:rPr>
+                          </m:ctrlPr>
+                        </m:sSubPr>
+                        <m:e>
+                          <m:r>
+                            <a:rPr lang="es-ES" i="1">
+                              <a:latin typeface="Cambria Math" panose="02040503050406030204" pitchFamily="18" charset="0"/>
+                            </a:rPr>
+                            <m:t>𝑘</m:t>
+                          </m:r>
+                        </m:e>
+                        <m:sub>
+                          <m:r>
+                            <a:rPr lang="es-ES" i="1">
+                              <a:latin typeface="Cambria Math" panose="02040503050406030204" pitchFamily="18" charset="0"/>
+                            </a:rPr>
+                            <m:t>𝑜𝑓𝑓</m:t>
+                          </m:r>
+                        </m:sub>
+                      </m:sSub>
+                      <m:r>
+                        <a:rPr lang="es-ES" i="1">
+                          <a:latin typeface="Cambria Math" panose="02040503050406030204" pitchFamily="18" charset="0"/>
+                        </a:rPr>
+                        <m:t>𝑃</m:t>
+                      </m:r>
+                      <m:r>
+                        <a:rPr lang="es-ES" i="1">
+                          <a:latin typeface="Cambria Math" panose="02040503050406030204" pitchFamily="18" charset="0"/>
+                        </a:rPr>
+                        <m:t>−</m:t>
+                      </m:r>
+                      <m:sSub>
+                        <m:sSubPr>
+                          <m:ctrlPr>
+                            <a:rPr lang="es-ES" i="1">
+                              <a:latin typeface="Cambria Math" panose="02040503050406030204" pitchFamily="18" charset="0"/>
+                            </a:rPr>
+                          </m:ctrlPr>
+                        </m:sSubPr>
+                        <m:e>
+                          <m:r>
+                            <a:rPr lang="es-ES" i="1">
+                              <a:latin typeface="Cambria Math" panose="02040503050406030204" pitchFamily="18" charset="0"/>
+                            </a:rPr>
+                            <m:t>𝑘</m:t>
+                          </m:r>
+                        </m:e>
+                        <m:sub>
+                          <m:r>
+                            <a:rPr lang="es-ES" i="1">
+                              <a:latin typeface="Cambria Math" panose="02040503050406030204" pitchFamily="18" charset="0"/>
+                            </a:rPr>
+                            <m:t>𝑒</m:t>
+                          </m:r>
+                          <m:d>
+                            <m:dPr>
+                              <m:ctrlPr>
+                                <a:rPr lang="es-ES" i="1">
+                                  <a:latin typeface="Cambria Math" panose="02040503050406030204" pitchFamily="18" charset="0"/>
+                                </a:rPr>
+                              </m:ctrlPr>
+                            </m:dPr>
+                            <m:e>
+                              <m:r>
+                                <a:rPr lang="es-ES" i="1">
+                                  <a:latin typeface="Cambria Math" panose="02040503050406030204" pitchFamily="18" charset="0"/>
+                                </a:rPr>
+                                <m:t>𝑃</m:t>
+                              </m:r>
+                            </m:e>
+                          </m:d>
+                        </m:sub>
+                      </m:sSub>
+                      <m:r>
+                        <a:rPr lang="es-ES" i="1">
+                          <a:latin typeface="Cambria Math" panose="02040503050406030204" pitchFamily="18" charset="0"/>
+                        </a:rPr>
+                        <m:t>𝑃</m:t>
+                      </m:r>
+                    </m:oMath>
+                  </m:oMathPara>
+                </a14:m>
+                <a:endParaRPr lang="es-ES" dirty="0"/>
+              </a:p>
+              <a:p>
+                <a:endParaRPr lang="es-ES" b="0" dirty="0"/>
+              </a:p>
+              <a:p>
+                <a:endParaRPr lang="es-ES" dirty="0"/>
+              </a:p>
+              <a:p>
+                <a:endParaRPr lang="es-ES" dirty="0"/>
+              </a:p>
+            </p:txBody>
+          </p:sp>
+        </mc:Choice>
+        <mc:Fallback>
+          <p:sp>
+            <p:nvSpPr>
+              <p:cNvPr id="8" name="Marcador de texto 7">
+                <a:extLst>
+                  <a:ext uri="{FF2B5EF4-FFF2-40B4-BE49-F238E27FC236}">
+                    <a16:creationId xmlns:a16="http://schemas.microsoft.com/office/drawing/2014/main" id="{B3C8DD9A-5E57-B141-DC7A-FB3FFEE8615B}"/>
+                  </a:ext>
+                </a:extLst>
+              </p:cNvPr>
+              <p:cNvSpPr>
+                <a:spLocks noGrp="1" noRot="1" noChangeAspect="1" noMove="1" noResize="1" noEditPoints="1" noAdjustHandles="1" noChangeArrowheads="1" noChangeShapeType="1" noTextEdit="1"/>
+              </p:cNvSpPr>
+              <p:nvPr>
+                <p:ph type="body" sz="half" idx="2"/>
+              </p:nvPr>
+            </p:nvSpPr>
+            <p:spPr>
+              <a:xfrm>
+                <a:off x="139344" y="3773906"/>
+                <a:ext cx="4941053" cy="2931694"/>
+              </a:xfrm>
+              <a:blipFill>
+                <a:blip r:embed="rId4"/>
+                <a:stretch>
+                  <a:fillRect/>
+                </a:stretch>
+              </a:blipFill>
+            </p:spPr>
+            <p:txBody>
+              <a:bodyPr/>
+              <a:lstStyle/>
+              <a:p>
+                <a:r>
+                  <a:rPr lang="es-ES">
+                    <a:noFill/>
+                  </a:rPr>
+                  <a:t> </a:t>
+                </a:r>
+              </a:p>
+            </p:txBody>
+          </p:sp>
+        </mc:Fallback>
+      </mc:AlternateContent>
+    </p:spTree>
+    <p:extLst>
+      <p:ext uri="{BB962C8B-B14F-4D97-AF65-F5344CB8AC3E}">
+        <p14:creationId xmlns:p14="http://schemas.microsoft.com/office/powerpoint/2010/main" val="120739293"/>
+      </p:ext>
+    </p:extLst>
+  </p:cSld>
+  <p:clrMapOvr>
+    <a:masterClrMapping/>
+  </p:clrMapOvr>
+</p:sld>
+</file>
+
+<file path=ppt/slides/slide6.xml><?xml version="1.0" encoding="utf-8"?>
+<p:sld xmlns:a="http://schemas.openxmlformats.org/drawingml/2006/main" xmlns:r="http://schemas.openxmlformats.org/officeDocument/2006/relationships" xmlns:p="http://schemas.openxmlformats.org/presentationml/2006/main">
+  <p:cSld>
+    <p:spTree>
+      <p:nvGrpSpPr>
+        <p:cNvPr id="1" name="">
+          <a:extLst>
+            <a:ext uri="{FF2B5EF4-FFF2-40B4-BE49-F238E27FC236}">
+              <a16:creationId xmlns:a16="http://schemas.microsoft.com/office/drawing/2014/main" id="{A08B1DA2-3926-4920-51EA-4D8D140B2B27}"/>
+            </a:ext>
+          </a:extLst>
+        </p:cNvPr>
+        <p:cNvGrpSpPr/>
+        <p:nvPr/>
+      </p:nvGrpSpPr>
+      <p:grpSpPr>
+        <a:xfrm>
+          <a:off x="0" y="0"/>
+          <a:ext cx="0" cy="0"/>
+          <a:chOff x="0" y="0"/>
+          <a:chExt cx="0" cy="0"/>
+        </a:xfrm>
+      </p:grpSpPr>
+      <p:sp>
+        <p:nvSpPr>
+          <p:cNvPr id="2" name="Título 1">
+            <a:extLst>
+              <a:ext uri="{FF2B5EF4-FFF2-40B4-BE49-F238E27FC236}">
+                <a16:creationId xmlns:a16="http://schemas.microsoft.com/office/drawing/2014/main" id="{E4B48105-2F42-E334-D6CE-9423D0542EEE}"/>
+              </a:ext>
+            </a:extLst>
+          </p:cNvPr>
+          <p:cNvSpPr>
+            <a:spLocks noGrp="1"/>
+          </p:cNvSpPr>
+          <p:nvPr>
+            <p:ph type="title"/>
+          </p:nvPr>
+        </p:nvSpPr>
+        <p:spPr/>
+        <p:txBody>
+          <a:bodyPr anchor="ctr"/>
+          <a:lstStyle/>
+          <a:p>
+            <a:r>
+              <a:rPr lang="es-ES" dirty="0" err="1"/>
+              <a:t>Two-compartment</a:t>
+            </a:r>
+            <a:r>
+              <a:rPr lang="es-ES" dirty="0"/>
+              <a:t> </a:t>
+            </a:r>
+            <a:r>
+              <a:rPr lang="es-ES" dirty="0" err="1"/>
+              <a:t>model</a:t>
+            </a:r>
+            <a:endParaRPr lang="es-ES" dirty="0"/>
+          </a:p>
+        </p:txBody>
+      </p:sp>
+      <p:pic>
+        <p:nvPicPr>
+          <p:cNvPr id="5" name="Marcador de posición de imagen 4" descr="Gráfico&#10;&#10;El contenido generado por IA puede ser incorrecto.">
+            <a:extLst>
+              <a:ext uri="{FF2B5EF4-FFF2-40B4-BE49-F238E27FC236}">
+                <a16:creationId xmlns:a16="http://schemas.microsoft.com/office/drawing/2014/main" id="{A3B400E2-3811-FBE5-EBBB-6692888BCB2A}"/>
+              </a:ext>
+            </a:extLst>
+          </p:cNvPr>
+          <p:cNvPicPr>
+            <a:picLocks noGrp="1" noChangeAspect="1"/>
+          </p:cNvPicPr>
+          <p:nvPr>
+            <p:ph type="pic" idx="1"/>
+          </p:nvPr>
+        </p:nvPicPr>
+        <p:blipFill>
+          <a:blip r:embed="rId2">
+            <a:extLst>
+              <a:ext uri="{28A0092B-C50C-407E-A947-70E740481C1C}">
+                <a14:useLocalDpi xmlns:a14="http://schemas.microsoft.com/office/drawing/2010/main" val="0"/>
+              </a:ext>
+            </a:extLst>
+          </a:blip>
+          <a:srcRect l="-1667" t="-277" r="51" b="-947"/>
+          <a:stretch>
+            <a:fillRect/>
+          </a:stretch>
+        </p:blipFill>
+        <p:spPr>
+          <a:xfrm>
+            <a:off x="5080397" y="898358"/>
+            <a:ext cx="6865362" cy="5566609"/>
+          </a:xfrm>
+        </p:spPr>
+      </p:pic>
+      <p:pic>
+        <p:nvPicPr>
+          <p:cNvPr id="6" name="Imagen 5">
+            <a:extLst>
+              <a:ext uri="{FF2B5EF4-FFF2-40B4-BE49-F238E27FC236}">
+                <a16:creationId xmlns:a16="http://schemas.microsoft.com/office/drawing/2014/main" id="{CDBDE770-01A0-9830-5287-F5AB59FE4B96}"/>
+              </a:ext>
+            </a:extLst>
+          </p:cNvPr>
+          <p:cNvPicPr>
+            <a:picLocks noChangeAspect="1"/>
+          </p:cNvPicPr>
+          <p:nvPr/>
+        </p:nvPicPr>
+        <p:blipFill>
+          <a:blip r:embed="rId3"/>
+          <a:stretch>
+            <a:fillRect/>
+          </a:stretch>
+        </p:blipFill>
+        <p:spPr>
+          <a:xfrm>
+            <a:off x="139344" y="1644317"/>
+            <a:ext cx="4529889" cy="2129589"/>
+          </a:xfrm>
+          <a:prstGeom prst="rect">
+            <a:avLst/>
+          </a:prstGeom>
+        </p:spPr>
+      </p:pic>
+      <p:sp>
+        <p:nvSpPr>
+          <p:cNvPr id="8" name="Marcador de texto 7">
+            <a:extLst>
+              <a:ext uri="{FF2B5EF4-FFF2-40B4-BE49-F238E27FC236}">
+                <a16:creationId xmlns:a16="http://schemas.microsoft.com/office/drawing/2014/main" id="{CD554CFF-2E4D-AAB6-481C-BEB515C4B64A}"/>
+              </a:ext>
+            </a:extLst>
+          </p:cNvPr>
+          <p:cNvSpPr>
+            <a:spLocks noGrp="1"/>
+          </p:cNvSpPr>
+          <p:nvPr>
+            <p:ph type="body" sz="half" idx="2"/>
+          </p:nvPr>
+        </p:nvSpPr>
+        <p:spPr>
+          <a:xfrm>
+            <a:off x="139344" y="3773906"/>
+            <a:ext cx="4941053" cy="2931694"/>
+          </a:xfrm>
+        </p:spPr>
+        <p:txBody>
+          <a:bodyPr>
+            <a:normAutofit/>
+          </a:bodyPr>
+          <a:lstStyle/>
+          <a:p>
+            <a:r>
+              <a:rPr lang="es-ES" b="1" dirty="0" err="1"/>
+              <a:t>Vildagliptin</a:t>
+            </a:r>
+            <a:r>
+              <a:rPr lang="es-ES" b="1" dirty="0"/>
+              <a:t> </a:t>
+            </a:r>
+            <a:r>
+              <a:rPr lang="es-ES" dirty="0"/>
+              <a:t>(DIABETES)</a:t>
+            </a:r>
+            <a:endParaRPr lang="es-ES" b="1" dirty="0"/>
+          </a:p>
+          <a:p>
+            <a:endParaRPr lang="es-ES" dirty="0"/>
+          </a:p>
+          <a:p>
+            <a:endParaRPr lang="es-ES" dirty="0"/>
+          </a:p>
+        </p:txBody>
+      </p:sp>
+    </p:spTree>
+    <p:extLst>
+      <p:ext uri="{BB962C8B-B14F-4D97-AF65-F5344CB8AC3E}">
+        <p14:creationId xmlns:p14="http://schemas.microsoft.com/office/powerpoint/2010/main" val="4037470258"/>
+      </p:ext>
+    </p:extLst>
+  </p:cSld>
+  <p:clrMapOvr>
+    <a:masterClrMapping/>
+  </p:clrMapOvr>
+</p:sld>
+</file>
+
+<file path=ppt/slides/slide7.xml><?xml version="1.0" encoding="utf-8"?>
+<p:sld xmlns:a="http://schemas.openxmlformats.org/drawingml/2006/main" xmlns:r="http://schemas.openxmlformats.org/officeDocument/2006/relationships" xmlns:p="http://schemas.openxmlformats.org/presentationml/2006/main">
+  <p:cSld>
+    <p:spTree>
+      <p:nvGrpSpPr>
+        <p:cNvPr id="1" name="">
+          <a:extLst>
+            <a:ext uri="{FF2B5EF4-FFF2-40B4-BE49-F238E27FC236}">
+              <a16:creationId xmlns:a16="http://schemas.microsoft.com/office/drawing/2014/main" id="{17AD6A51-2704-B48B-8BBD-293250FAD020}"/>
+            </a:ext>
+          </a:extLst>
+        </p:cNvPr>
+        <p:cNvGrpSpPr/>
+        <p:nvPr/>
+      </p:nvGrpSpPr>
+      <p:grpSpPr>
+        <a:xfrm>
+          <a:off x="0" y="0"/>
+          <a:ext cx="0" cy="0"/>
+          <a:chOff x="0" y="0"/>
+          <a:chExt cx="0" cy="0"/>
+        </a:xfrm>
+      </p:grpSpPr>
+      <p:sp>
+        <p:nvSpPr>
+          <p:cNvPr id="2" name="Título 1">
+            <a:extLst>
+              <a:ext uri="{FF2B5EF4-FFF2-40B4-BE49-F238E27FC236}">
+                <a16:creationId xmlns:a16="http://schemas.microsoft.com/office/drawing/2014/main" id="{0B83A144-9115-16CA-3D20-C1014D8A1353}"/>
+              </a:ext>
+            </a:extLst>
+          </p:cNvPr>
+          <p:cNvSpPr>
+            <a:spLocks noGrp="1"/>
+          </p:cNvSpPr>
+          <p:nvPr>
+            <p:ph type="title"/>
+          </p:nvPr>
+        </p:nvSpPr>
+        <p:spPr/>
+        <p:txBody>
+          <a:bodyPr anchor="ctr"/>
+          <a:lstStyle/>
+          <a:p>
+            <a:r>
+              <a:rPr lang="es-ES" dirty="0" err="1"/>
+              <a:t>Quasi-Equilibrium</a:t>
+            </a:r>
+            <a:r>
+              <a:rPr lang="es-ES" dirty="0"/>
+              <a:t> </a:t>
+            </a:r>
+            <a:r>
+              <a:rPr lang="es-ES" dirty="0" err="1"/>
+              <a:t>approximation</a:t>
+            </a:r>
+            <a:endParaRPr lang="es-ES" dirty="0"/>
+          </a:p>
+        </p:txBody>
+      </p:sp>
+      <mc:AlternateContent xmlns:mc="http://schemas.openxmlformats.org/markup-compatibility/2006">
+        <mc:Choice xmlns:a14="http://schemas.microsoft.com/office/drawing/2010/main" Requires="a14">
+          <p:sp>
+            <p:nvSpPr>
+              <p:cNvPr id="8" name="Marcador de texto 7">
+                <a:extLst>
+                  <a:ext uri="{FF2B5EF4-FFF2-40B4-BE49-F238E27FC236}">
+                    <a16:creationId xmlns:a16="http://schemas.microsoft.com/office/drawing/2014/main" id="{6370DD9F-E949-8BE8-EB7C-99D787AAE96D}"/>
+                  </a:ext>
+                </a:extLst>
+              </p:cNvPr>
+              <p:cNvSpPr>
+                <a:spLocks noGrp="1"/>
+              </p:cNvSpPr>
+              <p:nvPr>
+                <p:ph type="body" sz="half" idx="2"/>
+              </p:nvPr>
+            </p:nvSpPr>
+            <p:spPr>
+              <a:xfrm>
+                <a:off x="139344" y="2185736"/>
+                <a:ext cx="5571646" cy="4215063"/>
+              </a:xfrm>
+            </p:spPr>
+            <p:txBody>
+              <a:bodyPr>
+                <a:normAutofit/>
+              </a:bodyPr>
+              <a:lstStyle/>
+              <a:p>
+                <a:pPr/>
+                <a14:m>
+                  <m:oMathPara xmlns:m="http://schemas.openxmlformats.org/officeDocument/2006/math">
+                    <m:oMathParaPr>
+                      <m:jc m:val="left"/>
+                    </m:oMathParaPr>
+                    <m:oMath xmlns:m="http://schemas.openxmlformats.org/officeDocument/2006/math">
+                      <m:f>
+                        <m:fPr>
+                          <m:ctrlPr>
+                            <a:rPr lang="es-ES" i="1" smtClean="0">
+                              <a:solidFill>
+                                <a:schemeClr val="tx1"/>
+                              </a:solidFill>
+                              <a:latin typeface="Cambria Math" panose="02040503050406030204" pitchFamily="18" charset="0"/>
+                            </a:rPr>
+                          </m:ctrlPr>
+                        </m:fPr>
+                        <m:num>
+                          <m:r>
+                            <a:rPr lang="es-ES" i="1" smtClean="0">
+                              <a:solidFill>
+                                <a:schemeClr val="tx1"/>
+                              </a:solidFill>
+                              <a:latin typeface="Cambria Math" panose="02040503050406030204" pitchFamily="18" charset="0"/>
+                            </a:rPr>
+                            <m:t>𝑑</m:t>
+                          </m:r>
+                          <m:sSub>
+                            <m:sSubPr>
+                              <m:ctrlPr>
+                                <a:rPr lang="es-ES" i="1" smtClean="0">
+                                  <a:solidFill>
+                                    <a:schemeClr val="tx1"/>
+                                  </a:solidFill>
+                                  <a:latin typeface="Cambria Math" panose="02040503050406030204" pitchFamily="18" charset="0"/>
+                                </a:rPr>
+                              </m:ctrlPr>
+                            </m:sSubPr>
+                            <m:e>
+                              <m:r>
+                                <a:rPr lang="es-ES" b="0" i="1" smtClean="0">
+                                  <a:solidFill>
+                                    <a:schemeClr val="tx1"/>
+                                  </a:solidFill>
+                                  <a:latin typeface="Cambria Math" panose="02040503050406030204" pitchFamily="18" charset="0"/>
+                                </a:rPr>
+                                <m:t>𝐿</m:t>
+                              </m:r>
+                            </m:e>
+                            <m:sub>
+                              <m:r>
+                                <a:rPr lang="es-ES" b="0" i="1" smtClean="0">
+                                  <a:solidFill>
+                                    <a:schemeClr val="tx1"/>
+                                  </a:solidFill>
+                                  <a:latin typeface="Cambria Math" panose="02040503050406030204" pitchFamily="18" charset="0"/>
+                                </a:rPr>
+                                <m:t>𝑇</m:t>
+                              </m:r>
+                            </m:sub>
+                          </m:sSub>
+                        </m:num>
+                        <m:den>
+                          <m:r>
+                            <a:rPr lang="es-ES" i="1" smtClean="0">
+                              <a:solidFill>
+                                <a:schemeClr val="tx1"/>
+                              </a:solidFill>
+                              <a:latin typeface="Cambria Math" panose="02040503050406030204" pitchFamily="18" charset="0"/>
+                            </a:rPr>
+                            <m:t>𝑑</m:t>
+                          </m:r>
+                          <m:r>
+                            <a:rPr lang="es-ES" b="0" i="1" smtClean="0">
+                              <a:solidFill>
+                                <a:schemeClr val="tx1"/>
+                              </a:solidFill>
+                              <a:latin typeface="Cambria Math" panose="02040503050406030204" pitchFamily="18" charset="0"/>
+                            </a:rPr>
+                            <m:t>𝑡</m:t>
+                          </m:r>
+                        </m:den>
+                      </m:f>
+                      <m:r>
+                        <a:rPr lang="es-ES" b="0" i="1" smtClean="0">
+                          <a:solidFill>
+                            <a:schemeClr val="tx1"/>
+                          </a:solidFill>
+                          <a:latin typeface="Cambria Math" panose="02040503050406030204" pitchFamily="18" charset="0"/>
+                        </a:rPr>
+                        <m:t>=</m:t>
+                      </m:r>
+                      <m:sSub>
+                        <m:sSubPr>
+                          <m:ctrlPr>
+                            <a:rPr lang="es-ES" b="0" i="1" smtClean="0">
+                              <a:solidFill>
+                                <a:schemeClr val="tx1"/>
+                              </a:solidFill>
+                              <a:latin typeface="Cambria Math" panose="02040503050406030204" pitchFamily="18" charset="0"/>
+                            </a:rPr>
+                          </m:ctrlPr>
+                        </m:sSubPr>
+                        <m:e>
+                          <m:r>
+                            <a:rPr lang="es-ES" b="0" i="1" smtClean="0">
+                              <a:solidFill>
+                                <a:schemeClr val="tx1"/>
+                              </a:solidFill>
+                              <a:latin typeface="Cambria Math" panose="02040503050406030204" pitchFamily="18" charset="0"/>
+                            </a:rPr>
+                            <m:t>𝑘</m:t>
+                          </m:r>
+                        </m:e>
+                        <m:sub>
+                          <m:r>
+                            <a:rPr lang="es-ES" b="0" i="1" smtClean="0">
+                              <a:solidFill>
+                                <a:schemeClr val="tx1"/>
+                              </a:solidFill>
+                              <a:latin typeface="Cambria Math" panose="02040503050406030204" pitchFamily="18" charset="0"/>
+                            </a:rPr>
+                            <m:t>𝑝𝑡</m:t>
+                          </m:r>
+                        </m:sub>
+                      </m:sSub>
+                      <m:sSub>
+                        <m:sSubPr>
+                          <m:ctrlPr>
+                            <a:rPr lang="es-ES" b="0" i="1" smtClean="0">
+                              <a:solidFill>
+                                <a:schemeClr val="tx1"/>
+                              </a:solidFill>
+                              <a:latin typeface="Cambria Math" panose="02040503050406030204" pitchFamily="18" charset="0"/>
+                            </a:rPr>
+                          </m:ctrlPr>
+                        </m:sSubPr>
+                        <m:e>
+                          <m:r>
+                            <a:rPr lang="es-ES" b="0" i="1" smtClean="0">
+                              <a:solidFill>
+                                <a:schemeClr val="tx1"/>
+                              </a:solidFill>
+                              <a:latin typeface="Cambria Math" panose="02040503050406030204" pitchFamily="18" charset="0"/>
+                            </a:rPr>
+                            <m:t>𝐿</m:t>
+                          </m:r>
+                        </m:e>
+                        <m:sub>
+                          <m:r>
+                            <a:rPr lang="es-ES" b="0" i="1" smtClean="0">
+                              <a:solidFill>
+                                <a:schemeClr val="tx1"/>
+                              </a:solidFill>
+                              <a:latin typeface="Cambria Math" panose="02040503050406030204" pitchFamily="18" charset="0"/>
+                            </a:rPr>
+                            <m:t>𝐶</m:t>
+                          </m:r>
+                        </m:sub>
+                      </m:sSub>
+                      <m:r>
+                        <a:rPr lang="es-ES" b="0" i="1" smtClean="0">
+                          <a:solidFill>
+                            <a:schemeClr val="tx1"/>
+                          </a:solidFill>
+                          <a:latin typeface="Cambria Math" panose="02040503050406030204" pitchFamily="18" charset="0"/>
+                        </a:rPr>
+                        <m:t>−</m:t>
+                      </m:r>
+                      <m:sSub>
+                        <m:sSubPr>
+                          <m:ctrlPr>
+                            <a:rPr lang="es-ES" b="0" i="1" smtClean="0">
+                              <a:solidFill>
+                                <a:schemeClr val="tx1"/>
+                              </a:solidFill>
+                              <a:latin typeface="Cambria Math" panose="02040503050406030204" pitchFamily="18" charset="0"/>
+                            </a:rPr>
+                          </m:ctrlPr>
+                        </m:sSubPr>
+                        <m:e>
+                          <m:r>
+                            <a:rPr lang="es-ES" b="0" i="1" smtClean="0">
+                              <a:solidFill>
+                                <a:schemeClr val="tx1"/>
+                              </a:solidFill>
+                              <a:latin typeface="Cambria Math" panose="02040503050406030204" pitchFamily="18" charset="0"/>
+                            </a:rPr>
+                            <m:t>𝑘</m:t>
+                          </m:r>
+                        </m:e>
+                        <m:sub>
+                          <m:r>
+                            <a:rPr lang="es-ES" b="0" i="1" smtClean="0">
+                              <a:solidFill>
+                                <a:schemeClr val="tx1"/>
+                              </a:solidFill>
+                              <a:latin typeface="Cambria Math" panose="02040503050406030204" pitchFamily="18" charset="0"/>
+                            </a:rPr>
+                            <m:t>𝑝𝑡</m:t>
+                          </m:r>
+                        </m:sub>
+                      </m:sSub>
+                      <m:sSub>
+                        <m:sSubPr>
+                          <m:ctrlPr>
+                            <a:rPr lang="es-ES" b="0" i="1" smtClean="0">
+                              <a:solidFill>
+                                <a:schemeClr val="tx1"/>
+                              </a:solidFill>
+                              <a:latin typeface="Cambria Math" panose="02040503050406030204" pitchFamily="18" charset="0"/>
+                            </a:rPr>
+                          </m:ctrlPr>
+                        </m:sSubPr>
+                        <m:e>
+                          <m:r>
+                            <a:rPr lang="es-ES" b="0" i="1" smtClean="0">
+                              <a:solidFill>
+                                <a:schemeClr val="tx1"/>
+                              </a:solidFill>
+                              <a:latin typeface="Cambria Math" panose="02040503050406030204" pitchFamily="18" charset="0"/>
+                            </a:rPr>
+                            <m:t>𝐿</m:t>
+                          </m:r>
+                        </m:e>
+                        <m:sub>
+                          <m:r>
+                            <a:rPr lang="es-ES" b="0" i="1" smtClean="0">
+                              <a:solidFill>
+                                <a:schemeClr val="tx1"/>
+                              </a:solidFill>
+                              <a:latin typeface="Cambria Math" panose="02040503050406030204" pitchFamily="18" charset="0"/>
+                            </a:rPr>
+                            <m:t>𝑇</m:t>
+                          </m:r>
+                        </m:sub>
+                      </m:sSub>
+                    </m:oMath>
+                  </m:oMathPara>
+                </a14:m>
+                <a:endParaRPr lang="es-ES" b="0" dirty="0">
+                  <a:solidFill>
+                    <a:schemeClr val="tx1"/>
+                  </a:solidFill>
+                </a:endParaRPr>
+              </a:p>
+              <a:p>
+                <a:endParaRPr lang="es-ES" dirty="0"/>
+              </a:p>
+              <a:p>
+                <a:pPr/>
+                <a14:m>
+                  <m:oMathPara xmlns:m="http://schemas.openxmlformats.org/officeDocument/2006/math">
+                    <m:oMathParaPr>
+                      <m:jc m:val="left"/>
+                    </m:oMathParaPr>
+                    <m:oMath xmlns:m="http://schemas.openxmlformats.org/officeDocument/2006/math">
+                      <m:f>
+                        <m:fPr>
+                          <m:ctrlPr>
+                            <a:rPr lang="es-ES" i="1" smtClean="0">
+                              <a:latin typeface="Cambria Math" panose="02040503050406030204" pitchFamily="18" charset="0"/>
+                            </a:rPr>
+                          </m:ctrlPr>
+                        </m:fPr>
+                        <m:num>
+                          <m:r>
+                            <a:rPr lang="es-ES" i="1">
+                              <a:latin typeface="Cambria Math" panose="02040503050406030204" pitchFamily="18" charset="0"/>
+                            </a:rPr>
+                            <m:t>𝑑</m:t>
+                          </m:r>
+                          <m:sSub>
+                            <m:sSubPr>
+                              <m:ctrlPr>
+                                <a:rPr lang="es-ES" i="1" smtClean="0">
+                                  <a:latin typeface="Cambria Math" panose="02040503050406030204" pitchFamily="18" charset="0"/>
+                                </a:rPr>
+                              </m:ctrlPr>
+                            </m:sSubPr>
+                            <m:e>
+                              <m:r>
+                                <a:rPr lang="es-ES" b="0" i="1" smtClean="0">
+                                  <a:latin typeface="Cambria Math" panose="02040503050406030204" pitchFamily="18" charset="0"/>
+                                </a:rPr>
+                                <m:t>𝐿</m:t>
+                              </m:r>
+                            </m:e>
+                            <m:sub>
+                              <m:r>
+                                <a:rPr lang="es-ES" b="0" i="1" smtClean="0">
+                                  <a:latin typeface="Cambria Math" panose="02040503050406030204" pitchFamily="18" charset="0"/>
+                                </a:rPr>
+                                <m:t>𝑡𝑜𝑡</m:t>
+                              </m:r>
+                            </m:sub>
+                          </m:sSub>
+                        </m:num>
+                        <m:den>
+                          <m:r>
+                            <a:rPr lang="es-ES" i="1">
+                              <a:latin typeface="Cambria Math" panose="02040503050406030204" pitchFamily="18" charset="0"/>
+                            </a:rPr>
+                            <m:t>𝑑𝑡</m:t>
+                          </m:r>
+                        </m:den>
+                      </m:f>
+                      <m:r>
+                        <a:rPr lang="es-ES" i="1">
+                          <a:latin typeface="Cambria Math" panose="02040503050406030204" pitchFamily="18" charset="0"/>
+                        </a:rPr>
+                        <m:t>=</m:t>
+                      </m:r>
+                      <m:r>
+                        <a:rPr lang="es-ES" i="1">
+                          <a:latin typeface="Cambria Math" panose="02040503050406030204" pitchFamily="18" charset="0"/>
+                        </a:rPr>
+                        <m:t>−</m:t>
+                      </m:r>
+                      <m:d>
+                        <m:dPr>
+                          <m:ctrlPr>
+                            <a:rPr lang="es-ES" i="1">
+                              <a:latin typeface="Cambria Math" panose="02040503050406030204" pitchFamily="18" charset="0"/>
+                            </a:rPr>
+                          </m:ctrlPr>
+                        </m:dPr>
+                        <m:e>
+                          <m:sSub>
+                            <m:sSubPr>
+                              <m:ctrlPr>
+                                <a:rPr lang="es-ES" i="1">
+                                  <a:latin typeface="Cambria Math" panose="02040503050406030204" pitchFamily="18" charset="0"/>
+                                </a:rPr>
+                              </m:ctrlPr>
+                            </m:sSubPr>
+                            <m:e>
+                              <m:r>
+                                <a:rPr lang="es-ES" i="1">
+                                  <a:latin typeface="Cambria Math" panose="02040503050406030204" pitchFamily="18" charset="0"/>
+                                </a:rPr>
+                                <m:t>𝑘</m:t>
+                              </m:r>
+                            </m:e>
+                            <m:sub>
+                              <m:r>
+                                <a:rPr lang="es-ES" i="1">
+                                  <a:latin typeface="Cambria Math" panose="02040503050406030204" pitchFamily="18" charset="0"/>
+                                </a:rPr>
+                                <m:t>𝑒</m:t>
+                              </m:r>
+                              <m:d>
+                                <m:dPr>
+                                  <m:ctrlPr>
+                                    <a:rPr lang="es-ES" i="1">
+                                      <a:latin typeface="Cambria Math" panose="02040503050406030204" pitchFamily="18" charset="0"/>
+                                    </a:rPr>
+                                  </m:ctrlPr>
+                                </m:dPr>
+                                <m:e>
+                                  <m:r>
+                                    <a:rPr lang="es-ES" b="0" i="1" smtClean="0">
+                                      <a:latin typeface="Cambria Math" panose="02040503050406030204" pitchFamily="18" charset="0"/>
+                                    </a:rPr>
+                                    <m:t>𝐿</m:t>
+                                  </m:r>
+                                </m:e>
+                              </m:d>
+                            </m:sub>
+                          </m:sSub>
+                          <m:r>
+                            <a:rPr lang="es-ES" b="0" i="1" smtClean="0">
+                              <a:latin typeface="Cambria Math" panose="02040503050406030204" pitchFamily="18" charset="0"/>
+                            </a:rPr>
+                            <m:t>+</m:t>
+                          </m:r>
+                          <m:sSub>
+                            <m:sSubPr>
+                              <m:ctrlPr>
+                                <a:rPr lang="es-ES" i="1">
+                                  <a:latin typeface="Cambria Math" panose="02040503050406030204" pitchFamily="18" charset="0"/>
+                                </a:rPr>
+                              </m:ctrlPr>
+                            </m:sSubPr>
+                            <m:e>
+                              <m:r>
+                                <a:rPr lang="es-ES" i="1">
+                                  <a:latin typeface="Cambria Math" panose="02040503050406030204" pitchFamily="18" charset="0"/>
+                                </a:rPr>
+                                <m:t>𝑘</m:t>
+                              </m:r>
+                            </m:e>
+                            <m:sub>
+                              <m:r>
+                                <a:rPr lang="es-ES" b="0" i="1" smtClean="0">
+                                  <a:latin typeface="Cambria Math" panose="02040503050406030204" pitchFamily="18" charset="0"/>
+                                </a:rPr>
+                                <m:t>𝑝𝑡</m:t>
+                              </m:r>
+                            </m:sub>
+                          </m:sSub>
+                        </m:e>
+                      </m:d>
+                      <m:sSub>
+                        <m:sSubPr>
+                          <m:ctrlPr>
+                            <a:rPr lang="es-ES" i="1">
+                              <a:latin typeface="Cambria Math" panose="02040503050406030204" pitchFamily="18" charset="0"/>
+                            </a:rPr>
+                          </m:ctrlPr>
+                        </m:sSubPr>
+                        <m:e>
+                          <m:r>
+                            <a:rPr lang="es-ES" i="1">
+                              <a:latin typeface="Cambria Math" panose="02040503050406030204" pitchFamily="18" charset="0"/>
+                            </a:rPr>
+                            <m:t>𝐿</m:t>
+                          </m:r>
+                        </m:e>
+                        <m:sub>
+                          <m:r>
+                            <a:rPr lang="es-ES" i="1">
+                              <a:latin typeface="Cambria Math" panose="02040503050406030204" pitchFamily="18" charset="0"/>
+                            </a:rPr>
+                            <m:t>𝐶</m:t>
+                          </m:r>
+                        </m:sub>
+                      </m:sSub>
+                      <m:r>
+                        <a:rPr lang="es-ES" i="1">
+                          <a:latin typeface="Cambria Math" panose="02040503050406030204" pitchFamily="18" charset="0"/>
+                        </a:rPr>
+                        <m:t>−</m:t>
+                      </m:r>
+                      <m:f>
+                        <m:fPr>
+                          <m:ctrlPr>
+                            <a:rPr lang="es-ES" i="1" smtClean="0">
+                              <a:latin typeface="Cambria Math" panose="02040503050406030204" pitchFamily="18" charset="0"/>
+                            </a:rPr>
+                          </m:ctrlPr>
+                        </m:fPr>
+                        <m:num>
+                          <m:sSub>
+                            <m:sSubPr>
+                              <m:ctrlPr>
+                                <a:rPr lang="es-ES" i="1">
+                                  <a:latin typeface="Cambria Math" panose="02040503050406030204" pitchFamily="18" charset="0"/>
+                                </a:rPr>
+                              </m:ctrlPr>
+                            </m:sSubPr>
+                            <m:e>
+                              <m:r>
+                                <a:rPr lang="es-ES" i="1">
+                                  <a:latin typeface="Cambria Math" panose="02040503050406030204" pitchFamily="18" charset="0"/>
+                                </a:rPr>
+                                <m:t>𝑅</m:t>
+                              </m:r>
+                            </m:e>
+                            <m:sub>
+                              <m:r>
+                                <a:rPr lang="es-ES" i="1">
+                                  <a:latin typeface="Cambria Math" panose="02040503050406030204" pitchFamily="18" charset="0"/>
+                                </a:rPr>
+                                <m:t>𝑡𝑜𝑡</m:t>
+                              </m:r>
+                            </m:sub>
+                          </m:sSub>
+                          <m:sSub>
+                            <m:sSubPr>
+                              <m:ctrlPr>
+                                <a:rPr lang="es-ES" i="1">
+                                  <a:latin typeface="Cambria Math" panose="02040503050406030204" pitchFamily="18" charset="0"/>
+                                </a:rPr>
+                              </m:ctrlPr>
+                            </m:sSubPr>
+                            <m:e>
+                              <m:r>
+                                <a:rPr lang="es-ES" i="1">
+                                  <a:latin typeface="Cambria Math" panose="02040503050406030204" pitchFamily="18" charset="0"/>
+                                </a:rPr>
+                                <m:t>𝑘</m:t>
+                              </m:r>
+                            </m:e>
+                            <m:sub>
+                              <m:r>
+                                <a:rPr lang="es-ES" i="1">
+                                  <a:latin typeface="Cambria Math" panose="02040503050406030204" pitchFamily="18" charset="0"/>
+                                </a:rPr>
+                                <m:t>𝑒</m:t>
+                              </m:r>
+                              <m:d>
+                                <m:dPr>
+                                  <m:ctrlPr>
+                                    <a:rPr lang="es-ES" i="1">
+                                      <a:latin typeface="Cambria Math" panose="02040503050406030204" pitchFamily="18" charset="0"/>
+                                    </a:rPr>
+                                  </m:ctrlPr>
+                                </m:dPr>
+                                <m:e>
+                                  <m:r>
+                                    <a:rPr lang="es-ES" i="1">
+                                      <a:latin typeface="Cambria Math" panose="02040503050406030204" pitchFamily="18" charset="0"/>
+                                    </a:rPr>
+                                    <m:t>𝑃</m:t>
+                                  </m:r>
+                                </m:e>
+                              </m:d>
+                            </m:sub>
+                          </m:sSub>
+                          <m:sSub>
+                            <m:sSubPr>
+                              <m:ctrlPr>
+                                <a:rPr lang="es-ES" i="1">
+                                  <a:latin typeface="Cambria Math" panose="02040503050406030204" pitchFamily="18" charset="0"/>
+                                </a:rPr>
+                              </m:ctrlPr>
+                            </m:sSubPr>
+                            <m:e>
+                              <m:r>
+                                <a:rPr lang="es-ES" i="1">
+                                  <a:latin typeface="Cambria Math" panose="02040503050406030204" pitchFamily="18" charset="0"/>
+                                </a:rPr>
+                                <m:t>𝐿</m:t>
+                              </m:r>
+                            </m:e>
+                            <m:sub>
+                              <m:r>
+                                <a:rPr lang="es-ES" i="1">
+                                  <a:latin typeface="Cambria Math" panose="02040503050406030204" pitchFamily="18" charset="0"/>
+                                </a:rPr>
+                                <m:t>𝐶</m:t>
+                              </m:r>
+                            </m:sub>
+                          </m:sSub>
+                        </m:num>
+                        <m:den>
+                          <m:sSub>
+                            <m:sSubPr>
+                              <m:ctrlPr>
+                                <a:rPr lang="es-ES" i="1">
+                                  <a:latin typeface="Cambria Math" panose="02040503050406030204" pitchFamily="18" charset="0"/>
+                                </a:rPr>
+                              </m:ctrlPr>
+                            </m:sSubPr>
+                            <m:e>
+                              <m:r>
+                                <a:rPr lang="es-ES" i="1">
+                                  <a:latin typeface="Cambria Math" panose="02040503050406030204" pitchFamily="18" charset="0"/>
+                                </a:rPr>
+                                <m:t>𝐾</m:t>
+                              </m:r>
+                            </m:e>
+                            <m:sub>
+                              <m:r>
+                                <a:rPr lang="es-ES" i="1">
+                                  <a:latin typeface="Cambria Math" panose="02040503050406030204" pitchFamily="18" charset="0"/>
+                                </a:rPr>
+                                <m:t>𝐷</m:t>
+                              </m:r>
+                            </m:sub>
+                          </m:sSub>
+                          <m:sSub>
+                            <m:sSubPr>
+                              <m:ctrlPr>
+                                <a:rPr lang="es-ES" i="1">
+                                  <a:latin typeface="Cambria Math" panose="02040503050406030204" pitchFamily="18" charset="0"/>
+                                </a:rPr>
+                              </m:ctrlPr>
+                            </m:sSubPr>
+                            <m:e>
+                              <m:r>
+                                <a:rPr lang="es-ES" i="1">
+                                  <a:latin typeface="Cambria Math" panose="02040503050406030204" pitchFamily="18" charset="0"/>
+                                </a:rPr>
+                                <m:t>+</m:t>
+                              </m:r>
+                              <m:r>
+                                <a:rPr lang="es-ES" i="1">
+                                  <a:latin typeface="Cambria Math" panose="02040503050406030204" pitchFamily="18" charset="0"/>
+                                </a:rPr>
+                                <m:t>𝐿</m:t>
+                              </m:r>
+                            </m:e>
+                            <m:sub>
+                              <m:r>
+                                <a:rPr lang="es-ES" i="1">
+                                  <a:latin typeface="Cambria Math" panose="02040503050406030204" pitchFamily="18" charset="0"/>
+                                </a:rPr>
+                                <m:t>𝐶</m:t>
+                              </m:r>
+                            </m:sub>
+                          </m:sSub>
+                        </m:den>
+                      </m:f>
+                      <m:r>
+                        <a:rPr lang="es-ES" b="0" i="1" smtClean="0">
+                          <a:latin typeface="Cambria Math" panose="02040503050406030204" pitchFamily="18" charset="0"/>
+                        </a:rPr>
+                        <m:t>+</m:t>
+                      </m:r>
+                      <m:sSub>
+                        <m:sSubPr>
+                          <m:ctrlPr>
+                            <a:rPr lang="es-ES" i="1">
+                              <a:latin typeface="Cambria Math" panose="02040503050406030204" pitchFamily="18" charset="0"/>
+                            </a:rPr>
+                          </m:ctrlPr>
+                        </m:sSubPr>
+                        <m:e>
+                          <m:r>
+                            <a:rPr lang="es-ES" i="1">
+                              <a:latin typeface="Cambria Math" panose="02040503050406030204" pitchFamily="18" charset="0"/>
+                            </a:rPr>
+                            <m:t>𝑘</m:t>
+                          </m:r>
+                        </m:e>
+                        <m:sub>
+                          <m:r>
+                            <a:rPr lang="es-ES" i="1">
+                              <a:latin typeface="Cambria Math" panose="02040503050406030204" pitchFamily="18" charset="0"/>
+                            </a:rPr>
+                            <m:t>𝑝𝑡</m:t>
+                          </m:r>
+                        </m:sub>
+                      </m:sSub>
+                      <m:sSub>
+                        <m:sSubPr>
+                          <m:ctrlPr>
+                            <a:rPr lang="es-ES" i="1">
+                              <a:latin typeface="Cambria Math" panose="02040503050406030204" pitchFamily="18" charset="0"/>
+                            </a:rPr>
+                          </m:ctrlPr>
+                        </m:sSubPr>
+                        <m:e>
+                          <m:r>
+                            <a:rPr lang="es-ES" i="1">
+                              <a:latin typeface="Cambria Math" panose="02040503050406030204" pitchFamily="18" charset="0"/>
+                            </a:rPr>
+                            <m:t>𝐿</m:t>
+                          </m:r>
+                        </m:e>
+                        <m:sub>
+                          <m:r>
+                            <a:rPr lang="es-ES" b="0" i="1" smtClean="0">
+                              <a:latin typeface="Cambria Math" panose="02040503050406030204" pitchFamily="18" charset="0"/>
+                            </a:rPr>
+                            <m:t>𝑇</m:t>
+                          </m:r>
+                        </m:sub>
+                      </m:sSub>
+                    </m:oMath>
+                  </m:oMathPara>
+                </a14:m>
+                <a:endParaRPr lang="es-ES" dirty="0"/>
+              </a:p>
+              <a:p>
+                <a:endParaRPr lang="es-ES" b="0" dirty="0"/>
+              </a:p>
+              <a:p>
+                <a:pPr/>
+                <a14:m>
+                  <m:oMathPara xmlns:m="http://schemas.openxmlformats.org/officeDocument/2006/math">
+                    <m:oMathParaPr>
+                      <m:jc m:val="left"/>
+                    </m:oMathParaPr>
+                    <m:oMath xmlns:m="http://schemas.openxmlformats.org/officeDocument/2006/math">
+                      <m:f>
+                        <m:fPr>
+                          <m:ctrlPr>
+                            <a:rPr lang="es-ES" i="1" smtClean="0">
+                              <a:latin typeface="Cambria Math" panose="02040503050406030204" pitchFamily="18" charset="0"/>
+                            </a:rPr>
+                          </m:ctrlPr>
+                        </m:fPr>
+                        <m:num>
+                          <m:r>
+                            <a:rPr lang="es-ES" i="1">
+                              <a:latin typeface="Cambria Math" panose="02040503050406030204" pitchFamily="18" charset="0"/>
+                            </a:rPr>
+                            <m:t>𝑑</m:t>
+                          </m:r>
+                          <m:sSub>
+                            <m:sSubPr>
+                              <m:ctrlPr>
+                                <a:rPr lang="es-ES" i="1" smtClean="0">
+                                  <a:latin typeface="Cambria Math" panose="02040503050406030204" pitchFamily="18" charset="0"/>
+                                </a:rPr>
+                              </m:ctrlPr>
+                            </m:sSubPr>
+                            <m:e>
+                              <m:r>
+                                <a:rPr lang="es-ES" b="0" i="1" smtClean="0">
+                                  <a:latin typeface="Cambria Math" panose="02040503050406030204" pitchFamily="18" charset="0"/>
+                                </a:rPr>
+                                <m:t>𝑅</m:t>
+                              </m:r>
+                            </m:e>
+                            <m:sub>
+                              <m:r>
+                                <a:rPr lang="es-ES" b="0" i="1" smtClean="0">
+                                  <a:latin typeface="Cambria Math" panose="02040503050406030204" pitchFamily="18" charset="0"/>
+                                </a:rPr>
+                                <m:t>𝑡𝑜𝑡</m:t>
+                              </m:r>
+                            </m:sub>
+                          </m:sSub>
+                        </m:num>
+                        <m:den>
+                          <m:r>
+                            <a:rPr lang="es-ES" i="1">
+                              <a:latin typeface="Cambria Math" panose="02040503050406030204" pitchFamily="18" charset="0"/>
+                            </a:rPr>
+                            <m:t>𝑑𝑡</m:t>
+                          </m:r>
+                        </m:den>
+                      </m:f>
+                      <m:r>
+                        <a:rPr lang="es-ES" i="1">
+                          <a:latin typeface="Cambria Math" panose="02040503050406030204" pitchFamily="18" charset="0"/>
+                        </a:rPr>
+                        <m:t>=</m:t>
+                      </m:r>
+                      <m:sSub>
+                        <m:sSubPr>
+                          <m:ctrlPr>
+                            <a:rPr lang="es-ES" i="1">
+                              <a:latin typeface="Cambria Math" panose="02040503050406030204" pitchFamily="18" charset="0"/>
+                            </a:rPr>
+                          </m:ctrlPr>
+                        </m:sSubPr>
+                        <m:e>
+                          <m:r>
+                            <a:rPr lang="es-ES" i="1">
+                              <a:latin typeface="Cambria Math" panose="02040503050406030204" pitchFamily="18" charset="0"/>
+                            </a:rPr>
+                            <m:t>𝑘</m:t>
+                          </m:r>
+                        </m:e>
+                        <m:sub>
+                          <m:r>
+                            <a:rPr lang="es-ES" i="1">
+                              <a:latin typeface="Cambria Math" panose="02040503050406030204" pitchFamily="18" charset="0"/>
+                            </a:rPr>
+                            <m:t>𝑖𝑛</m:t>
+                          </m:r>
+                        </m:sub>
+                      </m:sSub>
+                      <m:r>
+                        <a:rPr lang="es-ES" i="1">
+                          <a:latin typeface="Cambria Math" panose="02040503050406030204" pitchFamily="18" charset="0"/>
+                        </a:rPr>
+                        <m:t>−</m:t>
+                      </m:r>
+                      <m:sSub>
+                        <m:sSubPr>
+                          <m:ctrlPr>
+                            <a:rPr lang="es-ES" i="1">
+                              <a:latin typeface="Cambria Math" panose="02040503050406030204" pitchFamily="18" charset="0"/>
+                            </a:rPr>
+                          </m:ctrlPr>
+                        </m:sSubPr>
+                        <m:e>
+                          <m:r>
+                            <a:rPr lang="es-ES" i="1">
+                              <a:latin typeface="Cambria Math" panose="02040503050406030204" pitchFamily="18" charset="0"/>
+                            </a:rPr>
+                            <m:t>𝑘</m:t>
+                          </m:r>
+                        </m:e>
+                        <m:sub>
+                          <m:r>
+                            <a:rPr lang="es-ES" i="1">
+                              <a:latin typeface="Cambria Math" panose="02040503050406030204" pitchFamily="18" charset="0"/>
+                            </a:rPr>
+                            <m:t>𝑜𝑢𝑡</m:t>
+                          </m:r>
+                        </m:sub>
+                      </m:sSub>
+                      <m:sSub>
+                        <m:sSubPr>
+                          <m:ctrlPr>
+                            <a:rPr lang="es-ES" i="1">
+                              <a:latin typeface="Cambria Math" panose="02040503050406030204" pitchFamily="18" charset="0"/>
+                            </a:rPr>
+                          </m:ctrlPr>
+                        </m:sSubPr>
+                        <m:e>
+                          <m:r>
+                            <a:rPr lang="es-ES" i="1">
+                              <a:latin typeface="Cambria Math" panose="02040503050406030204" pitchFamily="18" charset="0"/>
+                            </a:rPr>
+                            <m:t>𝑅</m:t>
+                          </m:r>
+                        </m:e>
+                        <m:sub>
+                          <m:r>
+                            <a:rPr lang="es-ES" i="1">
+                              <a:latin typeface="Cambria Math" panose="02040503050406030204" pitchFamily="18" charset="0"/>
+                            </a:rPr>
+                            <m:t>𝑡𝑜𝑡</m:t>
+                          </m:r>
+                        </m:sub>
+                      </m:sSub>
+                      <m:r>
+                        <a:rPr lang="es-ES" b="0" i="1" smtClean="0">
+                          <a:latin typeface="Cambria Math" panose="02040503050406030204" pitchFamily="18" charset="0"/>
+                        </a:rPr>
+                        <m:t>−</m:t>
+                      </m:r>
+                      <m:d>
+                        <m:dPr>
+                          <m:ctrlPr>
+                            <a:rPr lang="es-ES" b="0" i="1" smtClean="0">
+                              <a:latin typeface="Cambria Math" panose="02040503050406030204" pitchFamily="18" charset="0"/>
+                            </a:rPr>
+                          </m:ctrlPr>
+                        </m:dPr>
+                        <m:e>
+                          <m:sSub>
+                            <m:sSubPr>
+                              <m:ctrlPr>
+                                <a:rPr lang="es-ES" i="1">
+                                  <a:latin typeface="Cambria Math" panose="02040503050406030204" pitchFamily="18" charset="0"/>
+                                </a:rPr>
+                              </m:ctrlPr>
+                            </m:sSubPr>
+                            <m:e>
+                              <m:r>
+                                <a:rPr lang="es-ES" i="1">
+                                  <a:latin typeface="Cambria Math" panose="02040503050406030204" pitchFamily="18" charset="0"/>
+                                </a:rPr>
+                                <m:t>𝑘</m:t>
+                              </m:r>
+                            </m:e>
+                            <m:sub>
+                              <m:r>
+                                <a:rPr lang="es-ES" i="1">
+                                  <a:latin typeface="Cambria Math" panose="02040503050406030204" pitchFamily="18" charset="0"/>
+                                </a:rPr>
+                                <m:t>𝑒</m:t>
+                              </m:r>
+                              <m:d>
+                                <m:dPr>
+                                  <m:ctrlPr>
+                                    <a:rPr lang="es-ES" i="1">
+                                      <a:latin typeface="Cambria Math" panose="02040503050406030204" pitchFamily="18" charset="0"/>
+                                    </a:rPr>
+                                  </m:ctrlPr>
+                                </m:dPr>
+                                <m:e>
+                                  <m:r>
+                                    <a:rPr lang="es-ES" b="0" i="1" smtClean="0">
+                                      <a:latin typeface="Cambria Math" panose="02040503050406030204" pitchFamily="18" charset="0"/>
+                                    </a:rPr>
+                                    <m:t>𝑃</m:t>
+                                  </m:r>
+                                </m:e>
+                              </m:d>
+                            </m:sub>
+                          </m:sSub>
+                          <m:r>
+                            <a:rPr lang="es-ES" b="0" i="1" smtClean="0">
+                              <a:latin typeface="Cambria Math" panose="02040503050406030204" pitchFamily="18" charset="0"/>
+                            </a:rPr>
+                            <m:t>−</m:t>
+                          </m:r>
+                          <m:sSub>
+                            <m:sSubPr>
+                              <m:ctrlPr>
+                                <a:rPr lang="es-ES" i="1">
+                                  <a:latin typeface="Cambria Math" panose="02040503050406030204" pitchFamily="18" charset="0"/>
+                                </a:rPr>
+                              </m:ctrlPr>
+                            </m:sSubPr>
+                            <m:e>
+                              <m:r>
+                                <a:rPr lang="es-ES" i="1">
+                                  <a:latin typeface="Cambria Math" panose="02040503050406030204" pitchFamily="18" charset="0"/>
+                                </a:rPr>
+                                <m:t>𝑘</m:t>
+                              </m:r>
+                            </m:e>
+                            <m:sub>
+                              <m:r>
+                                <a:rPr lang="es-ES" i="1">
+                                  <a:latin typeface="Cambria Math" panose="02040503050406030204" pitchFamily="18" charset="0"/>
+                                </a:rPr>
+                                <m:t>𝑜𝑢𝑡</m:t>
+                              </m:r>
+                            </m:sub>
+                          </m:sSub>
+                        </m:e>
+                      </m:d>
+                      <m:f>
+                        <m:fPr>
+                          <m:ctrlPr>
+                            <a:rPr lang="es-ES" b="0" i="1" smtClean="0">
+                              <a:latin typeface="Cambria Math" panose="02040503050406030204" pitchFamily="18" charset="0"/>
+                            </a:rPr>
+                          </m:ctrlPr>
+                        </m:fPr>
+                        <m:num>
+                          <m:sSub>
+                            <m:sSubPr>
+                              <m:ctrlPr>
+                                <a:rPr lang="es-ES" i="1">
+                                  <a:latin typeface="Cambria Math" panose="02040503050406030204" pitchFamily="18" charset="0"/>
+                                </a:rPr>
+                              </m:ctrlPr>
+                            </m:sSubPr>
+                            <m:e>
+                              <m:r>
+                                <a:rPr lang="es-ES" i="1">
+                                  <a:latin typeface="Cambria Math" panose="02040503050406030204" pitchFamily="18" charset="0"/>
+                                </a:rPr>
+                                <m:t>𝑅</m:t>
+                              </m:r>
+                            </m:e>
+                            <m:sub>
+                              <m:r>
+                                <a:rPr lang="es-ES" i="1">
+                                  <a:latin typeface="Cambria Math" panose="02040503050406030204" pitchFamily="18" charset="0"/>
+                                </a:rPr>
+                                <m:t>𝑡𝑜𝑡</m:t>
+                              </m:r>
+                            </m:sub>
+                          </m:sSub>
+                          <m:sSub>
+                            <m:sSubPr>
+                              <m:ctrlPr>
+                                <a:rPr lang="es-ES" i="1">
+                                  <a:latin typeface="Cambria Math" panose="02040503050406030204" pitchFamily="18" charset="0"/>
+                                </a:rPr>
+                              </m:ctrlPr>
+                            </m:sSubPr>
+                            <m:e>
+                              <m:r>
+                                <a:rPr lang="es-ES" i="1">
+                                  <a:latin typeface="Cambria Math" panose="02040503050406030204" pitchFamily="18" charset="0"/>
+                                </a:rPr>
+                                <m:t>𝐿</m:t>
+                              </m:r>
+                            </m:e>
+                            <m:sub>
+                              <m:r>
+                                <a:rPr lang="es-ES" i="1">
+                                  <a:latin typeface="Cambria Math" panose="02040503050406030204" pitchFamily="18" charset="0"/>
+                                </a:rPr>
+                                <m:t>𝐶</m:t>
+                              </m:r>
+                            </m:sub>
+                          </m:sSub>
+                        </m:num>
+                        <m:den>
+                          <m:sSub>
+                            <m:sSubPr>
+                              <m:ctrlPr>
+                                <a:rPr lang="es-ES" b="0" i="1" smtClean="0">
+                                  <a:latin typeface="Cambria Math" panose="02040503050406030204" pitchFamily="18" charset="0"/>
+                                </a:rPr>
+                              </m:ctrlPr>
+                            </m:sSubPr>
+                            <m:e>
+                              <m:r>
+                                <a:rPr lang="es-ES" b="0" i="1" smtClean="0">
+                                  <a:latin typeface="Cambria Math" panose="02040503050406030204" pitchFamily="18" charset="0"/>
+                                </a:rPr>
+                                <m:t>𝐾</m:t>
+                              </m:r>
+                            </m:e>
+                            <m:sub>
+                              <m:r>
+                                <a:rPr lang="es-ES" b="0" i="1" smtClean="0">
+                                  <a:latin typeface="Cambria Math" panose="02040503050406030204" pitchFamily="18" charset="0"/>
+                                </a:rPr>
+                                <m:t>𝐷</m:t>
+                              </m:r>
+                            </m:sub>
+                          </m:sSub>
+                          <m:sSub>
+                            <m:sSubPr>
+                              <m:ctrlPr>
+                                <a:rPr lang="es-ES" i="1">
+                                  <a:latin typeface="Cambria Math" panose="02040503050406030204" pitchFamily="18" charset="0"/>
+                                </a:rPr>
+                              </m:ctrlPr>
+                            </m:sSubPr>
+                            <m:e>
+                              <m:r>
+                                <a:rPr lang="es-ES" b="0" i="1" smtClean="0">
+                                  <a:latin typeface="Cambria Math" panose="02040503050406030204" pitchFamily="18" charset="0"/>
+                                </a:rPr>
+                                <m:t>+</m:t>
+                              </m:r>
+                              <m:r>
+                                <a:rPr lang="es-ES" i="1">
+                                  <a:latin typeface="Cambria Math" panose="02040503050406030204" pitchFamily="18" charset="0"/>
+                                </a:rPr>
+                                <m:t>𝐿</m:t>
+                              </m:r>
+                            </m:e>
+                            <m:sub>
+                              <m:r>
+                                <a:rPr lang="es-ES" i="1">
+                                  <a:latin typeface="Cambria Math" panose="02040503050406030204" pitchFamily="18" charset="0"/>
+                                </a:rPr>
+                                <m:t>𝐶</m:t>
+                              </m:r>
+                            </m:sub>
+                          </m:sSub>
+                        </m:den>
+                      </m:f>
+                    </m:oMath>
+                  </m:oMathPara>
+                </a14:m>
+                <a:endParaRPr lang="es-ES" dirty="0"/>
+              </a:p>
+              <a:p>
+                <a:endParaRPr lang="es-ES" dirty="0"/>
+              </a:p>
+              <a:p>
+                <a:pPr/>
+                <a14:m>
+                  <m:oMathPara xmlns:m="http://schemas.openxmlformats.org/officeDocument/2006/math">
+                    <m:oMathParaPr>
+                      <m:jc m:val="left"/>
+                    </m:oMathParaPr>
+                    <m:oMath xmlns:m="http://schemas.openxmlformats.org/officeDocument/2006/math">
+                      <m:sSub>
+                        <m:sSubPr>
+                          <m:ctrlPr>
+                            <a:rPr lang="es-ES" i="1" smtClean="0">
+                              <a:latin typeface="Cambria Math" panose="02040503050406030204" pitchFamily="18" charset="0"/>
+                            </a:rPr>
+                          </m:ctrlPr>
+                        </m:sSubPr>
+                        <m:e>
+                          <m:r>
+                            <a:rPr lang="es-ES" b="0" i="1" smtClean="0">
+                              <a:latin typeface="Cambria Math" panose="02040503050406030204" pitchFamily="18" charset="0"/>
+                            </a:rPr>
+                            <m:t>𝐿</m:t>
+                          </m:r>
+                        </m:e>
+                        <m:sub>
+                          <m:r>
+                            <a:rPr lang="es-ES" b="0" i="1" smtClean="0">
+                              <a:latin typeface="Cambria Math" panose="02040503050406030204" pitchFamily="18" charset="0"/>
+                            </a:rPr>
+                            <m:t>𝐶</m:t>
+                          </m:r>
+                        </m:sub>
+                      </m:sSub>
+                      <m:r>
+                        <a:rPr lang="es-ES" i="1">
+                          <a:latin typeface="Cambria Math" panose="02040503050406030204" pitchFamily="18" charset="0"/>
+                        </a:rPr>
+                        <m:t>= </m:t>
+                      </m:r>
+                      <m:f>
+                        <m:fPr>
+                          <m:ctrlPr>
+                            <a:rPr lang="es-ES" i="1">
+                              <a:latin typeface="Cambria Math" panose="02040503050406030204" pitchFamily="18" charset="0"/>
+                            </a:rPr>
+                          </m:ctrlPr>
+                        </m:fPr>
+                        <m:num>
+                          <m:r>
+                            <a:rPr lang="es-ES" i="1">
+                              <a:latin typeface="Cambria Math" panose="02040503050406030204" pitchFamily="18" charset="0"/>
+                            </a:rPr>
+                            <m:t>1</m:t>
+                          </m:r>
+                        </m:num>
+                        <m:den>
+                          <m:r>
+                            <a:rPr lang="es-ES" i="1">
+                              <a:latin typeface="Cambria Math" panose="02040503050406030204" pitchFamily="18" charset="0"/>
+                            </a:rPr>
+                            <m:t>2</m:t>
+                          </m:r>
+                        </m:den>
+                      </m:f>
+                      <m:d>
+                        <m:dPr>
+                          <m:begChr m:val="["/>
+                          <m:endChr m:val="]"/>
+                          <m:ctrlPr>
+                            <a:rPr lang="es-ES" i="1">
+                              <a:latin typeface="Cambria Math" panose="02040503050406030204" pitchFamily="18" charset="0"/>
+                            </a:rPr>
+                          </m:ctrlPr>
+                        </m:dPr>
+                        <m:e>
+                          <m:sSub>
+                            <m:sSubPr>
+                              <m:ctrlPr>
+                                <a:rPr lang="es-ES" i="1">
+                                  <a:latin typeface="Cambria Math" panose="02040503050406030204" pitchFamily="18" charset="0"/>
+                                </a:rPr>
+                              </m:ctrlPr>
+                            </m:sSubPr>
+                            <m:e>
+                              <m:r>
+                                <a:rPr lang="es-ES" i="1">
+                                  <a:latin typeface="Cambria Math" panose="02040503050406030204" pitchFamily="18" charset="0"/>
+                                </a:rPr>
+                                <m:t>𝐿</m:t>
+                              </m:r>
+                            </m:e>
+                            <m:sub>
+                              <m:r>
+                                <a:rPr lang="es-ES" i="1">
+                                  <a:latin typeface="Cambria Math" panose="02040503050406030204" pitchFamily="18" charset="0"/>
+                                </a:rPr>
+                                <m:t>𝑡𝑜𝑡</m:t>
+                              </m:r>
+                            </m:sub>
+                          </m:sSub>
+                          <m:r>
+                            <a:rPr lang="es-ES" i="1">
+                              <a:latin typeface="Cambria Math" panose="02040503050406030204" pitchFamily="18" charset="0"/>
+                            </a:rPr>
+                            <m:t>−</m:t>
+                          </m:r>
+                          <m:sSub>
+                            <m:sSubPr>
+                              <m:ctrlPr>
+                                <a:rPr lang="es-ES" i="1">
+                                  <a:latin typeface="Cambria Math" panose="02040503050406030204" pitchFamily="18" charset="0"/>
+                                </a:rPr>
+                              </m:ctrlPr>
+                            </m:sSubPr>
+                            <m:e>
+                              <m:r>
+                                <a:rPr lang="es-ES" i="1">
+                                  <a:latin typeface="Cambria Math" panose="02040503050406030204" pitchFamily="18" charset="0"/>
+                                </a:rPr>
+                                <m:t>𝑅</m:t>
+                              </m:r>
+                            </m:e>
+                            <m:sub>
+                              <m:r>
+                                <a:rPr lang="es-ES" i="1">
+                                  <a:latin typeface="Cambria Math" panose="02040503050406030204" pitchFamily="18" charset="0"/>
+                                </a:rPr>
+                                <m:t>𝑡𝑜𝑡</m:t>
+                              </m:r>
+                            </m:sub>
+                          </m:sSub>
+                          <m:r>
+                            <a:rPr lang="es-ES" i="1">
+                              <a:latin typeface="Cambria Math" panose="02040503050406030204" pitchFamily="18" charset="0"/>
+                            </a:rPr>
+                            <m:t>−</m:t>
+                          </m:r>
+                          <m:sSub>
+                            <m:sSubPr>
+                              <m:ctrlPr>
+                                <a:rPr lang="es-ES" i="1">
+                                  <a:latin typeface="Cambria Math" panose="02040503050406030204" pitchFamily="18" charset="0"/>
+                                </a:rPr>
+                              </m:ctrlPr>
+                            </m:sSubPr>
+                            <m:e>
+                              <m:r>
+                                <a:rPr lang="es-ES" i="1">
+                                  <a:latin typeface="Cambria Math" panose="02040503050406030204" pitchFamily="18" charset="0"/>
+                                </a:rPr>
+                                <m:t>𝐾</m:t>
+                              </m:r>
+                            </m:e>
+                            <m:sub>
+                              <m:r>
+                                <a:rPr lang="es-ES" i="1">
+                                  <a:latin typeface="Cambria Math" panose="02040503050406030204" pitchFamily="18" charset="0"/>
+                                </a:rPr>
+                                <m:t>𝐷</m:t>
+                              </m:r>
+                            </m:sub>
+                          </m:sSub>
+                          <m:r>
+                            <a:rPr lang="es-ES" b="0" i="1" smtClean="0">
+                              <a:latin typeface="Cambria Math" panose="02040503050406030204" pitchFamily="18" charset="0"/>
+                            </a:rPr>
+                            <m:t>+</m:t>
+                          </m:r>
+                          <m:rad>
+                            <m:radPr>
+                              <m:degHide m:val="on"/>
+                              <m:ctrlPr>
+                                <a:rPr lang="es-ES" i="1">
+                                  <a:latin typeface="Cambria Math" panose="02040503050406030204" pitchFamily="18" charset="0"/>
+                                </a:rPr>
+                              </m:ctrlPr>
+                            </m:radPr>
+                            <m:deg/>
+                            <m:e>
+                              <m:sSup>
+                                <m:sSupPr>
+                                  <m:ctrlPr>
+                                    <a:rPr lang="es-ES" i="1">
+                                      <a:latin typeface="Cambria Math" panose="02040503050406030204" pitchFamily="18" charset="0"/>
+                                    </a:rPr>
+                                  </m:ctrlPr>
+                                </m:sSupPr>
+                                <m:e>
+                                  <m:d>
+                                    <m:dPr>
+                                      <m:ctrlPr>
+                                        <a:rPr lang="es-ES" i="1">
+                                          <a:latin typeface="Cambria Math" panose="02040503050406030204" pitchFamily="18" charset="0"/>
+                                        </a:rPr>
+                                      </m:ctrlPr>
+                                    </m:dPr>
+                                    <m:e>
+                                      <m:sSub>
+                                        <m:sSubPr>
+                                          <m:ctrlPr>
+                                            <a:rPr lang="es-ES" i="1">
+                                              <a:latin typeface="Cambria Math" panose="02040503050406030204" pitchFamily="18" charset="0"/>
+                                            </a:rPr>
+                                          </m:ctrlPr>
+                                        </m:sSubPr>
+                                        <m:e>
+                                          <m:r>
+                                            <a:rPr lang="es-ES" i="1">
+                                              <a:latin typeface="Cambria Math" panose="02040503050406030204" pitchFamily="18" charset="0"/>
+                                            </a:rPr>
+                                            <m:t>𝐿</m:t>
+                                          </m:r>
+                                        </m:e>
+                                        <m:sub>
+                                          <m:r>
+                                            <a:rPr lang="es-ES" i="1">
+                                              <a:latin typeface="Cambria Math" panose="02040503050406030204" pitchFamily="18" charset="0"/>
+                                            </a:rPr>
+                                            <m:t>𝑡𝑜𝑡</m:t>
+                                          </m:r>
+                                        </m:sub>
+                                      </m:sSub>
+                                      <m:r>
+                                        <a:rPr lang="es-ES" i="1">
+                                          <a:latin typeface="Cambria Math" panose="02040503050406030204" pitchFamily="18" charset="0"/>
+                                        </a:rPr>
+                                        <m:t>−</m:t>
+                                      </m:r>
+                                      <m:sSub>
+                                        <m:sSubPr>
+                                          <m:ctrlPr>
+                                            <a:rPr lang="es-ES" i="1">
+                                              <a:latin typeface="Cambria Math" panose="02040503050406030204" pitchFamily="18" charset="0"/>
+                                            </a:rPr>
+                                          </m:ctrlPr>
+                                        </m:sSubPr>
+                                        <m:e>
+                                          <m:r>
+                                            <a:rPr lang="es-ES" i="1">
+                                              <a:latin typeface="Cambria Math" panose="02040503050406030204" pitchFamily="18" charset="0"/>
+                                            </a:rPr>
+                                            <m:t>𝑅</m:t>
+                                          </m:r>
+                                        </m:e>
+                                        <m:sub>
+                                          <m:r>
+                                            <a:rPr lang="es-ES" i="1">
+                                              <a:latin typeface="Cambria Math" panose="02040503050406030204" pitchFamily="18" charset="0"/>
+                                            </a:rPr>
+                                            <m:t>𝑡𝑜𝑡</m:t>
+                                          </m:r>
+                                        </m:sub>
+                                      </m:sSub>
+                                      <m:r>
+                                        <a:rPr lang="es-ES" i="1">
+                                          <a:latin typeface="Cambria Math" panose="02040503050406030204" pitchFamily="18" charset="0"/>
+                                        </a:rPr>
+                                        <m:t>−</m:t>
+                                      </m:r>
+                                      <m:sSub>
+                                        <m:sSubPr>
+                                          <m:ctrlPr>
+                                            <a:rPr lang="es-ES" i="1">
+                                              <a:latin typeface="Cambria Math" panose="02040503050406030204" pitchFamily="18" charset="0"/>
+                                            </a:rPr>
+                                          </m:ctrlPr>
+                                        </m:sSubPr>
+                                        <m:e>
+                                          <m:r>
+                                            <a:rPr lang="es-ES" i="1">
+                                              <a:latin typeface="Cambria Math" panose="02040503050406030204" pitchFamily="18" charset="0"/>
+                                            </a:rPr>
+                                            <m:t>𝐾</m:t>
+                                          </m:r>
+                                        </m:e>
+                                        <m:sub>
+                                          <m:r>
+                                            <a:rPr lang="es-ES" i="1">
+                                              <a:latin typeface="Cambria Math" panose="02040503050406030204" pitchFamily="18" charset="0"/>
+                                            </a:rPr>
+                                            <m:t>𝐷</m:t>
+                                          </m:r>
+                                        </m:sub>
+                                      </m:sSub>
+                                    </m:e>
+                                  </m:d>
+                                </m:e>
+                                <m:sup>
+                                  <m:r>
+                                    <a:rPr lang="es-ES" i="1">
+                                      <a:latin typeface="Cambria Math" panose="02040503050406030204" pitchFamily="18" charset="0"/>
+                                    </a:rPr>
+                                    <m:t>2</m:t>
+                                  </m:r>
+                                </m:sup>
+                              </m:sSup>
+                              <m:r>
+                                <a:rPr lang="es-ES" b="0" i="1" smtClean="0">
+                                  <a:latin typeface="Cambria Math" panose="02040503050406030204" pitchFamily="18" charset="0"/>
+                                </a:rPr>
+                                <m:t>+</m:t>
+                              </m:r>
+                              <m:r>
+                                <a:rPr lang="es-ES" i="1">
+                                  <a:latin typeface="Cambria Math" panose="02040503050406030204" pitchFamily="18" charset="0"/>
+                                </a:rPr>
+                                <m:t>4</m:t>
+                              </m:r>
+                              <m:sSub>
+                                <m:sSubPr>
+                                  <m:ctrlPr>
+                                    <a:rPr lang="es-ES" i="1">
+                                      <a:latin typeface="Cambria Math" panose="02040503050406030204" pitchFamily="18" charset="0"/>
+                                    </a:rPr>
+                                  </m:ctrlPr>
+                                </m:sSubPr>
+                                <m:e>
+                                  <m:r>
+                                    <a:rPr lang="es-ES" i="1">
+                                      <a:latin typeface="Cambria Math" panose="02040503050406030204" pitchFamily="18" charset="0"/>
+                                    </a:rPr>
+                                    <m:t>𝐾</m:t>
+                                  </m:r>
+                                </m:e>
+                                <m:sub>
+                                  <m:r>
+                                    <a:rPr lang="es-ES" i="1">
+                                      <a:latin typeface="Cambria Math" panose="02040503050406030204" pitchFamily="18" charset="0"/>
+                                    </a:rPr>
+                                    <m:t>𝐷</m:t>
+                                  </m:r>
+                                </m:sub>
+                              </m:sSub>
+                              <m:r>
+                                <a:rPr lang="es-ES" i="1">
+                                  <a:latin typeface="Cambria Math" panose="02040503050406030204" pitchFamily="18" charset="0"/>
+                                </a:rPr>
+                                <m:t>𝑡𝑜𝑡</m:t>
+                              </m:r>
+                            </m:e>
+                          </m:rad>
+                        </m:e>
+                      </m:d>
+                    </m:oMath>
+                  </m:oMathPara>
+                </a14:m>
+                <a:endParaRPr lang="es-ES" dirty="0"/>
+              </a:p>
+              <a:p>
+                <a:endParaRPr lang="es-ES" b="0" dirty="0"/>
+              </a:p>
+              <a:p>
+                <a:endParaRPr lang="es-ES" dirty="0"/>
+              </a:p>
+              <a:p>
+                <a:endParaRPr lang="es-ES" dirty="0"/>
+              </a:p>
+            </p:txBody>
+          </p:sp>
+        </mc:Choice>
+        <mc:Fallback>
+          <p:sp>
+            <p:nvSpPr>
+              <p:cNvPr id="8" name="Marcador de texto 7">
+                <a:extLst>
+                  <a:ext uri="{FF2B5EF4-FFF2-40B4-BE49-F238E27FC236}">
+                    <a16:creationId xmlns:a16="http://schemas.microsoft.com/office/drawing/2014/main" id="{6370DD9F-E949-8BE8-EB7C-99D787AAE96D}"/>
+                  </a:ext>
+                </a:extLst>
+              </p:cNvPr>
+              <p:cNvSpPr>
+                <a:spLocks noGrp="1" noRot="1" noChangeAspect="1" noMove="1" noResize="1" noEditPoints="1" noAdjustHandles="1" noChangeArrowheads="1" noChangeShapeType="1" noTextEdit="1"/>
+              </p:cNvSpPr>
+              <p:nvPr>
+                <p:ph type="body" sz="half" idx="2"/>
+              </p:nvPr>
+            </p:nvSpPr>
+            <p:spPr>
+              <a:xfrm>
+                <a:off x="139344" y="2185736"/>
+                <a:ext cx="5571646" cy="4215063"/>
+              </a:xfrm>
+              <a:blipFill>
+                <a:blip r:embed="rId2"/>
+                <a:stretch>
+                  <a:fillRect/>
+                </a:stretch>
+              </a:blipFill>
+            </p:spPr>
+            <p:txBody>
+              <a:bodyPr/>
+              <a:lstStyle/>
+              <a:p>
+                <a:r>
+                  <a:rPr lang="es-ES">
+                    <a:noFill/>
+                  </a:rPr>
+                  <a:t> </a:t>
+                </a:r>
+              </a:p>
+            </p:txBody>
+          </p:sp>
+        </mc:Fallback>
+      </mc:AlternateContent>
+      <p:pic>
+        <p:nvPicPr>
+          <p:cNvPr id="9" name="Marcador de posición de imagen 8" descr="Gráfico&#10;&#10;El contenido generado por IA puede ser incorrecto.">
+            <a:extLst>
+              <a:ext uri="{FF2B5EF4-FFF2-40B4-BE49-F238E27FC236}">
+                <a16:creationId xmlns:a16="http://schemas.microsoft.com/office/drawing/2014/main" id="{7D0D76CD-92B6-C002-DD23-7ADC3352FE42}"/>
+              </a:ext>
+            </a:extLst>
+          </p:cNvPr>
+          <p:cNvPicPr>
+            <a:picLocks noGrp="1" noChangeAspect="1"/>
+          </p:cNvPicPr>
+          <p:nvPr>
+            <p:ph type="pic" idx="1"/>
+          </p:nvPr>
+        </p:nvPicPr>
+        <p:blipFill>
+          <a:blip r:embed="rId3">
+            <a:extLst>
+              <a:ext uri="{28A0092B-C50C-407E-A947-70E740481C1C}">
+                <a14:useLocalDpi xmlns:a14="http://schemas.microsoft.com/office/drawing/2010/main" val="0"/>
+              </a:ext>
+            </a:extLst>
+          </a:blip>
+          <a:srcRect l="-806" t="-697" r="1" b="-1692"/>
+          <a:stretch>
+            <a:fillRect/>
+          </a:stretch>
+        </p:blipFill>
+        <p:spPr>
+          <a:xfrm>
+            <a:off x="5830742" y="878305"/>
+            <a:ext cx="6221914" cy="5101389"/>
+          </a:xfrm>
+        </p:spPr>
+      </p:pic>
+    </p:spTree>
+    <p:extLst>
+      <p:ext uri="{BB962C8B-B14F-4D97-AF65-F5344CB8AC3E}">
+        <p14:creationId xmlns:p14="http://schemas.microsoft.com/office/powerpoint/2010/main" val="2471207129"/>
+      </p:ext>
+    </p:extLst>
+  </p:cSld>
+  <p:clrMapOvr>
+    <a:masterClrMapping/>
+  </p:clrMapOvr>
+</p:sld>
+</file>
+
+<file path=ppt/slides/slide8.xml><?xml version="1.0" encoding="utf-8"?>
+<p:sld xmlns:a="http://schemas.openxmlformats.org/drawingml/2006/main" xmlns:r="http://schemas.openxmlformats.org/officeDocument/2006/relationships" xmlns:p="http://schemas.openxmlformats.org/presentationml/2006/main">
+  <p:cSld>
+    <p:spTree>
+      <p:nvGrpSpPr>
+        <p:cNvPr id="1" name="">
+          <a:extLst>
+            <a:ext uri="{FF2B5EF4-FFF2-40B4-BE49-F238E27FC236}">
+              <a16:creationId xmlns:a16="http://schemas.microsoft.com/office/drawing/2014/main" id="{50BC12A6-914B-D745-CC03-784902E19FD2}"/>
+            </a:ext>
+          </a:extLst>
+        </p:cNvPr>
+        <p:cNvGrpSpPr/>
+        <p:nvPr/>
+      </p:nvGrpSpPr>
+      <p:grpSpPr>
+        <a:xfrm>
+          <a:off x="0" y="0"/>
+          <a:ext cx="0" cy="0"/>
+          <a:chOff x="0" y="0"/>
+          <a:chExt cx="0" cy="0"/>
+        </a:xfrm>
+      </p:grpSpPr>
+      <p:sp>
+        <p:nvSpPr>
+          <p:cNvPr id="2" name="Título 1">
+            <a:extLst>
+              <a:ext uri="{FF2B5EF4-FFF2-40B4-BE49-F238E27FC236}">
+                <a16:creationId xmlns:a16="http://schemas.microsoft.com/office/drawing/2014/main" id="{649DD879-44E8-BA7D-22B6-8CD256233E17}"/>
+              </a:ext>
+            </a:extLst>
+          </p:cNvPr>
+          <p:cNvSpPr>
+            <a:spLocks noGrp="1"/>
+          </p:cNvSpPr>
+          <p:nvPr>
+            <p:ph type="title"/>
+          </p:nvPr>
+        </p:nvSpPr>
+        <p:spPr/>
+        <p:txBody>
+          <a:bodyPr anchor="ctr"/>
+          <a:lstStyle/>
+          <a:p>
+            <a:r>
+              <a:rPr lang="es-ES" dirty="0" err="1"/>
+              <a:t>Quasi-Equilibrium</a:t>
+            </a:r>
+            <a:r>
+              <a:rPr lang="es-ES" dirty="0"/>
+              <a:t> </a:t>
+            </a:r>
+            <a:r>
+              <a:rPr lang="es-ES" dirty="0" err="1"/>
+              <a:t>approximation</a:t>
+            </a:r>
+            <a:endParaRPr lang="es-ES" dirty="0"/>
+          </a:p>
+        </p:txBody>
+      </p:sp>
+      <mc:AlternateContent xmlns:mc="http://schemas.openxmlformats.org/markup-compatibility/2006">
+        <mc:Choice xmlns:a14="http://schemas.microsoft.com/office/drawing/2010/main" Requires="a14">
+          <p:sp>
+            <p:nvSpPr>
+              <p:cNvPr id="8" name="Marcador de texto 7">
+                <a:extLst>
+                  <a:ext uri="{FF2B5EF4-FFF2-40B4-BE49-F238E27FC236}">
+                    <a16:creationId xmlns:a16="http://schemas.microsoft.com/office/drawing/2014/main" id="{BC358DB7-4E53-4E09-1181-FBE10D95AFD4}"/>
+                  </a:ext>
+                </a:extLst>
+              </p:cNvPr>
+              <p:cNvSpPr>
+                <a:spLocks noGrp="1"/>
+              </p:cNvSpPr>
+              <p:nvPr>
+                <p:ph type="body" sz="half" idx="2"/>
+              </p:nvPr>
+            </p:nvSpPr>
+            <p:spPr>
+              <a:xfrm>
+                <a:off x="231286" y="2177716"/>
+                <a:ext cx="4529889" cy="3084094"/>
+              </a:xfrm>
+            </p:spPr>
+            <p:txBody>
+              <a:bodyPr>
+                <a:normAutofit lnSpcReduction="10000"/>
+              </a:bodyPr>
+              <a:lstStyle/>
+              <a:p>
+                <a:pPr/>
+                <a:r>
+                  <a:rPr lang="es-ES" dirty="0"/>
+                  <a:t>Assumes </a:t>
+                </a:r>
+                <a:r>
+                  <a:rPr lang="es-ES" dirty="0" err="1"/>
+                  <a:t>that</a:t>
+                </a:r>
+                <a:r>
+                  <a:rPr lang="es-ES" dirty="0"/>
+                  <a:t> </a:t>
+                </a:r>
+                <a:r>
+                  <a:rPr lang="es-ES" dirty="0" err="1"/>
+                  <a:t>the</a:t>
+                </a:r>
+                <a:r>
+                  <a:rPr lang="es-ES" dirty="0"/>
+                  <a:t> </a:t>
+                </a:r>
+                <a:r>
+                  <a:rPr lang="es-ES" dirty="0" err="1"/>
+                  <a:t>binding</a:t>
+                </a:r>
+                <a:r>
+                  <a:rPr lang="es-ES" dirty="0"/>
+                  <a:t> </a:t>
+                </a:r>
+                <a:r>
+                  <a:rPr lang="es-ES" dirty="0" err="1"/>
+                  <a:t>is</a:t>
+                </a:r>
+                <a:r>
+                  <a:rPr lang="es-ES" dirty="0"/>
+                  <a:t> </a:t>
+                </a:r>
+                <a:r>
+                  <a:rPr lang="es-ES" dirty="0" err="1"/>
+                  <a:t>much</a:t>
+                </a:r>
+                <a:r>
+                  <a:rPr lang="es-ES" dirty="0"/>
+                  <a:t> </a:t>
+                </a:r>
+                <a:r>
+                  <a:rPr lang="es-ES" dirty="0" err="1"/>
+                  <a:t>faster</a:t>
+                </a:r>
+                <a:r>
+                  <a:rPr lang="es-ES" dirty="0"/>
+                  <a:t> </a:t>
+                </a:r>
+                <a:r>
+                  <a:rPr lang="es-ES" dirty="0" err="1"/>
+                  <a:t>than</a:t>
+                </a:r>
+                <a:r>
+                  <a:rPr lang="es-ES" dirty="0"/>
+                  <a:t> </a:t>
+                </a:r>
+                <a:r>
+                  <a:rPr lang="es-ES" dirty="0" err="1"/>
+                  <a:t>the</a:t>
+                </a:r>
+                <a:r>
+                  <a:rPr lang="es-ES" dirty="0"/>
+                  <a:t> </a:t>
+                </a:r>
+                <a:r>
+                  <a:rPr lang="es-ES" dirty="0" err="1"/>
+                  <a:t>elimination</a:t>
+                </a:r>
+                <a:r>
+                  <a:rPr lang="es-ES" dirty="0"/>
+                  <a:t>, </a:t>
+                </a:r>
+                <a:r>
+                  <a:rPr lang="es-ES" dirty="0" err="1"/>
+                  <a:t>therefore</a:t>
+                </a:r>
+                <a:r>
+                  <a:rPr lang="es-ES" dirty="0"/>
+                  <a:t> </a:t>
+                </a:r>
+                <a:r>
+                  <a:rPr lang="es-ES" dirty="0" err="1"/>
+                  <a:t>it</a:t>
+                </a:r>
+                <a:r>
+                  <a:rPr lang="es-ES" dirty="0"/>
+                  <a:t> </a:t>
+                </a:r>
+                <a:r>
+                  <a:rPr lang="es-ES" dirty="0" err="1"/>
+                  <a:t>is</a:t>
+                </a:r>
+                <a:r>
+                  <a:rPr lang="es-ES" dirty="0"/>
+                  <a:t> </a:t>
+                </a:r>
+                <a:r>
+                  <a:rPr lang="es-ES" dirty="0" err="1"/>
+                  <a:t>considered</a:t>
+                </a:r>
+                <a:r>
+                  <a:rPr lang="es-ES" dirty="0"/>
+                  <a:t> </a:t>
+                </a:r>
+                <a:r>
+                  <a:rPr lang="es-ES" dirty="0" err="1"/>
+                  <a:t>to</a:t>
+                </a:r>
+                <a:r>
+                  <a:rPr lang="es-ES" dirty="0"/>
+                  <a:t> be in </a:t>
+                </a:r>
+                <a:r>
+                  <a:rPr lang="es-ES" dirty="0" err="1"/>
+                  <a:t>equilibrium</a:t>
+                </a:r>
+                <a:r>
+                  <a:rPr lang="es-ES" dirty="0"/>
+                  <a:t>:</a:t>
+                </a:r>
+              </a:p>
+              <a:p>
+                <a:pPr/>
+                <a:endParaRPr lang="es-ES" dirty="0"/>
+              </a:p>
+              <a:p>
+                <a:pPr/>
+                <a14:m>
+                  <m:oMathPara xmlns:m="http://schemas.openxmlformats.org/officeDocument/2006/math">
+                    <m:oMathParaPr>
+                      <m:jc m:val="center"/>
+                    </m:oMathParaPr>
+                    <m:oMath xmlns:m="http://schemas.openxmlformats.org/officeDocument/2006/math">
+                      <m:sSub>
+                        <m:sSubPr>
+                          <m:ctrlPr>
+                            <a:rPr lang="es-ES" i="1" smtClean="0">
+                              <a:latin typeface="Cambria Math" panose="02040503050406030204" pitchFamily="18" charset="0"/>
+                            </a:rPr>
+                          </m:ctrlPr>
+                        </m:sSubPr>
+                        <m:e>
+                          <m:r>
+                            <a:rPr lang="es-ES" b="0" i="1" smtClean="0">
+                              <a:latin typeface="Cambria Math" panose="02040503050406030204" pitchFamily="18" charset="0"/>
+                            </a:rPr>
+                            <m:t>𝐾</m:t>
+                          </m:r>
+                        </m:e>
+                        <m:sub>
+                          <m:r>
+                            <a:rPr lang="es-ES" b="0" i="1" smtClean="0">
+                              <a:latin typeface="Cambria Math" panose="02040503050406030204" pitchFamily="18" charset="0"/>
+                            </a:rPr>
+                            <m:t>𝐷</m:t>
+                          </m:r>
+                        </m:sub>
+                      </m:sSub>
+                      <m:r>
+                        <a:rPr lang="es-ES" b="0" i="1" smtClean="0">
+                          <a:latin typeface="Cambria Math" panose="02040503050406030204" pitchFamily="18" charset="0"/>
+                        </a:rPr>
+                        <m:t>=</m:t>
+                      </m:r>
+                      <m:f>
+                        <m:fPr>
+                          <m:ctrlPr>
+                            <a:rPr lang="es-ES" b="0" i="1" smtClean="0">
+                              <a:latin typeface="Cambria Math" panose="02040503050406030204" pitchFamily="18" charset="0"/>
+                            </a:rPr>
+                          </m:ctrlPr>
+                        </m:fPr>
+                        <m:num>
+                          <m:sSub>
+                            <m:sSubPr>
+                              <m:ctrlPr>
+                                <a:rPr lang="es-ES" b="0" i="1" smtClean="0">
+                                  <a:latin typeface="Cambria Math" panose="02040503050406030204" pitchFamily="18" charset="0"/>
+                                </a:rPr>
+                              </m:ctrlPr>
+                            </m:sSubPr>
+                            <m:e>
+                              <m:r>
+                                <a:rPr lang="es-ES" b="0" i="1" smtClean="0">
+                                  <a:latin typeface="Cambria Math" panose="02040503050406030204" pitchFamily="18" charset="0"/>
+                                </a:rPr>
+                                <m:t>𝑘</m:t>
+                              </m:r>
+                            </m:e>
+                            <m:sub>
+                              <m:r>
+                                <a:rPr lang="es-ES" b="0" i="1" smtClean="0">
+                                  <a:latin typeface="Cambria Math" panose="02040503050406030204" pitchFamily="18" charset="0"/>
+                                </a:rPr>
+                                <m:t>𝑜𝑓𝑓</m:t>
+                              </m:r>
+                            </m:sub>
+                          </m:sSub>
+                        </m:num>
+                        <m:den>
+                          <m:sSub>
+                            <m:sSubPr>
+                              <m:ctrlPr>
+                                <a:rPr lang="es-ES" i="1">
+                                  <a:latin typeface="Cambria Math" panose="02040503050406030204" pitchFamily="18" charset="0"/>
+                                </a:rPr>
+                              </m:ctrlPr>
+                            </m:sSubPr>
+                            <m:e>
+                              <m:r>
+                                <a:rPr lang="es-ES" i="1">
+                                  <a:latin typeface="Cambria Math" panose="02040503050406030204" pitchFamily="18" charset="0"/>
+                                </a:rPr>
+                                <m:t>𝑘</m:t>
+                              </m:r>
+                            </m:e>
+                            <m:sub>
+                              <m:r>
+                                <a:rPr lang="es-ES" i="1">
+                                  <a:latin typeface="Cambria Math" panose="02040503050406030204" pitchFamily="18" charset="0"/>
+                                </a:rPr>
+                                <m:t>𝑜</m:t>
+                              </m:r>
+                              <m:r>
+                                <a:rPr lang="es-ES" b="0" i="1" smtClean="0">
+                                  <a:latin typeface="Cambria Math" panose="02040503050406030204" pitchFamily="18" charset="0"/>
+                                </a:rPr>
+                                <m:t>𝑛</m:t>
+                              </m:r>
+                            </m:sub>
+                          </m:sSub>
+                        </m:den>
+                      </m:f>
+                    </m:oMath>
+                  </m:oMathPara>
+                </a14:m>
+                <a:endParaRPr lang="es-ES" dirty="0"/>
+              </a:p>
+              <a:p>
+                <a:endParaRPr lang="es-ES" b="0" dirty="0"/>
+              </a:p>
+              <a:p>
+                <a:r>
+                  <a:rPr lang="es-ES" dirty="0" err="1"/>
+                  <a:t>Predicts</a:t>
+                </a:r>
+                <a:r>
+                  <a:rPr lang="es-ES" dirty="0"/>
+                  <a:t> </a:t>
+                </a:r>
+                <a:r>
+                  <a:rPr lang="es-ES" dirty="0" err="1"/>
+                  <a:t>accurately</a:t>
+                </a:r>
+                <a:r>
+                  <a:rPr lang="es-ES" dirty="0"/>
+                  <a:t> </a:t>
+                </a:r>
+                <a:r>
+                  <a:rPr lang="es-ES" b="1" dirty="0"/>
+                  <a:t>terminal </a:t>
+                </a:r>
+                <a:r>
+                  <a:rPr lang="es-ES" b="1" dirty="0" err="1"/>
+                  <a:t>half-life</a:t>
+                </a:r>
+                <a:r>
+                  <a:rPr lang="es-ES" b="1" dirty="0"/>
+                  <a:t> </a:t>
+                </a:r>
+                <a:r>
+                  <a:rPr lang="es-ES" dirty="0"/>
+                  <a:t>and </a:t>
+                </a:r>
+                <a:r>
+                  <a:rPr lang="es-ES" b="1" dirty="0" err="1"/>
+                  <a:t>clearance</a:t>
+                </a:r>
+                <a:r>
+                  <a:rPr lang="es-ES" dirty="0"/>
+                  <a:t> at </a:t>
+                </a:r>
+                <a:r>
+                  <a:rPr lang="es-ES" dirty="0" err="1"/>
+                  <a:t>high</a:t>
+                </a:r>
+                <a:r>
+                  <a:rPr lang="es-ES" dirty="0"/>
+                  <a:t> doses </a:t>
+                </a:r>
+                <a:r>
+                  <a:rPr lang="es-ES" dirty="0" err="1"/>
+                  <a:t>of</a:t>
+                </a:r>
+                <a:r>
+                  <a:rPr lang="es-ES" dirty="0"/>
+                  <a:t> </a:t>
+                </a:r>
+                <a:r>
+                  <a:rPr lang="es-ES" dirty="0" err="1"/>
+                  <a:t>the</a:t>
+                </a:r>
+                <a:r>
+                  <a:rPr lang="es-ES" dirty="0"/>
+                  <a:t> </a:t>
+                </a:r>
+                <a:r>
+                  <a:rPr lang="es-ES" dirty="0" err="1"/>
+                  <a:t>drug</a:t>
+                </a:r>
+                <a:r>
+                  <a:rPr lang="es-ES" dirty="0"/>
+                  <a:t>.</a:t>
+                </a:r>
+              </a:p>
+              <a:p>
+                <a:endParaRPr lang="es-ES" dirty="0"/>
+              </a:p>
+              <a:p>
+                <a:r>
+                  <a:rPr lang="es-ES" b="1" dirty="0" err="1"/>
+                  <a:t>Romiplostim</a:t>
+                </a:r>
+                <a:r>
+                  <a:rPr lang="es-ES" b="1" dirty="0"/>
+                  <a:t> </a:t>
+                </a:r>
+                <a:r>
+                  <a:rPr lang="es-ES" dirty="0"/>
+                  <a:t>(COAGULANT AGENT)</a:t>
+                </a:r>
+                <a:endParaRPr lang="es-ES" b="1" dirty="0"/>
+              </a:p>
+              <a:p>
+                <a:endParaRPr lang="es-ES" dirty="0"/>
+              </a:p>
+            </p:txBody>
+          </p:sp>
+        </mc:Choice>
+        <mc:Fallback>
+          <p:sp>
+            <p:nvSpPr>
+              <p:cNvPr id="8" name="Marcador de texto 7">
+                <a:extLst>
+                  <a:ext uri="{FF2B5EF4-FFF2-40B4-BE49-F238E27FC236}">
+                    <a16:creationId xmlns:a16="http://schemas.microsoft.com/office/drawing/2014/main" id="{BC358DB7-4E53-4E09-1181-FBE10D95AFD4}"/>
+                  </a:ext>
+                </a:extLst>
+              </p:cNvPr>
+              <p:cNvSpPr>
+                <a:spLocks noGrp="1" noRot="1" noChangeAspect="1" noMove="1" noResize="1" noEditPoints="1" noAdjustHandles="1" noChangeArrowheads="1" noChangeShapeType="1" noTextEdit="1"/>
+              </p:cNvSpPr>
+              <p:nvPr>
+                <p:ph type="body" sz="half" idx="2"/>
+              </p:nvPr>
+            </p:nvSpPr>
+            <p:spPr>
+              <a:xfrm>
+                <a:off x="231286" y="2177716"/>
+                <a:ext cx="4529889" cy="3084094"/>
+              </a:xfrm>
+              <a:blipFill>
+                <a:blip r:embed="rId2"/>
+                <a:stretch>
+                  <a:fillRect l="-808" t="-1976"/>
+                </a:stretch>
+              </a:blipFill>
+            </p:spPr>
+            <p:txBody>
+              <a:bodyPr/>
+              <a:lstStyle/>
+              <a:p>
+                <a:r>
+                  <a:rPr lang="es-ES">
+                    <a:noFill/>
+                  </a:rPr>
+                  <a:t> </a:t>
+                </a:r>
+              </a:p>
+            </p:txBody>
+          </p:sp>
+        </mc:Fallback>
+      </mc:AlternateContent>
+      <p:pic>
+        <p:nvPicPr>
+          <p:cNvPr id="5" name="Marcador de posición de imagen 4" descr="Gráfico&#10;&#10;El contenido generado por IA puede ser incorrecto.">
+            <a:extLst>
+              <a:ext uri="{FF2B5EF4-FFF2-40B4-BE49-F238E27FC236}">
+                <a16:creationId xmlns:a16="http://schemas.microsoft.com/office/drawing/2014/main" id="{D6B51B4B-1F5B-C43A-C0A0-6FF92CFE74F8}"/>
+              </a:ext>
+            </a:extLst>
+          </p:cNvPr>
+          <p:cNvPicPr>
+            <a:picLocks noGrp="1" noChangeAspect="1"/>
+          </p:cNvPicPr>
+          <p:nvPr>
+            <p:ph type="pic" idx="1"/>
+          </p:nvPr>
+        </p:nvPicPr>
+        <p:blipFill>
+          <a:blip r:embed="rId3">
+            <a:extLst>
+              <a:ext uri="{28A0092B-C50C-407E-A947-70E740481C1C}">
+                <a14:useLocalDpi xmlns:a14="http://schemas.microsoft.com/office/drawing/2010/main" val="0"/>
+              </a:ext>
+            </a:extLst>
+          </a:blip>
+          <a:srcRect l="-2071" t="-51" r="-1" b="240"/>
+          <a:stretch>
+            <a:fillRect/>
+          </a:stretch>
+        </p:blipFill>
+        <p:spPr>
+          <a:xfrm>
+            <a:off x="4761175" y="577516"/>
+            <a:ext cx="7377116" cy="5823284"/>
+          </a:xfrm>
+        </p:spPr>
+      </p:pic>
+    </p:spTree>
+    <p:extLst>
+      <p:ext uri="{BB962C8B-B14F-4D97-AF65-F5344CB8AC3E}">
+        <p14:creationId xmlns:p14="http://schemas.microsoft.com/office/powerpoint/2010/main" val="2304022589"/>
+      </p:ext>
+    </p:extLst>
+  </p:cSld>
+  <p:clrMapOvr>
+    <a:masterClrMapping/>
+  </p:clrMapOvr>
+</p:sld>
+</file>
+
+<file path=ppt/slides/slide9.xml><?xml version="1.0" encoding="utf-8"?>
+<p:sld xmlns:a="http://schemas.openxmlformats.org/drawingml/2006/main" xmlns:r="http://schemas.openxmlformats.org/officeDocument/2006/relationships" xmlns:p="http://schemas.openxmlformats.org/presentationml/2006/main">
+  <p:cSld>
+    <p:spTree>
+      <p:nvGrpSpPr>
+        <p:cNvPr id="1" name="">
+          <a:extLst>
+            <a:ext uri="{FF2B5EF4-FFF2-40B4-BE49-F238E27FC236}">
+              <a16:creationId xmlns:a16="http://schemas.microsoft.com/office/drawing/2014/main" id="{4DA0291F-6B40-DCEE-7EDA-4F8D637306A7}"/>
+            </a:ext>
+          </a:extLst>
+        </p:cNvPr>
+        <p:cNvGrpSpPr/>
+        <p:nvPr/>
+      </p:nvGrpSpPr>
+      <p:grpSpPr>
+        <a:xfrm>
+          <a:off x="0" y="0"/>
+          <a:ext cx="0" cy="0"/>
+          <a:chOff x="0" y="0"/>
+          <a:chExt cx="0" cy="0"/>
+        </a:xfrm>
+      </p:grpSpPr>
+      <p:sp>
+        <p:nvSpPr>
+          <p:cNvPr id="2" name="Título 1">
+            <a:extLst>
+              <a:ext uri="{FF2B5EF4-FFF2-40B4-BE49-F238E27FC236}">
+                <a16:creationId xmlns:a16="http://schemas.microsoft.com/office/drawing/2014/main" id="{96EF6818-F060-6630-FA49-C139D867D222}"/>
+              </a:ext>
+            </a:extLst>
+          </p:cNvPr>
+          <p:cNvSpPr>
+            <a:spLocks noGrp="1"/>
+          </p:cNvSpPr>
+          <p:nvPr>
+            <p:ph type="title"/>
+          </p:nvPr>
+        </p:nvSpPr>
+        <p:spPr/>
+        <p:txBody>
+          <a:bodyPr anchor="ctr"/>
+          <a:lstStyle/>
+          <a:p>
+            <a:r>
+              <a:rPr lang="es-ES" dirty="0" err="1"/>
+              <a:t>Extensions</a:t>
+            </a:r>
+            <a:r>
+              <a:rPr lang="es-ES" dirty="0"/>
+              <a:t> </a:t>
+            </a:r>
+            <a:r>
+              <a:rPr lang="es-ES" dirty="0" err="1"/>
+              <a:t>to</a:t>
+            </a:r>
+            <a:r>
+              <a:rPr lang="es-ES" dirty="0"/>
+              <a:t> </a:t>
+            </a:r>
+            <a:r>
+              <a:rPr lang="es-ES" dirty="0" err="1"/>
+              <a:t>two-compartment</a:t>
+            </a:r>
+            <a:r>
+              <a:rPr lang="es-ES" dirty="0"/>
+              <a:t> </a:t>
+            </a:r>
+            <a:r>
+              <a:rPr lang="es-ES" dirty="0" err="1"/>
+              <a:t>models</a:t>
+            </a:r>
+            <a:endParaRPr lang="es-ES" dirty="0"/>
+          </a:p>
+        </p:txBody>
+      </p:sp>
+      <p:sp>
+        <p:nvSpPr>
+          <p:cNvPr id="7" name="Marcador de texto 6">
+            <a:extLst>
+              <a:ext uri="{FF2B5EF4-FFF2-40B4-BE49-F238E27FC236}">
+                <a16:creationId xmlns:a16="http://schemas.microsoft.com/office/drawing/2014/main" id="{FDF45B2C-B8BD-4992-CB39-61BF34E0B7C1}"/>
+              </a:ext>
+            </a:extLst>
+          </p:cNvPr>
+          <p:cNvSpPr>
+            <a:spLocks noGrp="1"/>
+          </p:cNvSpPr>
+          <p:nvPr>
+            <p:ph type="body" sz="half" idx="2"/>
+          </p:nvPr>
+        </p:nvSpPr>
+        <p:spPr>
+          <a:xfrm>
+            <a:off x="7802062" y="2314073"/>
+            <a:ext cx="3932237" cy="3811588"/>
+          </a:xfrm>
+        </p:spPr>
+        <p:txBody>
+          <a:bodyPr/>
+          <a:lstStyle/>
+          <a:p>
+            <a:r>
+              <a:rPr lang="es-ES" dirty="0" err="1"/>
+              <a:t>Two</a:t>
+            </a:r>
+            <a:r>
+              <a:rPr lang="es-ES" dirty="0"/>
+              <a:t> </a:t>
+            </a:r>
+            <a:r>
+              <a:rPr lang="es-ES" dirty="0" err="1"/>
+              <a:t>drugs</a:t>
+            </a:r>
+            <a:r>
+              <a:rPr lang="es-ES" dirty="0"/>
+              <a:t> </a:t>
+            </a:r>
+            <a:r>
+              <a:rPr lang="es-ES" dirty="0" err="1"/>
+              <a:t>competing</a:t>
+            </a:r>
+            <a:r>
+              <a:rPr lang="es-ES" dirty="0"/>
+              <a:t> </a:t>
+            </a:r>
+            <a:r>
+              <a:rPr lang="es-ES" dirty="0" err="1"/>
+              <a:t>for</a:t>
+            </a:r>
+            <a:r>
+              <a:rPr lang="es-ES" dirty="0"/>
+              <a:t> </a:t>
+            </a:r>
+            <a:r>
+              <a:rPr lang="es-ES" dirty="0" err="1"/>
+              <a:t>the</a:t>
+            </a:r>
+            <a:r>
+              <a:rPr lang="es-ES" dirty="0"/>
+              <a:t> </a:t>
+            </a:r>
+            <a:r>
+              <a:rPr lang="es-ES" dirty="0" err="1"/>
+              <a:t>same</a:t>
+            </a:r>
+            <a:r>
+              <a:rPr lang="es-ES" dirty="0"/>
+              <a:t> receptor site.</a:t>
+            </a:r>
+          </a:p>
+        </p:txBody>
+      </p:sp>
+      <p:pic>
+        <p:nvPicPr>
+          <p:cNvPr id="10" name="Imagen 9">
+            <a:extLst>
+              <a:ext uri="{FF2B5EF4-FFF2-40B4-BE49-F238E27FC236}">
+                <a16:creationId xmlns:a16="http://schemas.microsoft.com/office/drawing/2014/main" id="{5ACD4190-9F1C-20C0-3847-0180ACD55662}"/>
+              </a:ext>
+            </a:extLst>
+          </p:cNvPr>
+          <p:cNvPicPr>
+            <a:picLocks noChangeAspect="1"/>
+          </p:cNvPicPr>
+          <p:nvPr/>
+        </p:nvPicPr>
+        <p:blipFill>
+          <a:blip r:embed="rId2"/>
+          <a:stretch>
+            <a:fillRect/>
+          </a:stretch>
+        </p:blipFill>
+        <p:spPr>
+          <a:xfrm>
+            <a:off x="839788" y="1973867"/>
+            <a:ext cx="6415316" cy="4492000"/>
+          </a:xfrm>
+          <a:prstGeom prst="rect">
+            <a:avLst/>
+          </a:prstGeom>
+        </p:spPr>
+      </p:pic>
+    </p:spTree>
+    <p:extLst>
+      <p:ext uri="{BB962C8B-B14F-4D97-AF65-F5344CB8AC3E}">
+        <p14:creationId xmlns:p14="http://schemas.microsoft.com/office/powerpoint/2010/main" val="1468081736"/>
       </p:ext>
     </p:extLst>
   </p:cSld>
@@ -7256,4 +12842,319 @@
     </a:ext>
   </a:extLst>
 </a:theme>
+</file>
+
+<file path=ppt/theme/theme2.xml><?xml version="1.0" encoding="utf-8"?>
+<a:theme xmlns:a="http://schemas.openxmlformats.org/drawingml/2006/main" name="Tema de Office">
+  <a:themeElements>
+    <a:clrScheme name="Office">
+      <a:dk1>
+        <a:sysClr val="windowText" lastClr="000000"/>
+      </a:dk1>
+      <a:lt1>
+        <a:sysClr val="window" lastClr="FFFFFF"/>
+      </a:lt1>
+      <a:dk2>
+        <a:srgbClr val="0E2841"/>
+      </a:dk2>
+      <a:lt2>
+        <a:srgbClr val="E8E8E8"/>
+      </a:lt2>
+      <a:accent1>
+        <a:srgbClr val="156082"/>
+      </a:accent1>
+      <a:accent2>
+        <a:srgbClr val="E97132"/>
+      </a:accent2>
+      <a:accent3>
+        <a:srgbClr val="196B24"/>
+      </a:accent3>
+      <a:accent4>
+        <a:srgbClr val="0F9ED5"/>
+      </a:accent4>
+      <a:accent5>
+        <a:srgbClr val="A02B93"/>
+      </a:accent5>
+      <a:accent6>
+        <a:srgbClr val="4EA72E"/>
+      </a:accent6>
+      <a:hlink>
+        <a:srgbClr val="467886"/>
+      </a:hlink>
+      <a:folHlink>
+        <a:srgbClr val="96607D"/>
+      </a:folHlink>
+    </a:clrScheme>
+    <a:fontScheme name="Office">
+      <a:majorFont>
+        <a:latin typeface="Aptos Display" panose="02110004020202020204"/>
+        <a:ea typeface=""/>
+        <a:cs typeface=""/>
+        <a:font script="Jpan" typeface="游ゴシック Light"/>
+        <a:font script="Hang" typeface="맑은 고딕"/>
+        <a:font script="Hans" typeface="等线 Light"/>
+        <a:font script="Hant" typeface="新細明體"/>
+        <a:font script="Arab" typeface="Times New Roman"/>
+        <a:font script="Hebr" typeface="Times New Roman"/>
+        <a:font script="Thai" typeface="Angsana New"/>
+        <a:font script="Ethi" typeface="Nyala"/>
+        <a:font script="Beng" typeface="Vrinda"/>
+        <a:font script="Gujr" typeface="Shruti"/>
+        <a:font script="Khmr" typeface="MoolBoran"/>
+        <a:font script="Knda" typeface="Tunga"/>
+        <a:font script="Guru" typeface="Raavi"/>
+        <a:font script="Cans" typeface="Euphemia"/>
+        <a:font script="Cher" typeface="Plantagenet Cherokee"/>
+        <a:font script="Yiii" typeface="Microsoft Yi Baiti"/>
+        <a:font script="Tibt" typeface="Microsoft Himalaya"/>
+        <a:font script="Thaa" typeface="MV Boli"/>
+        <a:font script="Deva" typeface="Mangal"/>
+        <a:font script="Telu" typeface="Gautami"/>
+        <a:font script="Taml" typeface="Latha"/>
+        <a:font script="Syrc" typeface="Estrangelo Edessa"/>
+        <a:font script="Orya" typeface="Kalinga"/>
+        <a:font script="Mlym" typeface="Kartika"/>
+        <a:font script="Laoo" typeface="DokChampa"/>
+        <a:font script="Sinh" typeface="Iskoola Pota"/>
+        <a:font script="Mong" typeface="Mongolian Baiti"/>
+        <a:font script="Viet" typeface="Times New Roman"/>
+        <a:font script="Uigh" typeface="Microsoft Uighur"/>
+        <a:font script="Geor" typeface="Sylfaen"/>
+        <a:font script="Armn" typeface="Arial"/>
+        <a:font script="Bugi" typeface="Leelawadee UI"/>
+        <a:font script="Bopo" typeface="Microsoft JhengHei"/>
+        <a:font script="Java" typeface="Javanese Text"/>
+        <a:font script="Lisu" typeface="Segoe UI"/>
+        <a:font script="Mymr" typeface="Myanmar Text"/>
+        <a:font script="Nkoo" typeface="Ebrima"/>
+        <a:font script="Olck" typeface="Nirmala UI"/>
+        <a:font script="Osma" typeface="Ebrima"/>
+        <a:font script="Phag" typeface="Phagspa"/>
+        <a:font script="Syrn" typeface="Estrangelo Edessa"/>
+        <a:font script="Syrj" typeface="Estrangelo Edessa"/>
+        <a:font script="Syre" typeface="Estrangelo Edessa"/>
+        <a:font script="Sora" typeface="Nirmala UI"/>
+        <a:font script="Tale" typeface="Microsoft Tai Le"/>
+        <a:font script="Talu" typeface="Microsoft New Tai Lue"/>
+        <a:font script="Tfng" typeface="Ebrima"/>
+      </a:majorFont>
+      <a:minorFont>
+        <a:latin typeface="Aptos" panose="02110004020202020204"/>
+        <a:ea typeface=""/>
+        <a:cs typeface=""/>
+        <a:font script="Jpan" typeface="游ゴシック"/>
+        <a:font script="Hang" typeface="맑은 고딕"/>
+        <a:font script="Hans" typeface="等线"/>
+        <a:font script="Hant" typeface="新細明體"/>
+        <a:font script="Arab" typeface="Arial"/>
+        <a:font script="Hebr" typeface="Arial"/>
+        <a:font script="Thai" typeface="Cordia New"/>
+        <a:font script="Ethi" typeface="Nyala"/>
+        <a:font script="Beng" typeface="Vrinda"/>
+        <a:font script="Gujr" typeface="Shruti"/>
+        <a:font script="Khmr" typeface="DaunPenh"/>
+        <a:font script="Knda" typeface="Tunga"/>
+        <a:font script="Guru" typeface="Raavi"/>
+        <a:font script="Cans" typeface="Euphemia"/>
+        <a:font script="Cher" typeface="Plantagenet Cherokee"/>
+        <a:font script="Yiii" typeface="Microsoft Yi Baiti"/>
+        <a:font script="Tibt" typeface="Microsoft Himalaya"/>
+        <a:font script="Thaa" typeface="MV Boli"/>
+        <a:font script="Deva" typeface="Mangal"/>
+        <a:font script="Telu" typeface="Gautami"/>
+        <a:font script="Taml" typeface="Latha"/>
+        <a:font script="Syrc" typeface="Estrangelo Edessa"/>
+        <a:font script="Orya" typeface="Kalinga"/>
+        <a:font script="Mlym" typeface="Kartika"/>
+        <a:font script="Laoo" typeface="DokChampa"/>
+        <a:font script="Sinh" typeface="Iskoola Pota"/>
+        <a:font script="Mong" typeface="Mongolian Baiti"/>
+        <a:font script="Viet" typeface="Arial"/>
+        <a:font script="Uigh" typeface="Microsoft Uighur"/>
+        <a:font script="Geor" typeface="Sylfaen"/>
+        <a:font script="Armn" typeface="Arial"/>
+        <a:font script="Bugi" typeface="Leelawadee UI"/>
+        <a:font script="Bopo" typeface="Microsoft JhengHei"/>
+        <a:font script="Java" typeface="Javanese Text"/>
+        <a:font script="Lisu" typeface="Segoe UI"/>
+        <a:font script="Mymr" typeface="Myanmar Text"/>
+        <a:font script="Nkoo" typeface="Ebrima"/>
+        <a:font script="Olck" typeface="Nirmala UI"/>
+        <a:font script="Osma" typeface="Ebrima"/>
+        <a:font script="Phag" typeface="Phagspa"/>
+        <a:font script="Syrn" typeface="Estrangelo Edessa"/>
+        <a:font script="Syrj" typeface="Estrangelo Edessa"/>
+        <a:font script="Syre" typeface="Estrangelo Edessa"/>
+        <a:font script="Sora" typeface="Nirmala UI"/>
+        <a:font script="Tale" typeface="Microsoft Tai Le"/>
+        <a:font script="Talu" typeface="Microsoft New Tai Lue"/>
+        <a:font script="Tfng" typeface="Ebrima"/>
+      </a:minorFont>
+    </a:fontScheme>
+    <a:fmtScheme name="Office">
+      <a:fillStyleLst>
+        <a:solidFill>
+          <a:schemeClr val="phClr"/>
+        </a:solidFill>
+        <a:gradFill rotWithShape="1">
+          <a:gsLst>
+            <a:gs pos="0">
+              <a:schemeClr val="phClr">
+                <a:lumMod val="110000"/>
+                <a:satMod val="105000"/>
+                <a:tint val="67000"/>
+              </a:schemeClr>
+            </a:gs>
+            <a:gs pos="50000">
+              <a:schemeClr val="phClr">
+                <a:lumMod val="105000"/>
+                <a:satMod val="103000"/>
+                <a:tint val="73000"/>
+              </a:schemeClr>
+            </a:gs>
+            <a:gs pos="100000">
+              <a:schemeClr val="phClr">
+                <a:lumMod val="105000"/>
+                <a:satMod val="109000"/>
+                <a:tint val="81000"/>
+              </a:schemeClr>
+            </a:gs>
+          </a:gsLst>
+          <a:lin ang="5400000" scaled="0"/>
+        </a:gradFill>
+        <a:gradFill rotWithShape="1">
+          <a:gsLst>
+            <a:gs pos="0">
+              <a:schemeClr val="phClr">
+                <a:satMod val="103000"/>
+                <a:lumMod val="102000"/>
+                <a:tint val="94000"/>
+              </a:schemeClr>
+            </a:gs>
+            <a:gs pos="50000">
+              <a:schemeClr val="phClr">
+                <a:satMod val="110000"/>
+                <a:lumMod val="100000"/>
+                <a:shade val="100000"/>
+              </a:schemeClr>
+            </a:gs>
+            <a:gs pos="100000">
+              <a:schemeClr val="phClr">
+                <a:lumMod val="99000"/>
+                <a:satMod val="120000"/>
+                <a:shade val="78000"/>
+              </a:schemeClr>
+            </a:gs>
+          </a:gsLst>
+          <a:lin ang="5400000" scaled="0"/>
+        </a:gradFill>
+      </a:fillStyleLst>
+      <a:lnStyleLst>
+        <a:ln w="12700" cap="flat" cmpd="sng" algn="ctr">
+          <a:solidFill>
+            <a:schemeClr val="phClr"/>
+          </a:solidFill>
+          <a:prstDash val="solid"/>
+          <a:miter lim="800000"/>
+        </a:ln>
+        <a:ln w="19050" cap="flat" cmpd="sng" algn="ctr">
+          <a:solidFill>
+            <a:schemeClr val="phClr"/>
+          </a:solidFill>
+          <a:prstDash val="solid"/>
+          <a:miter lim="800000"/>
+        </a:ln>
+        <a:ln w="25400" cap="flat" cmpd="sng" algn="ctr">
+          <a:solidFill>
+            <a:schemeClr val="phClr"/>
+          </a:solidFill>
+          <a:prstDash val="solid"/>
+          <a:miter lim="800000"/>
+        </a:ln>
+      </a:lnStyleLst>
+      <a:effectStyleLst>
+        <a:effectStyle>
+          <a:effectLst/>
+        </a:effectStyle>
+        <a:effectStyle>
+          <a:effectLst/>
+        </a:effectStyle>
+        <a:effectStyle>
+          <a:effectLst>
+            <a:outerShdw blurRad="57150" dist="19050" dir="5400000" algn="ctr" rotWithShape="0">
+              <a:srgbClr val="000000">
+                <a:alpha val="63000"/>
+              </a:srgbClr>
+            </a:outerShdw>
+          </a:effectLst>
+        </a:effectStyle>
+      </a:effectStyleLst>
+      <a:bgFillStyleLst>
+        <a:solidFill>
+          <a:schemeClr val="phClr"/>
+        </a:solidFill>
+        <a:solidFill>
+          <a:schemeClr val="phClr">
+            <a:tint val="95000"/>
+            <a:satMod val="170000"/>
+          </a:schemeClr>
+        </a:solidFill>
+        <a:gradFill rotWithShape="1">
+          <a:gsLst>
+            <a:gs pos="0">
+              <a:schemeClr val="phClr">
+                <a:tint val="93000"/>
+                <a:satMod val="150000"/>
+                <a:shade val="98000"/>
+                <a:lumMod val="102000"/>
+              </a:schemeClr>
+            </a:gs>
+            <a:gs pos="50000">
+              <a:schemeClr val="phClr">
+                <a:tint val="98000"/>
+                <a:satMod val="130000"/>
+                <a:shade val="90000"/>
+                <a:lumMod val="103000"/>
+              </a:schemeClr>
+            </a:gs>
+            <a:gs pos="100000">
+              <a:schemeClr val="phClr">
+                <a:shade val="63000"/>
+                <a:satMod val="120000"/>
+              </a:schemeClr>
+            </a:gs>
+          </a:gsLst>
+          <a:lin ang="5400000" scaled="0"/>
+        </a:gradFill>
+      </a:bgFillStyleLst>
+    </a:fmtScheme>
+  </a:themeElements>
+  <a:objectDefaults>
+    <a:lnDef>
+      <a:spPr/>
+      <a:bodyPr/>
+      <a:lstStyle/>
+      <a:style>
+        <a:lnRef idx="2">
+          <a:schemeClr val="accent1"/>
+        </a:lnRef>
+        <a:fillRef idx="0">
+          <a:schemeClr val="accent1"/>
+        </a:fillRef>
+        <a:effectRef idx="1">
+          <a:schemeClr val="accent1"/>
+        </a:effectRef>
+        <a:fontRef idx="minor">
+          <a:schemeClr val="tx1"/>
+        </a:fontRef>
+      </a:style>
+    </a:lnDef>
+  </a:objectDefaults>
+  <a:extraClrSchemeLst/>
+  <a:extLst>
+    <a:ext uri="{05A4C25C-085E-4340-85A3-A5531E510DB2}">
+      <thm15:themeFamily xmlns:thm15="http://schemas.microsoft.com/office/thememl/2012/main" name="Office Theme" id="{2E142A2C-CD16-42D6-873A-C26D2A0506FA}" vid="{1BDDFF52-6CD6-40A5-AB3C-68EB2F1E4D0A}"/>
+    </a:ext>
+  </a:extLst>
+</a:theme>
 </file>